--- a/Ansible ABC's and Tower Tips.pptx
+++ b/Ansible ABC's and Tower Tips.pptx
@@ -6,31 +6,32 @@
     <p:sldMasterId id="2147483852" r:id="rId2"/>
   </p:sldMasterIdLst>
   <p:notesMasterIdLst>
-    <p:notesMasterId r:id="rId25"/>
+    <p:notesMasterId r:id="rId26"/>
   </p:notesMasterIdLst>
   <p:sldIdLst>
     <p:sldId id="256" r:id="rId3"/>
-    <p:sldId id="257" r:id="rId4"/>
-    <p:sldId id="260" r:id="rId5"/>
-    <p:sldId id="261" r:id="rId6"/>
-    <p:sldId id="258" r:id="rId7"/>
-    <p:sldId id="259" r:id="rId8"/>
-    <p:sldId id="262" r:id="rId9"/>
-    <p:sldId id="263" r:id="rId10"/>
-    <p:sldId id="268" r:id="rId11"/>
-    <p:sldId id="264" r:id="rId12"/>
-    <p:sldId id="265" r:id="rId13"/>
-    <p:sldId id="266" r:id="rId14"/>
-    <p:sldId id="269" r:id="rId15"/>
-    <p:sldId id="270" r:id="rId16"/>
-    <p:sldId id="272" r:id="rId17"/>
-    <p:sldId id="273" r:id="rId18"/>
-    <p:sldId id="279" r:id="rId19"/>
-    <p:sldId id="276" r:id="rId20"/>
-    <p:sldId id="282" r:id="rId21"/>
-    <p:sldId id="281" r:id="rId22"/>
-    <p:sldId id="280" r:id="rId23"/>
-    <p:sldId id="275" r:id="rId24"/>
+    <p:sldId id="283" r:id="rId4"/>
+    <p:sldId id="257" r:id="rId5"/>
+    <p:sldId id="260" r:id="rId6"/>
+    <p:sldId id="261" r:id="rId7"/>
+    <p:sldId id="258" r:id="rId8"/>
+    <p:sldId id="259" r:id="rId9"/>
+    <p:sldId id="262" r:id="rId10"/>
+    <p:sldId id="263" r:id="rId11"/>
+    <p:sldId id="268" r:id="rId12"/>
+    <p:sldId id="264" r:id="rId13"/>
+    <p:sldId id="265" r:id="rId14"/>
+    <p:sldId id="266" r:id="rId15"/>
+    <p:sldId id="269" r:id="rId16"/>
+    <p:sldId id="270" r:id="rId17"/>
+    <p:sldId id="272" r:id="rId18"/>
+    <p:sldId id="273" r:id="rId19"/>
+    <p:sldId id="279" r:id="rId20"/>
+    <p:sldId id="276" r:id="rId21"/>
+    <p:sldId id="282" r:id="rId22"/>
+    <p:sldId id="281" r:id="rId23"/>
+    <p:sldId id="280" r:id="rId24"/>
+    <p:sldId id="275" r:id="rId25"/>
   </p:sldIdLst>
   <p:sldSz cx="12192000" cy="6858000"/>
   <p:notesSz cx="6858000" cy="9144000"/>
@@ -219,7 +220,7 @@
           <a:p>
             <a:fld id="{CBD0E845-EB88-F341-A593-6816AD1FFFBD}" type="datetimeFigureOut">
               <a:rPr lang="en-US" smtClean="0"/>
-              <a:t>2/29/20</a:t>
+              <a:t>3/3/20</a:t>
             </a:fld>
             <a:endParaRPr lang="en-US"/>
           </a:p>
@@ -711,7 +712,7 @@
           <a:p>
             <a:fld id="{B975D442-BD51-2642-93BE-7AC31FA39B73}" type="datetime1">
               <a:rPr lang="en-IE" smtClean="0"/>
-              <a:t>29/02/2020</a:t>
+              <a:t>03/03/2020</a:t>
             </a:fld>
             <a:endParaRPr lang="en-US" dirty="0"/>
           </a:p>
@@ -901,7 +902,7 @@
           <a:p>
             <a:fld id="{CAF50F26-B77F-8E4C-AEA9-3A25C11DE65D}" type="datetime1">
               <a:rPr lang="en-IE" smtClean="0"/>
-              <a:t>29/02/2020</a:t>
+              <a:t>03/03/2020</a:t>
             </a:fld>
             <a:endParaRPr lang="en-US" dirty="0"/>
           </a:p>
@@ -1101,7 +1102,7 @@
           <a:p>
             <a:fld id="{0DD6E2F0-1CF5-C242-85FA-AD2C98F4BA01}" type="datetime1">
               <a:rPr lang="en-IE" smtClean="0"/>
-              <a:t>29/02/2020</a:t>
+              <a:t>03/03/2020</a:t>
             </a:fld>
             <a:endParaRPr lang="en-US" dirty="0"/>
           </a:p>
@@ -1406,7 +1407,7 @@
           <a:p>
             <a:fld id="{D73570B2-9F3B-6B44-9781-6D8AEF817491}" type="datetime1">
               <a:rPr lang="en-IE" smtClean="0"/>
-              <a:t>29/02/2020</a:t>
+              <a:t>03/03/2020</a:t>
             </a:fld>
             <a:endParaRPr lang="en-US" dirty="0"/>
           </a:p>
@@ -1601,7 +1602,7 @@
           <a:p>
             <a:fld id="{9621B0E5-7DCD-8E44-AB01-B50FD1F96D08}" type="datetime1">
               <a:rPr lang="en-IE" smtClean="0"/>
-              <a:t>29/02/2020</a:t>
+              <a:t>03/03/2020</a:t>
             </a:fld>
             <a:endParaRPr lang="en-US" dirty="0"/>
           </a:p>
@@ -1969,7 +1970,7 @@
           <a:p>
             <a:fld id="{15F52069-C084-E340-A3D8-9504650E6943}" type="datetime1">
               <a:rPr lang="en-IE" smtClean="0"/>
-              <a:t>29/02/2020</a:t>
+              <a:t>03/03/2020</a:t>
             </a:fld>
             <a:endParaRPr lang="en-US" dirty="0"/>
           </a:p>
@@ -2282,7 +2283,7 @@
           <a:p>
             <a:fld id="{498F1787-E0AA-2648-9770-CA1B08591262}" type="datetime1">
               <a:rPr lang="en-IE" smtClean="0"/>
-              <a:t>29/02/2020</a:t>
+              <a:t>03/03/2020</a:t>
             </a:fld>
             <a:endParaRPr lang="en-US" dirty="0"/>
           </a:p>
@@ -2749,7 +2750,7 @@
           <a:p>
             <a:fld id="{B3A3916D-D766-DC44-9381-A293F3DA9735}" type="datetime1">
               <a:rPr lang="en-IE" smtClean="0"/>
-              <a:t>29/02/2020</a:t>
+              <a:t>03/03/2020</a:t>
             </a:fld>
             <a:endParaRPr lang="en-US" dirty="0"/>
           </a:p>
@@ -2892,7 +2893,7 @@
           <a:p>
             <a:fld id="{9BEA8BEF-D2E1-C842-8A4D-B08917E099A4}" type="datetime1">
               <a:rPr lang="en-IE" smtClean="0"/>
-              <a:t>29/02/2020</a:t>
+              <a:t>03/03/2020</a:t>
             </a:fld>
             <a:endParaRPr lang="en-US" dirty="0"/>
           </a:p>
@@ -3012,7 +3013,7 @@
           <a:p>
             <a:fld id="{6B8935BA-D381-8A48-B734-D4832BD6A0E2}" type="datetime1">
               <a:rPr lang="en-IE" smtClean="0"/>
-              <a:t>29/02/2020</a:t>
+              <a:t>03/03/2020</a:t>
             </a:fld>
             <a:endParaRPr lang="en-US" dirty="0"/>
           </a:p>
@@ -3325,7 +3326,7 @@
           <a:p>
             <a:fld id="{062358A9-2A1C-DE4C-A85F-FCCC70C7F596}" type="datetime1">
               <a:rPr lang="en-IE" smtClean="0"/>
-              <a:t>29/02/2020</a:t>
+              <a:t>03/03/2020</a:t>
             </a:fld>
             <a:endParaRPr lang="en-US" dirty="0"/>
           </a:p>
@@ -3520,7 +3521,7 @@
           <a:p>
             <a:fld id="{D1515F68-0550-784E-872D-FB0E9D34F0C4}" type="datetime1">
               <a:rPr lang="en-IE" smtClean="0"/>
-              <a:t>29/02/2020</a:t>
+              <a:t>03/03/2020</a:t>
             </a:fld>
             <a:endParaRPr lang="en-US" dirty="0"/>
           </a:p>
@@ -3813,7 +3814,7 @@
           <a:p>
             <a:fld id="{8F9B8FBC-7578-9E40-9DA7-1414044FBA04}" type="datetime1">
               <a:rPr lang="en-IE" smtClean="0"/>
-              <a:t>29/02/2020</a:t>
+              <a:t>03/03/2020</a:t>
             </a:fld>
             <a:endParaRPr lang="en-US" dirty="0"/>
           </a:p>
@@ -4013,7 +4014,7 @@
           <a:p>
             <a:fld id="{456117FE-7AA4-7C4C-BAE1-1E9817E7A70B}" type="datetime1">
               <a:rPr lang="en-IE" smtClean="0"/>
-              <a:t>29/02/2020</a:t>
+              <a:t>03/03/2020</a:t>
             </a:fld>
             <a:endParaRPr lang="en-US" dirty="0"/>
           </a:p>
@@ -4218,7 +4219,7 @@
           <a:p>
             <a:fld id="{C5F2302B-9324-1D4C-8F20-DF207D65F45C}" type="datetime1">
               <a:rPr lang="en-IE" smtClean="0"/>
-              <a:t>29/02/2020</a:t>
+              <a:t>03/03/2020</a:t>
             </a:fld>
             <a:endParaRPr lang="en-US" dirty="0"/>
           </a:p>
@@ -4501,7 +4502,7 @@
           <a:p>
             <a:fld id="{A0E444CF-5E59-5A48-8D89-8D7CBE17619A}" type="datetime1">
               <a:rPr lang="en-IE" smtClean="0"/>
-              <a:t>29/02/2020</a:t>
+              <a:t>03/03/2020</a:t>
             </a:fld>
             <a:endParaRPr lang="en-US" dirty="0"/>
           </a:p>
@@ -4809,7 +4810,7 @@
           <a:p>
             <a:fld id="{E51EEF43-4AB1-F846-BCB4-D43F93090B7E}" type="datetime1">
               <a:rPr lang="en-IE" smtClean="0"/>
-              <a:t>29/02/2020</a:t>
+              <a:t>03/03/2020</a:t>
             </a:fld>
             <a:endParaRPr lang="en-US" dirty="0"/>
           </a:p>
@@ -5271,7 +5272,7 @@
           <a:p>
             <a:fld id="{D9B52765-AF64-B44F-A731-5D7FFE63FD35}" type="datetime1">
               <a:rPr lang="en-IE" smtClean="0"/>
-              <a:t>29/02/2020</a:t>
+              <a:t>03/03/2020</a:t>
             </a:fld>
             <a:endParaRPr lang="en-US" dirty="0"/>
           </a:p>
@@ -5409,7 +5410,7 @@
           <a:p>
             <a:fld id="{84444EB8-A0A1-004E-A61D-CD4309FA994C}" type="datetime1">
               <a:rPr lang="en-IE" smtClean="0"/>
-              <a:t>29/02/2020</a:t>
+              <a:t>03/03/2020</a:t>
             </a:fld>
             <a:endParaRPr lang="en-US" dirty="0"/>
           </a:p>
@@ -5524,7 +5525,7 @@
           <a:p>
             <a:fld id="{2727CD1D-B6CB-A64B-929E-52E30620C6CE}" type="datetime1">
               <a:rPr lang="en-IE" smtClean="0"/>
-              <a:t>29/02/2020</a:t>
+              <a:t>03/03/2020</a:t>
             </a:fld>
             <a:endParaRPr lang="en-US" dirty="0"/>
           </a:p>
@@ -5832,7 +5833,7 @@
           <a:p>
             <a:fld id="{AF634F89-E1B9-744C-8D35-5F834A0C3D96}" type="datetime1">
               <a:rPr lang="en-IE" smtClean="0"/>
-              <a:t>29/02/2020</a:t>
+              <a:t>03/03/2020</a:t>
             </a:fld>
             <a:endParaRPr lang="en-US" dirty="0"/>
           </a:p>
@@ -6125,7 +6126,7 @@
           <a:p>
             <a:fld id="{AFCB271D-3EDA-A148-9DE8-F02DA0CD0DD1}" type="datetime1">
               <a:rPr lang="en-IE" smtClean="0"/>
-              <a:t>29/02/2020</a:t>
+              <a:t>03/03/2020</a:t>
             </a:fld>
             <a:endParaRPr lang="en-US" dirty="0"/>
           </a:p>
@@ -6442,7 +6443,7 @@
           <a:p>
             <a:fld id="{534C5DC3-3405-C642-ACAF-4585819F1404}" type="datetime1">
               <a:rPr lang="en-IE" smtClean="0"/>
-              <a:t>29/02/2020</a:t>
+              <a:t>03/03/2020</a:t>
             </a:fld>
             <a:endParaRPr lang="en-US" dirty="0"/>
           </a:p>
@@ -7137,7 +7138,7 @@
           <a:p>
             <a:fld id="{3157F318-623E-FC4C-A950-0B5D53EB2E66}" type="datetime1">
               <a:rPr lang="en-IE" smtClean="0"/>
-              <a:t>29/02/2020</a:t>
+              <a:t>03/03/2020</a:t>
             </a:fld>
             <a:endParaRPr lang="en-US" dirty="0"/>
           </a:p>
@@ -7618,7 +7619,7 @@
     <p:bg>
       <p:bgPr>
         <a:solidFill>
-          <a:schemeClr val="bg2"/>
+          <a:schemeClr val="bg1"/>
         </a:solidFill>
         <a:effectLst/>
       </p:bgPr>
@@ -7639,10 +7640,10 @@
       </p:grpSpPr>
       <p:sp useBgFill="1">
         <p:nvSpPr>
-          <p:cNvPr id="73" name="Rectangle 72">
+          <p:cNvPr id="137" name="Rectangle 136">
             <a:extLst>
               <a:ext uri="{FF2B5EF4-FFF2-40B4-BE49-F238E27FC236}">
-                <a16:creationId xmlns:a16="http://schemas.microsoft.com/office/drawing/2014/main" id="{6B086509-1281-468A-AAAC-1BBEDAE75736}"/>
+                <a16:creationId xmlns:a16="http://schemas.microsoft.com/office/drawing/2014/main" id="{BC512124-0D13-4ED9-80B7-52AE15B6B41F}"/>
               </a:ext>
               <a:ext uri="{C183D7F6-B498-43B3-948B-1728B52AA6E4}">
                 <adec:decorative xmlns:adec="http://schemas.microsoft.com/office/drawing/2017/decorative" val="1"/>
@@ -7663,7 +7664,7 @@
         <p:spPr>
           <a:xfrm>
             <a:off x="0" y="0"/>
-            <a:ext cx="12191999" cy="6858000"/>
+            <a:ext cx="12192000" cy="6858000"/>
           </a:xfrm>
           <a:prstGeom prst="rect">
             <a:avLst/>
@@ -7693,64 +7694,9 @@
           <a:lstStyle/>
           <a:p>
             <a:pPr algn="ctr"/>
-            <a:endParaRPr lang="en-US"/>
-          </a:p>
-        </p:txBody>
-      </p:sp>
-      <p:sp>
-        <p:nvSpPr>
-          <p:cNvPr id="75" name="Rectangle 74">
-            <a:extLst>
-              <a:ext uri="{FF2B5EF4-FFF2-40B4-BE49-F238E27FC236}">
-                <a16:creationId xmlns:a16="http://schemas.microsoft.com/office/drawing/2014/main" id="{EEA73850-2107-4E65-85FE-EDD3F45FCDA2}"/>
-              </a:ext>
-              <a:ext uri="{C183D7F6-B498-43B3-948B-1728B52AA6E4}">
-                <adec:decorative xmlns:adec="http://schemas.microsoft.com/office/drawing/2017/decorative" val="1"/>
-              </a:ext>
-            </a:extLst>
-          </p:cNvPr>
-          <p:cNvSpPr>
-            <a:spLocks noGrp="1" noRot="1" noChangeAspect="1" noMove="1" noResize="1" noEditPoints="1" noAdjustHandles="1" noChangeArrowheads="1" noChangeShapeType="1" noTextEdit="1"/>
-          </p:cNvSpPr>
-          <p:nvPr>
-            <p:extLst>
-              <p:ext uri="{386F3935-93C4-4BCD-93E2-E3B085C9AB24}">
-                <p16:designElem xmlns:p16="http://schemas.microsoft.com/office/powerpoint/2015/main" val="1"/>
-              </p:ext>
-            </p:extLst>
-          </p:nvPr>
-        </p:nvSpPr>
-        <p:spPr>
-          <a:xfrm>
-            <a:off x="1" y="1300114"/>
-            <a:ext cx="4053525" cy="4257773"/>
-          </a:xfrm>
-          <a:prstGeom prst="rect">
-            <a:avLst/>
-          </a:prstGeom>
-          <a:solidFill>
-            <a:schemeClr val="accent1"/>
-          </a:solidFill>
-          <a:ln>
-            <a:noFill/>
-          </a:ln>
-        </p:spPr>
-        <p:style>
-          <a:lnRef idx="2">
-            <a:schemeClr val="accent1">
-              <a:shade val="50000"/>
-            </a:schemeClr>
-          </a:lnRef>
-          <a:fillRef idx="1">
-            <a:schemeClr val="accent1"/>
-          </a:fillRef>
-          <a:effectRef idx="0">
-            <a:schemeClr val="accent1"/>
-          </a:effectRef>
-          <a:fontRef idx="minor">
-            <a:schemeClr val="lt1"/>
-          </a:fontRef>
-        </p:style>
+            <a:endParaRPr lang="en-US" sz="2000"/>
+          </a:p>
+        </p:txBody>
       </p:sp>
       <p:sp>
         <p:nvSpPr>
@@ -7770,8 +7716,8 @@
         </p:nvSpPr>
         <p:spPr>
           <a:xfrm>
-            <a:off x="364724" y="3520440"/>
-            <a:ext cx="3331786" cy="1772367"/>
+            <a:off x="159485" y="4702634"/>
+            <a:ext cx="7315200" cy="2092509"/>
           </a:xfrm>
         </p:spPr>
         <p:txBody>
@@ -7781,13 +7727,21 @@
           <a:lstStyle/>
           <a:p>
             <a:r>
-              <a:rPr lang="en-US" dirty="0"/>
-              <a:t>An Introduction</a:t>
-            </a:r>
-          </a:p>
-          <a:p>
-            <a:r>
-              <a:rPr lang="en-US" dirty="0"/>
+              <a:rPr lang="en-US" sz="2400" dirty="0">
+                <a:solidFill>
+                  <a:schemeClr val="tx1"/>
+                </a:solidFill>
+              </a:rPr>
+              <a:t>    Sean O’Gorman &amp;</a:t>
+            </a:r>
+          </a:p>
+          <a:p>
+            <a:r>
+              <a:rPr lang="en-US" sz="2400" dirty="0">
+                <a:solidFill>
+                  <a:schemeClr val="tx1"/>
+                </a:solidFill>
+              </a:rPr>
               <a:t>Andrew Reid East</a:t>
             </a:r>
           </a:p>
@@ -7795,10 +7749,10 @@
       </p:sp>
       <p:pic>
         <p:nvPicPr>
-          <p:cNvPr id="1028" name="Picture 4">
+          <p:cNvPr id="8" name="Picture 4">
             <a:extLst>
               <a:ext uri="{FF2B5EF4-FFF2-40B4-BE49-F238E27FC236}">
-                <a16:creationId xmlns:a16="http://schemas.microsoft.com/office/drawing/2014/main" id="{83F49A83-C573-F348-B93C-BCBB848D8F79}"/>
+                <a16:creationId xmlns:a16="http://schemas.microsoft.com/office/drawing/2014/main" id="{29FBF11E-A1DA-4A49-8959-A2D8C15EE32E}"/>
               </a:ext>
             </a:extLst>
           </p:cNvPr>
@@ -7809,81 +7763,20 @@
         </p:nvPicPr>
         <p:blipFill rotWithShape="1">
           <a:blip r:embed="rId2">
-            <a:duotone>
-              <a:schemeClr val="accent2">
-                <a:shade val="45000"/>
-                <a:satMod val="135000"/>
-              </a:schemeClr>
-              <a:prstClr val="white"/>
-            </a:duotone>
+            <a:alphaModFix amt="35000"/>
             <a:extLst>
               <a:ext uri="{28A0092B-C50C-407E-A947-70E740481C1C}">
                 <a14:useLocalDpi xmlns:a14="http://schemas.microsoft.com/office/drawing/2010/main" val="0"/>
               </a:ext>
             </a:extLst>
           </a:blip>
-          <a:srcRect b="18567"/>
+          <a:srcRect l="11834" t="21709" r="12699" b="43801"/>
           <a:stretch/>
         </p:blipFill>
         <p:spPr bwMode="auto">
           <a:xfrm>
-            <a:off x="5157779" y="441590"/>
-            <a:ext cx="5961394" cy="5974819"/>
-          </a:xfrm>
-          <a:prstGeom prst="rect">
-            <a:avLst/>
-          </a:prstGeom>
-          <a:noFill/>
-          <a:extLst>
-            <a:ext uri="{909E8E84-426E-40DD-AFC4-6F175D3DCCD1}">
-              <a14:hiddenFill xmlns:a14="http://schemas.microsoft.com/office/drawing/2010/main">
-                <a:solidFill>
-                  <a:srgbClr val="FFFFFF"/>
-                </a:solidFill>
-              </a14:hiddenFill>
-            </a:ext>
-          </a:extLst>
-        </p:spPr>
-      </p:pic>
-      <p:pic>
-        <p:nvPicPr>
-          <p:cNvPr id="9" name="Picture 4">
-            <a:extLst>
-              <a:ext uri="{FF2B5EF4-FFF2-40B4-BE49-F238E27FC236}">
-                <a16:creationId xmlns:a16="http://schemas.microsoft.com/office/drawing/2014/main" id="{CB9FA2C7-286B-6B46-BB81-01F8E7E4CCCB}"/>
-              </a:ext>
-            </a:extLst>
-          </p:cNvPr>
-          <p:cNvPicPr>
-            <a:picLocks noChangeAspect="1" noChangeArrowheads="1"/>
-          </p:cNvPicPr>
-          <p:nvPr/>
-        </p:nvPicPr>
-        <p:blipFill rotWithShape="1">
-          <a:blip r:embed="rId3">
-            <a:biLevel thresh="25000"/>
-            <a:extLst>
-              <a:ext uri="{BEBA8EAE-BF5A-486C-A8C5-ECC9F3942E4B}">
-                <a14:imgProps xmlns:a14="http://schemas.microsoft.com/office/drawing/2010/main">
-                  <a14:imgLayer r:embed="rId4">
-                    <a14:imgEffect>
-                      <a14:brightnessContrast bright="40000" contrast="-40000"/>
-                    </a14:imgEffect>
-                  </a14:imgLayer>
-                </a14:imgProps>
-              </a:ext>
-              <a:ext uri="{28A0092B-C50C-407E-A947-70E740481C1C}">
-                <a14:useLocalDpi xmlns:a14="http://schemas.microsoft.com/office/drawing/2010/main" val="0"/>
-              </a:ext>
-            </a:extLst>
-          </a:blip>
-          <a:srcRect t="88342" b="-1156"/>
-          <a:stretch/>
-        </p:blipFill>
-        <p:spPr bwMode="auto">
-          <a:xfrm>
-            <a:off x="364725" y="1565193"/>
-            <a:ext cx="2890540" cy="455868"/>
+            <a:off x="0" y="-1"/>
+            <a:ext cx="12192001" cy="6858001"/>
           </a:xfrm>
           <a:prstGeom prst="rect">
             <a:avLst/>
@@ -7974,78 +7867,76 @@
             <p:ph idx="1"/>
           </p:nvPr>
         </p:nvSpPr>
-        <p:spPr/>
+        <p:spPr>
+          <a:xfrm>
+            <a:off x="3869268" y="864108"/>
+            <a:ext cx="7315200" cy="5120640"/>
+          </a:xfrm>
+        </p:spPr>
         <p:txBody>
           <a:bodyPr/>
           <a:lstStyle/>
           <a:p>
             <a:r>
               <a:rPr lang="en-US" sz="3200" dirty="0"/>
-              <a:t>Quick to learn</a:t>
+              <a:t>Low requirements</a:t>
             </a:r>
           </a:p>
           <a:p>
             <a:r>
               <a:rPr lang="en-US" dirty="0"/>
-              <a:t>You probably already know the concept behind:</a:t>
+              <a:t>Each server only needs:</a:t>
             </a:r>
           </a:p>
           <a:p>
             <a:pPr lvl="1"/>
             <a:r>
+              <a:rPr lang="en-US" dirty="0" err="1"/>
+              <a:t>sshd</a:t>
+            </a:r>
+            <a:endParaRPr lang="en-US" dirty="0"/>
+          </a:p>
+          <a:p>
+            <a:pPr lvl="1"/>
+            <a:r>
               <a:rPr lang="en-US" dirty="0"/>
-              <a:t>SSH</a:t>
+              <a:t>python</a:t>
+            </a:r>
+          </a:p>
+          <a:p>
+            <a:r>
+              <a:rPr lang="en-US" dirty="0"/>
+              <a:t>Push model</a:t>
             </a:r>
           </a:p>
           <a:p>
             <a:pPr lvl="1"/>
             <a:r>
               <a:rPr lang="en-US" dirty="0"/>
-              <a:t>Scripting</a:t>
-            </a:r>
-          </a:p>
-          <a:p>
+              <a:t>You push configurations when you run a playbook</a:t>
+            </a:r>
+          </a:p>
+          <a:p>
+            <a:pPr lvl="1"/>
             <a:r>
               <a:rPr lang="en-US" dirty="0"/>
-              <a:t>Tasks designed to be familiar</a:t>
-            </a:r>
-          </a:p>
-          <a:p>
-            <a:pPr lvl="1"/>
+              <a:t>No polling, and nothing installed on servers</a:t>
+            </a:r>
+          </a:p>
+          <a:p>
             <a:r>
               <a:rPr lang="en-US" dirty="0"/>
-              <a:t>Usually 1:1 connection to familiar sysadmin shell commands</a:t>
-            </a:r>
-          </a:p>
-          <a:p>
-            <a:pPr lvl="2"/>
-            <a:r>
-              <a:rPr lang="en-US" dirty="0"/>
-              <a:t>cp ⇔</a:t>
-            </a:r>
-            <a:r>
-              <a:rPr lang="en-US" dirty="0">
-                <a:sym typeface="Wingdings" pitchFamily="2" charset="2"/>
-              </a:rPr>
-              <a:t> copy</a:t>
-            </a:r>
-            <a:endParaRPr lang="en-US" dirty="0"/>
-          </a:p>
-          <a:p>
-            <a:pPr lvl="1"/>
-            <a:r>
-              <a:rPr lang="en-US" dirty="0"/>
-              <a:t>No special Ansible commands to learn</a:t>
-            </a:r>
-          </a:p>
-        </p:txBody>
-      </p:sp>
-      <p:sp>
-        <p:nvSpPr>
-          <p:cNvPr id="8" name="Slide Number Placeholder 7">
+              <a:t>Clean servers</a:t>
+            </a:r>
+          </a:p>
+        </p:txBody>
+      </p:sp>
+      <p:sp>
+        <p:nvSpPr>
+          <p:cNvPr id="6" name="Slide Number Placeholder 5">
             <a:extLst>
               <a:ext uri="{FF2B5EF4-FFF2-40B4-BE49-F238E27FC236}">
-                <a16:creationId xmlns:a16="http://schemas.microsoft.com/office/drawing/2014/main" id="{420A8D8C-7B4B-7C49-9908-A4B82DC72EDD}"/>
+                <a16:creationId xmlns:a16="http://schemas.microsoft.com/office/drawing/2014/main" id="{9FFB3E40-8FEB-EA49-A613-8A62515AC14A}"/>
               </a:ext>
             </a:extLst>
           </p:cNvPr>
@@ -8070,10 +7961,118 @@
           </a:p>
         </p:txBody>
       </p:sp>
+      <p:grpSp>
+        <p:nvGrpSpPr>
+          <p:cNvPr id="10" name="Group 9">
+            <a:extLst>
+              <a:ext uri="{FF2B5EF4-FFF2-40B4-BE49-F238E27FC236}">
+                <a16:creationId xmlns:a16="http://schemas.microsoft.com/office/drawing/2014/main" id="{A4FD0B40-5F0C-C14C-AF16-982019698BB4}"/>
+              </a:ext>
+            </a:extLst>
+          </p:cNvPr>
+          <p:cNvGrpSpPr/>
+          <p:nvPr/>
+        </p:nvGrpSpPr>
+        <p:grpSpPr>
+          <a:xfrm>
+            <a:off x="26938" y="6180318"/>
+            <a:ext cx="2483367" cy="592183"/>
+            <a:chOff x="0" y="6237331"/>
+            <a:chExt cx="2483367" cy="592183"/>
+          </a:xfrm>
+        </p:grpSpPr>
+        <p:pic>
+          <p:nvPicPr>
+            <p:cNvPr id="11" name="Picture 10" descr="A picture containing tree&#10;&#10;Description automatically generated">
+              <a:extLst>
+                <a:ext uri="{FF2B5EF4-FFF2-40B4-BE49-F238E27FC236}">
+                  <a16:creationId xmlns:a16="http://schemas.microsoft.com/office/drawing/2014/main" id="{1DFD8FB0-F898-E34E-95F1-804D454A8C6C}"/>
+                </a:ext>
+              </a:extLst>
+            </p:cNvPr>
+            <p:cNvPicPr>
+              <a:picLocks noChangeAspect="1"/>
+            </p:cNvPicPr>
+            <p:nvPr/>
+          </p:nvPicPr>
+          <p:blipFill>
+            <a:blip r:embed="rId2">
+              <a:extLst>
+                <a:ext uri="{BEBA8EAE-BF5A-486C-A8C5-ECC9F3942E4B}">
+                  <a14:imgProps xmlns:a14="http://schemas.microsoft.com/office/drawing/2010/main">
+                    <a14:imgLayer r:embed="rId3">
+                      <a14:imgEffect>
+                        <a14:saturation sat="0"/>
+                      </a14:imgEffect>
+                      <a14:imgEffect>
+                        <a14:brightnessContrast bright="-40000"/>
+                      </a14:imgEffect>
+                    </a14:imgLayer>
+                  </a14:imgProps>
+                </a:ext>
+              </a:extLst>
+            </a:blip>
+            <a:stretch>
+              <a:fillRect/>
+            </a:stretch>
+          </p:blipFill>
+          <p:spPr>
+            <a:xfrm>
+              <a:off x="0" y="6237331"/>
+              <a:ext cx="592183" cy="592183"/>
+            </a:xfrm>
+            <a:prstGeom prst="rect">
+              <a:avLst/>
+            </a:prstGeom>
+          </p:spPr>
+        </p:pic>
+        <p:sp>
+          <p:nvSpPr>
+            <p:cNvPr id="12" name="TextBox 11">
+              <a:extLst>
+                <a:ext uri="{FF2B5EF4-FFF2-40B4-BE49-F238E27FC236}">
+                  <a16:creationId xmlns:a16="http://schemas.microsoft.com/office/drawing/2014/main" id="{E78431EB-B382-1242-A0AE-8CF6633AE552}"/>
+                </a:ext>
+              </a:extLst>
+            </p:cNvPr>
+            <p:cNvSpPr txBox="1"/>
+            <p:nvPr/>
+          </p:nvSpPr>
+          <p:spPr>
+            <a:xfrm>
+              <a:off x="478972" y="6348756"/>
+              <a:ext cx="2004395" cy="369332"/>
+            </a:xfrm>
+            <a:prstGeom prst="rect">
+              <a:avLst/>
+            </a:prstGeom>
+            <a:noFill/>
+          </p:spPr>
+          <p:txBody>
+            <a:bodyPr wrap="none" rtlCol="0">
+              <a:spAutoFit/>
+            </a:bodyPr>
+            <a:lstStyle/>
+            <a:p>
+              <a:r>
+                <a:rPr lang="en-US" dirty="0">
+                  <a:solidFill>
+                    <a:schemeClr val="tx1">
+                      <a:lumMod val="65000"/>
+                      <a:lumOff val="35000"/>
+                    </a:schemeClr>
+                  </a:solidFill>
+                </a:rPr>
+                <a:t>@AndrewReidEast</a:t>
+              </a:r>
+            </a:p>
+          </p:txBody>
+        </p:sp>
+      </p:grpSp>
     </p:spTree>
     <p:extLst>
       <p:ext uri="{BB962C8B-B14F-4D97-AF65-F5344CB8AC3E}">
-        <p14:creationId xmlns:p14="http://schemas.microsoft.com/office/powerpoint/2010/main" val="3067062561"/>
+        <p14:creationId xmlns:p14="http://schemas.microsoft.com/office/powerpoint/2010/main" val="67701040"/>
       </p:ext>
     </p:extLst>
   </p:cSld>
@@ -8151,42 +8150,71 @@
           <a:p>
             <a:r>
               <a:rPr lang="en-US" sz="3200" dirty="0"/>
-              <a:t>Declarative</a:t>
+              <a:t>Quick to learn</a:t>
             </a:r>
           </a:p>
           <a:p>
             <a:r>
               <a:rPr lang="en-US" dirty="0"/>
-              <a:t>Playbooks are readable YAML</a:t>
-            </a:r>
-          </a:p>
-          <a:p>
+              <a:t>You probably already know the concept behind:</a:t>
+            </a:r>
+          </a:p>
+          <a:p>
+            <a:pPr lvl="1"/>
             <a:r>
               <a:rPr lang="en-US" dirty="0"/>
-              <a:t>Tasks are small and focused</a:t>
-            </a:r>
-          </a:p>
-          <a:p>
+              <a:t>SSH</a:t>
+            </a:r>
+          </a:p>
+          <a:p>
+            <a:pPr lvl="1"/>
             <a:r>
               <a:rPr lang="en-US" dirty="0"/>
-              <a:t>Self-documenting syntax choices</a:t>
+              <a:t>Scripting</a:t>
+            </a:r>
+          </a:p>
+          <a:p>
+            <a:r>
+              <a:rPr lang="en-US" dirty="0"/>
+              <a:t>Tasks designed to be familiar</a:t>
             </a:r>
           </a:p>
           <a:p>
             <a:pPr lvl="1"/>
             <a:r>
               <a:rPr lang="en-US" dirty="0"/>
-              <a:t>”Name:” field encourages describing the intent of each task</a:t>
-            </a:r>
-          </a:p>
-        </p:txBody>
-      </p:sp>
-      <p:sp>
-        <p:nvSpPr>
-          <p:cNvPr id="6" name="Slide Number Placeholder 5">
+              <a:t>Usually 1:1 connection to familiar sysadmin shell commands</a:t>
+            </a:r>
+          </a:p>
+          <a:p>
+            <a:pPr lvl="2"/>
+            <a:r>
+              <a:rPr lang="en-US" dirty="0"/>
+              <a:t>cp ⇔</a:t>
+            </a:r>
+            <a:r>
+              <a:rPr lang="en-US" dirty="0">
+                <a:sym typeface="Wingdings" pitchFamily="2" charset="2"/>
+              </a:rPr>
+              <a:t> copy</a:t>
+            </a:r>
+            <a:endParaRPr lang="en-US" dirty="0"/>
+          </a:p>
+          <a:p>
+            <a:pPr lvl="1"/>
+            <a:r>
+              <a:rPr lang="en-US" dirty="0"/>
+              <a:t>No special Ansible commands to learn</a:t>
+            </a:r>
+          </a:p>
+        </p:txBody>
+      </p:sp>
+      <p:sp>
+        <p:nvSpPr>
+          <p:cNvPr id="8" name="Slide Number Placeholder 7">
             <a:extLst>
               <a:ext uri="{FF2B5EF4-FFF2-40B4-BE49-F238E27FC236}">
-                <a16:creationId xmlns:a16="http://schemas.microsoft.com/office/drawing/2014/main" id="{7B721842-9C55-254D-914D-FB8386CE3B0B}"/>
+                <a16:creationId xmlns:a16="http://schemas.microsoft.com/office/drawing/2014/main" id="{420A8D8C-7B4B-7C49-9908-A4B82DC72EDD}"/>
               </a:ext>
             </a:extLst>
           </p:cNvPr>
@@ -8211,10 +8239,118 @@
           </a:p>
         </p:txBody>
       </p:sp>
+      <p:grpSp>
+        <p:nvGrpSpPr>
+          <p:cNvPr id="10" name="Group 9">
+            <a:extLst>
+              <a:ext uri="{FF2B5EF4-FFF2-40B4-BE49-F238E27FC236}">
+                <a16:creationId xmlns:a16="http://schemas.microsoft.com/office/drawing/2014/main" id="{96364502-532C-8D47-BA0A-01566E6EC1A2}"/>
+              </a:ext>
+            </a:extLst>
+          </p:cNvPr>
+          <p:cNvGrpSpPr/>
+          <p:nvPr/>
+        </p:nvGrpSpPr>
+        <p:grpSpPr>
+          <a:xfrm>
+            <a:off x="26938" y="6180318"/>
+            <a:ext cx="2483367" cy="592183"/>
+            <a:chOff x="0" y="6237331"/>
+            <a:chExt cx="2483367" cy="592183"/>
+          </a:xfrm>
+        </p:grpSpPr>
+        <p:pic>
+          <p:nvPicPr>
+            <p:cNvPr id="11" name="Picture 10" descr="A picture containing tree&#10;&#10;Description automatically generated">
+              <a:extLst>
+                <a:ext uri="{FF2B5EF4-FFF2-40B4-BE49-F238E27FC236}">
+                  <a16:creationId xmlns:a16="http://schemas.microsoft.com/office/drawing/2014/main" id="{E3D10EE7-771F-7949-A7CF-6CC8DFF21D18}"/>
+                </a:ext>
+              </a:extLst>
+            </p:cNvPr>
+            <p:cNvPicPr>
+              <a:picLocks noChangeAspect="1"/>
+            </p:cNvPicPr>
+            <p:nvPr/>
+          </p:nvPicPr>
+          <p:blipFill>
+            <a:blip r:embed="rId2">
+              <a:extLst>
+                <a:ext uri="{BEBA8EAE-BF5A-486C-A8C5-ECC9F3942E4B}">
+                  <a14:imgProps xmlns:a14="http://schemas.microsoft.com/office/drawing/2010/main">
+                    <a14:imgLayer r:embed="rId3">
+                      <a14:imgEffect>
+                        <a14:saturation sat="0"/>
+                      </a14:imgEffect>
+                      <a14:imgEffect>
+                        <a14:brightnessContrast bright="-40000"/>
+                      </a14:imgEffect>
+                    </a14:imgLayer>
+                  </a14:imgProps>
+                </a:ext>
+              </a:extLst>
+            </a:blip>
+            <a:stretch>
+              <a:fillRect/>
+            </a:stretch>
+          </p:blipFill>
+          <p:spPr>
+            <a:xfrm>
+              <a:off x="0" y="6237331"/>
+              <a:ext cx="592183" cy="592183"/>
+            </a:xfrm>
+            <a:prstGeom prst="rect">
+              <a:avLst/>
+            </a:prstGeom>
+          </p:spPr>
+        </p:pic>
+        <p:sp>
+          <p:nvSpPr>
+            <p:cNvPr id="12" name="TextBox 11">
+              <a:extLst>
+                <a:ext uri="{FF2B5EF4-FFF2-40B4-BE49-F238E27FC236}">
+                  <a16:creationId xmlns:a16="http://schemas.microsoft.com/office/drawing/2014/main" id="{0FD5C423-4B4A-5F43-98A2-012A5A09A671}"/>
+                </a:ext>
+              </a:extLst>
+            </p:cNvPr>
+            <p:cNvSpPr txBox="1"/>
+            <p:nvPr/>
+          </p:nvSpPr>
+          <p:spPr>
+            <a:xfrm>
+              <a:off x="478972" y="6348756"/>
+              <a:ext cx="2004395" cy="369332"/>
+            </a:xfrm>
+            <a:prstGeom prst="rect">
+              <a:avLst/>
+            </a:prstGeom>
+            <a:noFill/>
+          </p:spPr>
+          <p:txBody>
+            <a:bodyPr wrap="none" rtlCol="0">
+              <a:spAutoFit/>
+            </a:bodyPr>
+            <a:lstStyle/>
+            <a:p>
+              <a:r>
+                <a:rPr lang="en-US" dirty="0">
+                  <a:solidFill>
+                    <a:schemeClr val="tx1">
+                      <a:lumMod val="65000"/>
+                      <a:lumOff val="35000"/>
+                    </a:schemeClr>
+                  </a:solidFill>
+                </a:rPr>
+                <a:t>@AndrewReidEast</a:t>
+              </a:r>
+            </a:p>
+          </p:txBody>
+        </p:sp>
+      </p:grpSp>
     </p:spTree>
     <p:extLst>
       <p:ext uri="{BB962C8B-B14F-4D97-AF65-F5344CB8AC3E}">
-        <p14:creationId xmlns:p14="http://schemas.microsoft.com/office/powerpoint/2010/main" val="1084861699"/>
+        <p14:creationId xmlns:p14="http://schemas.microsoft.com/office/powerpoint/2010/main" val="3067062561"/>
       </p:ext>
     </p:extLst>
   </p:cSld>
@@ -8285,37 +8421,39 @@
             <p:ph idx="1"/>
           </p:nvPr>
         </p:nvSpPr>
-        <p:spPr>
-          <a:xfrm>
-            <a:off x="3869268" y="864108"/>
-            <a:ext cx="7315200" cy="5120640"/>
-          </a:xfrm>
-        </p:spPr>
+        <p:spPr/>
         <p:txBody>
           <a:bodyPr/>
           <a:lstStyle/>
           <a:p>
             <a:r>
               <a:rPr lang="en-US" sz="3200" dirty="0"/>
-              <a:t>Idempotent</a:t>
+              <a:t>Declarative</a:t>
             </a:r>
           </a:p>
           <a:p>
             <a:r>
               <a:rPr lang="en-US" dirty="0"/>
-              <a:t>Ansible designed each task to be re-runnable</a:t>
+              <a:t>Playbooks are readable YAML</a:t>
             </a:r>
           </a:p>
           <a:p>
             <a:r>
               <a:rPr lang="en-US" dirty="0"/>
-              <a:t>Result: Repeatable playbooks</a:t>
+              <a:t>Tasks are small and focused</a:t>
             </a:r>
           </a:p>
           <a:p>
             <a:r>
               <a:rPr lang="en-US" dirty="0"/>
-              <a:t>Useful when connection broken, need to re-run!</a:t>
+              <a:t>Self-documenting syntax choices</a:t>
+            </a:r>
+          </a:p>
+          <a:p>
+            <a:pPr lvl="1"/>
+            <a:r>
+              <a:rPr lang="en-US" dirty="0"/>
+              <a:t>”Name:” field encourages describing the intent of each task</a:t>
             </a:r>
           </a:p>
         </p:txBody>
@@ -8325,7 +8463,7 @@
           <p:cNvPr id="6" name="Slide Number Placeholder 5">
             <a:extLst>
               <a:ext uri="{FF2B5EF4-FFF2-40B4-BE49-F238E27FC236}">
-                <a16:creationId xmlns:a16="http://schemas.microsoft.com/office/drawing/2014/main" id="{ECCD7CF1-EB73-F548-9C12-E49402701D38}"/>
+                <a16:creationId xmlns:a16="http://schemas.microsoft.com/office/drawing/2014/main" id="{7B721842-9C55-254D-914D-FB8386CE3B0B}"/>
               </a:ext>
             </a:extLst>
           </p:cNvPr>
@@ -8350,10 +8488,118 @@
           </a:p>
         </p:txBody>
       </p:sp>
+      <p:grpSp>
+        <p:nvGrpSpPr>
+          <p:cNvPr id="10" name="Group 9">
+            <a:extLst>
+              <a:ext uri="{FF2B5EF4-FFF2-40B4-BE49-F238E27FC236}">
+                <a16:creationId xmlns:a16="http://schemas.microsoft.com/office/drawing/2014/main" id="{39B868E0-5AF4-EA4E-8B19-CF51BE989C87}"/>
+              </a:ext>
+            </a:extLst>
+          </p:cNvPr>
+          <p:cNvGrpSpPr/>
+          <p:nvPr/>
+        </p:nvGrpSpPr>
+        <p:grpSpPr>
+          <a:xfrm>
+            <a:off x="26938" y="6180318"/>
+            <a:ext cx="2483367" cy="592183"/>
+            <a:chOff x="0" y="6237331"/>
+            <a:chExt cx="2483367" cy="592183"/>
+          </a:xfrm>
+        </p:grpSpPr>
+        <p:pic>
+          <p:nvPicPr>
+            <p:cNvPr id="11" name="Picture 10" descr="A picture containing tree&#10;&#10;Description automatically generated">
+              <a:extLst>
+                <a:ext uri="{FF2B5EF4-FFF2-40B4-BE49-F238E27FC236}">
+                  <a16:creationId xmlns:a16="http://schemas.microsoft.com/office/drawing/2014/main" id="{E0169CA0-53D7-E448-8189-BAFC2200D8AA}"/>
+                </a:ext>
+              </a:extLst>
+            </p:cNvPr>
+            <p:cNvPicPr>
+              <a:picLocks noChangeAspect="1"/>
+            </p:cNvPicPr>
+            <p:nvPr/>
+          </p:nvPicPr>
+          <p:blipFill>
+            <a:blip r:embed="rId2">
+              <a:extLst>
+                <a:ext uri="{BEBA8EAE-BF5A-486C-A8C5-ECC9F3942E4B}">
+                  <a14:imgProps xmlns:a14="http://schemas.microsoft.com/office/drawing/2010/main">
+                    <a14:imgLayer r:embed="rId3">
+                      <a14:imgEffect>
+                        <a14:saturation sat="0"/>
+                      </a14:imgEffect>
+                      <a14:imgEffect>
+                        <a14:brightnessContrast bright="-40000"/>
+                      </a14:imgEffect>
+                    </a14:imgLayer>
+                  </a14:imgProps>
+                </a:ext>
+              </a:extLst>
+            </a:blip>
+            <a:stretch>
+              <a:fillRect/>
+            </a:stretch>
+          </p:blipFill>
+          <p:spPr>
+            <a:xfrm>
+              <a:off x="0" y="6237331"/>
+              <a:ext cx="592183" cy="592183"/>
+            </a:xfrm>
+            <a:prstGeom prst="rect">
+              <a:avLst/>
+            </a:prstGeom>
+          </p:spPr>
+        </p:pic>
+        <p:sp>
+          <p:nvSpPr>
+            <p:cNvPr id="12" name="TextBox 11">
+              <a:extLst>
+                <a:ext uri="{FF2B5EF4-FFF2-40B4-BE49-F238E27FC236}">
+                  <a16:creationId xmlns:a16="http://schemas.microsoft.com/office/drawing/2014/main" id="{3F28E0B5-8B58-AE4F-9BD4-37D886C766EA}"/>
+                </a:ext>
+              </a:extLst>
+            </p:cNvPr>
+            <p:cNvSpPr txBox="1"/>
+            <p:nvPr/>
+          </p:nvSpPr>
+          <p:spPr>
+            <a:xfrm>
+              <a:off x="478972" y="6348756"/>
+              <a:ext cx="2004395" cy="369332"/>
+            </a:xfrm>
+            <a:prstGeom prst="rect">
+              <a:avLst/>
+            </a:prstGeom>
+            <a:noFill/>
+          </p:spPr>
+          <p:txBody>
+            <a:bodyPr wrap="none" rtlCol="0">
+              <a:spAutoFit/>
+            </a:bodyPr>
+            <a:lstStyle/>
+            <a:p>
+              <a:r>
+                <a:rPr lang="en-US" dirty="0">
+                  <a:solidFill>
+                    <a:schemeClr val="tx1">
+                      <a:lumMod val="65000"/>
+                      <a:lumOff val="35000"/>
+                    </a:schemeClr>
+                  </a:solidFill>
+                </a:rPr>
+                <a:t>@AndrewReidEast</a:t>
+              </a:r>
+            </a:p>
+          </p:txBody>
+        </p:sp>
+      </p:grpSp>
     </p:spTree>
     <p:extLst>
       <p:ext uri="{BB962C8B-B14F-4D97-AF65-F5344CB8AC3E}">
-        <p14:creationId xmlns:p14="http://schemas.microsoft.com/office/powerpoint/2010/main" val="2895390787"/>
+        <p14:creationId xmlns:p14="http://schemas.microsoft.com/office/powerpoint/2010/main" val="1084861699"/>
       </p:ext>
     </p:extLst>
   </p:cSld>
@@ -8424,128 +8670,38 @@
             <p:ph idx="1"/>
           </p:nvPr>
         </p:nvSpPr>
-        <p:spPr/>
-        <p:txBody>
-          <a:bodyPr>
-            <a:normAutofit lnSpcReduction="10000"/>
-          </a:bodyPr>
+        <p:spPr>
+          <a:xfrm>
+            <a:off x="3869268" y="864108"/>
+            <a:ext cx="7315200" cy="5120640"/>
+          </a:xfrm>
+        </p:spPr>
+        <p:txBody>
+          <a:bodyPr/>
           <a:lstStyle/>
           <a:p>
             <a:r>
               <a:rPr lang="en-US" sz="3200" dirty="0"/>
-              <a:t>Easy to get started</a:t>
+              <a:t>Idempotent</a:t>
             </a:r>
           </a:p>
           <a:p>
             <a:r>
               <a:rPr lang="en-US" dirty="0"/>
-              <a:t>Example A:</a:t>
-            </a:r>
-          </a:p>
-          <a:p>
-            <a:pPr lvl="1"/>
-            <a:r>
-              <a:rPr lang="en-US" i="1" dirty="0"/>
-              <a:t>I’ve already developed a script to set up my newly provisioned servers</a:t>
-            </a:r>
-          </a:p>
-          <a:p>
-            <a:pPr lvl="1"/>
+              <a:t>Ansible designed each task to be re-runnable</a:t>
+            </a:r>
+          </a:p>
+          <a:p>
             <a:r>
               <a:rPr lang="en-US" dirty="0"/>
-              <a:t>My first playbook will be:</a:t>
-            </a:r>
-          </a:p>
-          <a:p>
-            <a:pPr marL="1303020" lvl="2" indent="-342900">
-              <a:buFont typeface="+mj-lt"/>
-              <a:buAutoNum type="arabicPeriod"/>
-            </a:pPr>
+              <a:t>Result: Repeatable playbooks</a:t>
+            </a:r>
+          </a:p>
+          <a:p>
             <a:r>
               <a:rPr lang="en-US" dirty="0"/>
-              <a:t>Connect to servers</a:t>
-            </a:r>
-          </a:p>
-          <a:p>
-            <a:pPr marL="1303020" lvl="2" indent="-342900">
-              <a:buFont typeface="+mj-lt"/>
-              <a:buAutoNum type="arabicPeriod"/>
-            </a:pPr>
-            <a:r>
-              <a:rPr lang="en-US" dirty="0"/>
-              <a:t>Run my script</a:t>
-            </a:r>
-          </a:p>
-          <a:p>
-            <a:pPr lvl="1"/>
-            <a:r>
-              <a:rPr lang="en-US" dirty="0"/>
-              <a:t>Next steps: Redevelop script as Ansible tasks</a:t>
-            </a:r>
-          </a:p>
-          <a:p>
-            <a:r>
-              <a:rPr lang="en-US" dirty="0"/>
-              <a:t>Example B:</a:t>
-            </a:r>
-          </a:p>
-          <a:p>
-            <a:pPr lvl="1"/>
-            <a:r>
-              <a:rPr lang="en-US" i="1" dirty="0"/>
-              <a:t>I’m tired of doing ‘Repetitive Command X’ on every server</a:t>
-            </a:r>
-          </a:p>
-          <a:p>
-            <a:pPr lvl="1"/>
-            <a:r>
-              <a:rPr lang="en-US" dirty="0"/>
-              <a:t>My first playbook will be:</a:t>
-            </a:r>
-          </a:p>
-          <a:p>
-            <a:pPr marL="1303020" lvl="2" indent="-342900">
-              <a:buFont typeface="+mj-lt"/>
-              <a:buAutoNum type="arabicPeriod"/>
-            </a:pPr>
-            <a:r>
-              <a:rPr lang="en-US" dirty="0"/>
-              <a:t>Connect to servers</a:t>
-            </a:r>
-          </a:p>
-          <a:p>
-            <a:pPr marL="1303020" lvl="2" indent="-342900">
-              <a:buFont typeface="+mj-lt"/>
-              <a:buAutoNum type="arabicPeriod"/>
-            </a:pPr>
-            <a:r>
-              <a:rPr lang="en-US" dirty="0"/>
-              <a:t>Do X as an Ansible Task</a:t>
-            </a:r>
-          </a:p>
-          <a:p>
-            <a:pPr lvl="1"/>
-            <a:r>
-              <a:rPr lang="en-US" dirty="0"/>
-              <a:t>Next steps: Do task  Repetitive Command Y, </a:t>
-            </a:r>
-            <a:r>
-              <a:rPr lang="en-US" dirty="0" err="1"/>
-              <a:t>etc</a:t>
-            </a:r>
-            <a:r>
-              <a:rPr lang="en-US" dirty="0"/>
-              <a:t>!</a:t>
-            </a:r>
-          </a:p>
-          <a:p>
-            <a:r>
-              <a:rPr lang="en-US" dirty="0"/>
-              <a:t>Don’t have to automate everything right away!</a:t>
-            </a:r>
-          </a:p>
-          <a:p>
-            <a:endParaRPr lang="en-US" dirty="0"/>
+              <a:t>Useful when connection broken, need to re-run!</a:t>
+            </a:r>
           </a:p>
         </p:txBody>
       </p:sp>
@@ -8554,7 +8710,7 @@
           <p:cNvPr id="6" name="Slide Number Placeholder 5">
             <a:extLst>
               <a:ext uri="{FF2B5EF4-FFF2-40B4-BE49-F238E27FC236}">
-                <a16:creationId xmlns:a16="http://schemas.microsoft.com/office/drawing/2014/main" id="{BF398916-5313-5645-A1F5-86BAA2E3ECAF}"/>
+                <a16:creationId xmlns:a16="http://schemas.microsoft.com/office/drawing/2014/main" id="{ECCD7CF1-EB73-F548-9C12-E49402701D38}"/>
               </a:ext>
             </a:extLst>
           </p:cNvPr>
@@ -8579,10 +8735,118 @@
           </a:p>
         </p:txBody>
       </p:sp>
+      <p:grpSp>
+        <p:nvGrpSpPr>
+          <p:cNvPr id="10" name="Group 9">
+            <a:extLst>
+              <a:ext uri="{FF2B5EF4-FFF2-40B4-BE49-F238E27FC236}">
+                <a16:creationId xmlns:a16="http://schemas.microsoft.com/office/drawing/2014/main" id="{2E00BB20-1661-3F4D-8102-60D291682CC5}"/>
+              </a:ext>
+            </a:extLst>
+          </p:cNvPr>
+          <p:cNvGrpSpPr/>
+          <p:nvPr/>
+        </p:nvGrpSpPr>
+        <p:grpSpPr>
+          <a:xfrm>
+            <a:off x="26938" y="6180318"/>
+            <a:ext cx="2483367" cy="592183"/>
+            <a:chOff x="0" y="6237331"/>
+            <a:chExt cx="2483367" cy="592183"/>
+          </a:xfrm>
+        </p:grpSpPr>
+        <p:pic>
+          <p:nvPicPr>
+            <p:cNvPr id="11" name="Picture 10" descr="A picture containing tree&#10;&#10;Description automatically generated">
+              <a:extLst>
+                <a:ext uri="{FF2B5EF4-FFF2-40B4-BE49-F238E27FC236}">
+                  <a16:creationId xmlns:a16="http://schemas.microsoft.com/office/drawing/2014/main" id="{8935FB1F-1A83-204F-9AD6-8B9F89939129}"/>
+                </a:ext>
+              </a:extLst>
+            </p:cNvPr>
+            <p:cNvPicPr>
+              <a:picLocks noChangeAspect="1"/>
+            </p:cNvPicPr>
+            <p:nvPr/>
+          </p:nvPicPr>
+          <p:blipFill>
+            <a:blip r:embed="rId2">
+              <a:extLst>
+                <a:ext uri="{BEBA8EAE-BF5A-486C-A8C5-ECC9F3942E4B}">
+                  <a14:imgProps xmlns:a14="http://schemas.microsoft.com/office/drawing/2010/main">
+                    <a14:imgLayer r:embed="rId3">
+                      <a14:imgEffect>
+                        <a14:saturation sat="0"/>
+                      </a14:imgEffect>
+                      <a14:imgEffect>
+                        <a14:brightnessContrast bright="-40000"/>
+                      </a14:imgEffect>
+                    </a14:imgLayer>
+                  </a14:imgProps>
+                </a:ext>
+              </a:extLst>
+            </a:blip>
+            <a:stretch>
+              <a:fillRect/>
+            </a:stretch>
+          </p:blipFill>
+          <p:spPr>
+            <a:xfrm>
+              <a:off x="0" y="6237331"/>
+              <a:ext cx="592183" cy="592183"/>
+            </a:xfrm>
+            <a:prstGeom prst="rect">
+              <a:avLst/>
+            </a:prstGeom>
+          </p:spPr>
+        </p:pic>
+        <p:sp>
+          <p:nvSpPr>
+            <p:cNvPr id="12" name="TextBox 11">
+              <a:extLst>
+                <a:ext uri="{FF2B5EF4-FFF2-40B4-BE49-F238E27FC236}">
+                  <a16:creationId xmlns:a16="http://schemas.microsoft.com/office/drawing/2014/main" id="{4CE613A5-38D1-E44A-B21F-5C807A316B64}"/>
+                </a:ext>
+              </a:extLst>
+            </p:cNvPr>
+            <p:cNvSpPr txBox="1"/>
+            <p:nvPr/>
+          </p:nvSpPr>
+          <p:spPr>
+            <a:xfrm>
+              <a:off x="478972" y="6348756"/>
+              <a:ext cx="2004395" cy="369332"/>
+            </a:xfrm>
+            <a:prstGeom prst="rect">
+              <a:avLst/>
+            </a:prstGeom>
+            <a:noFill/>
+          </p:spPr>
+          <p:txBody>
+            <a:bodyPr wrap="none" rtlCol="0">
+              <a:spAutoFit/>
+            </a:bodyPr>
+            <a:lstStyle/>
+            <a:p>
+              <a:r>
+                <a:rPr lang="en-US" dirty="0">
+                  <a:solidFill>
+                    <a:schemeClr val="tx1">
+                      <a:lumMod val="65000"/>
+                      <a:lumOff val="35000"/>
+                    </a:schemeClr>
+                  </a:solidFill>
+                </a:rPr>
+                <a:t>@AndrewReidEast</a:t>
+              </a:r>
+            </a:p>
+          </p:txBody>
+        </p:sp>
+      </p:grpSp>
     </p:spTree>
     <p:extLst>
       <p:ext uri="{BB962C8B-B14F-4D97-AF65-F5344CB8AC3E}">
-        <p14:creationId xmlns:p14="http://schemas.microsoft.com/office/powerpoint/2010/main" val="553607955"/>
+        <p14:creationId xmlns:p14="http://schemas.microsoft.com/office/powerpoint/2010/main" val="2895390787"/>
       </p:ext>
     </p:extLst>
   </p:cSld>
@@ -8611,10 +8875,10 @@
       </p:grpSpPr>
       <p:sp>
         <p:nvSpPr>
-          <p:cNvPr id="2" name="Title 1">
+          <p:cNvPr id="4" name="Title 3">
             <a:extLst>
               <a:ext uri="{FF2B5EF4-FFF2-40B4-BE49-F238E27FC236}">
-                <a16:creationId xmlns:a16="http://schemas.microsoft.com/office/drawing/2014/main" id="{3B01220E-68FD-F44A-951E-44B8AB84F051}"/>
+                <a16:creationId xmlns:a16="http://schemas.microsoft.com/office/drawing/2014/main" id="{8E81C3D6-ED04-D345-A3C9-66786BFA198C}"/>
               </a:ext>
             </a:extLst>
           </p:cNvPr>
@@ -8632,31 +8896,17 @@
           <a:p>
             <a:r>
               <a:rPr lang="en-US" dirty="0"/>
-              <a:t>Why</a:t>
-            </a:r>
-            <a:br>
-              <a:rPr lang="en-US" dirty="0"/>
-            </a:br>
-            <a:r>
-              <a:rPr lang="en-US" i="1" dirty="0"/>
-              <a:t>not</a:t>
-            </a:r>
-            <a:br>
-              <a:rPr lang="en-US" i="1" dirty="0"/>
-            </a:br>
-            <a:r>
-              <a:rPr lang="en-US" dirty="0"/>
-              <a:t>Ansible?</a:t>
-            </a:r>
-          </a:p>
-        </p:txBody>
-      </p:sp>
-      <p:sp>
-        <p:nvSpPr>
-          <p:cNvPr id="3" name="Content Placeholder 2">
+              <a:t>Why Ansible?</a:t>
+            </a:r>
+          </a:p>
+        </p:txBody>
+      </p:sp>
+      <p:sp>
+        <p:nvSpPr>
+          <p:cNvPr id="5" name="Content Placeholder 4">
             <a:extLst>
               <a:ext uri="{FF2B5EF4-FFF2-40B4-BE49-F238E27FC236}">
-                <a16:creationId xmlns:a16="http://schemas.microsoft.com/office/drawing/2014/main" id="{A63B56A4-AF4E-5C45-8368-72B15CE1B3DE}"/>
+                <a16:creationId xmlns:a16="http://schemas.microsoft.com/office/drawing/2014/main" id="{7A3FBC57-813C-5440-A559-5E4C0C070A84}"/>
               </a:ext>
             </a:extLst>
           </p:cNvPr>
@@ -8669,81 +8919,118 @@
         </p:nvSpPr>
         <p:spPr/>
         <p:txBody>
-          <a:bodyPr/>
+          <a:bodyPr>
+            <a:normAutofit lnSpcReduction="10000"/>
+          </a:bodyPr>
           <a:lstStyle/>
           <a:p>
             <a:r>
+              <a:rPr lang="en-US" sz="3200" dirty="0"/>
+              <a:t>Easy to get started</a:t>
+            </a:r>
+          </a:p>
+          <a:p>
+            <a:r>
               <a:rPr lang="en-US" dirty="0"/>
-              <a:t>Pre-work required</a:t>
+              <a:t>Example A:</a:t>
             </a:r>
           </a:p>
           <a:p>
             <a:pPr lvl="1"/>
             <a:r>
+              <a:rPr lang="en-US" i="1" dirty="0"/>
+              <a:t>I’ve already developed a script to set up my newly provisioned servers</a:t>
+            </a:r>
+          </a:p>
+          <a:p>
+            <a:pPr lvl="1"/>
+            <a:r>
               <a:rPr lang="en-US" dirty="0"/>
-              <a:t>Servers must be provisioned, have an IP/hostname, SSH user added</a:t>
+              <a:t>My first playbook will be:</a:t>
+            </a:r>
+          </a:p>
+          <a:p>
+            <a:pPr marL="1303020" lvl="2" indent="-342900">
+              <a:buFont typeface="+mj-lt"/>
+              <a:buAutoNum type="arabicPeriod"/>
+            </a:pPr>
+            <a:r>
+              <a:rPr lang="en-US" dirty="0"/>
+              <a:t>Connect to servers</a:t>
+            </a:r>
+          </a:p>
+          <a:p>
+            <a:pPr marL="1303020" lvl="2" indent="-342900">
+              <a:buFont typeface="+mj-lt"/>
+              <a:buAutoNum type="arabicPeriod"/>
+            </a:pPr>
+            <a:r>
+              <a:rPr lang="en-US" dirty="0"/>
+              <a:t>Run my script</a:t>
             </a:r>
           </a:p>
           <a:p>
             <a:pPr lvl="1"/>
             <a:r>
               <a:rPr lang="en-US" dirty="0"/>
-              <a:t>Fill the gap with a different tool, like Terraform</a:t>
+              <a:t>Next steps: Re-develop script as Ansible tasks</a:t>
             </a:r>
           </a:p>
           <a:p>
             <a:r>
               <a:rPr lang="en-US" dirty="0"/>
-              <a:t>Requires a host PC to run Ansible</a:t>
+              <a:t>Example B:</a:t>
             </a:r>
           </a:p>
           <a:p>
             <a:pPr lvl="1"/>
             <a:r>
+              <a:rPr lang="en-US" i="1" dirty="0"/>
+              <a:t>I’m tired of doing ‘Repetitive Command X’ on every server</a:t>
+            </a:r>
+          </a:p>
+          <a:p>
+            <a:pPr lvl="1"/>
+            <a:r>
               <a:rPr lang="en-US" dirty="0"/>
-              <a:t>Your laptop pushes configs</a:t>
+              <a:t>My first playbook will be:</a:t>
+            </a:r>
+          </a:p>
+          <a:p>
+            <a:pPr marL="1303020" lvl="2" indent="-342900">
+              <a:buFont typeface="+mj-lt"/>
+              <a:buAutoNum type="arabicPeriod"/>
+            </a:pPr>
+            <a:r>
+              <a:rPr lang="en-US" dirty="0"/>
+              <a:t>Connect to servers</a:t>
+            </a:r>
+          </a:p>
+          <a:p>
+            <a:pPr marL="1303020" lvl="2" indent="-342900">
+              <a:buFont typeface="+mj-lt"/>
+              <a:buAutoNum type="arabicPeriod"/>
+            </a:pPr>
+            <a:r>
+              <a:rPr lang="en-US" dirty="0"/>
+              <a:t>Do X as an Ansible Task</a:t>
             </a:r>
           </a:p>
           <a:p>
             <a:pPr lvl="1"/>
             <a:r>
               <a:rPr lang="en-US" dirty="0"/>
-              <a:t>Fill the gap with an Ansible-running server, like Red Hat Ansible Tower</a:t>
-            </a:r>
-          </a:p>
-          <a:p>
-            <a:pPr lvl="2"/>
-            <a:r>
-              <a:rPr lang="en-US" dirty="0"/>
-              <a:t>Write a Playbook, fire off Ansible playbooks within tasks!</a:t>
-            </a:r>
-          </a:p>
-          <a:p>
-            <a:r>
-              <a:rPr lang="en-US" dirty="0"/>
-              <a:t>Scalability questions</a:t>
-            </a:r>
-          </a:p>
-          <a:p>
-            <a:pPr lvl="1"/>
-            <a:r>
-              <a:rPr lang="en-US" dirty="0"/>
-              <a:t>Competition tech (Chef) has every server poll for changes from a central server</a:t>
-            </a:r>
-          </a:p>
-          <a:p>
-            <a:pPr lvl="2"/>
-            <a:r>
-              <a:rPr lang="en-US" dirty="0"/>
-              <a:t>Allows load balancing</a:t>
-            </a:r>
-          </a:p>
-          <a:p>
-            <a:pPr lvl="1"/>
-            <a:r>
-              <a:rPr lang="en-US" dirty="0"/>
-              <a:t>Ansible has been used to manage thousands of hosts at once</a:t>
-            </a:r>
+              <a:t>Next steps: Do task  Repetitive Command Y, then Z…</a:t>
+            </a:r>
+          </a:p>
+          <a:p>
+            <a:r>
+              <a:rPr lang="en-US" i="1" dirty="0"/>
+              <a:t>Don’t have to automate everything right away!</a:t>
+            </a:r>
+          </a:p>
+          <a:p>
+            <a:endParaRPr lang="en-US" dirty="0"/>
           </a:p>
         </p:txBody>
       </p:sp>
@@ -8752,7 +9039,7 @@
           <p:cNvPr id="6" name="Slide Number Placeholder 5">
             <a:extLst>
               <a:ext uri="{FF2B5EF4-FFF2-40B4-BE49-F238E27FC236}">
-                <a16:creationId xmlns:a16="http://schemas.microsoft.com/office/drawing/2014/main" id="{8DAFA118-B6B4-934C-9FD4-882CF655128C}"/>
+                <a16:creationId xmlns:a16="http://schemas.microsoft.com/office/drawing/2014/main" id="{BF398916-5313-5645-A1F5-86BAA2E3ECAF}"/>
               </a:ext>
             </a:extLst>
           </p:cNvPr>
@@ -8777,10 +9064,118 @@
           </a:p>
         </p:txBody>
       </p:sp>
+      <p:grpSp>
+        <p:nvGrpSpPr>
+          <p:cNvPr id="10" name="Group 9">
+            <a:extLst>
+              <a:ext uri="{FF2B5EF4-FFF2-40B4-BE49-F238E27FC236}">
+                <a16:creationId xmlns:a16="http://schemas.microsoft.com/office/drawing/2014/main" id="{A669411B-6B34-4842-8E1E-17D3CEDE4287}"/>
+              </a:ext>
+            </a:extLst>
+          </p:cNvPr>
+          <p:cNvGrpSpPr/>
+          <p:nvPr/>
+        </p:nvGrpSpPr>
+        <p:grpSpPr>
+          <a:xfrm>
+            <a:off x="26938" y="6180318"/>
+            <a:ext cx="2483367" cy="592183"/>
+            <a:chOff x="0" y="6237331"/>
+            <a:chExt cx="2483367" cy="592183"/>
+          </a:xfrm>
+        </p:grpSpPr>
+        <p:pic>
+          <p:nvPicPr>
+            <p:cNvPr id="11" name="Picture 10" descr="A picture containing tree&#10;&#10;Description automatically generated">
+              <a:extLst>
+                <a:ext uri="{FF2B5EF4-FFF2-40B4-BE49-F238E27FC236}">
+                  <a16:creationId xmlns:a16="http://schemas.microsoft.com/office/drawing/2014/main" id="{D133E41D-1E81-BA4A-88A3-82C2EF59C311}"/>
+                </a:ext>
+              </a:extLst>
+            </p:cNvPr>
+            <p:cNvPicPr>
+              <a:picLocks noChangeAspect="1"/>
+            </p:cNvPicPr>
+            <p:nvPr/>
+          </p:nvPicPr>
+          <p:blipFill>
+            <a:blip r:embed="rId2">
+              <a:extLst>
+                <a:ext uri="{BEBA8EAE-BF5A-486C-A8C5-ECC9F3942E4B}">
+                  <a14:imgProps xmlns:a14="http://schemas.microsoft.com/office/drawing/2010/main">
+                    <a14:imgLayer r:embed="rId3">
+                      <a14:imgEffect>
+                        <a14:saturation sat="0"/>
+                      </a14:imgEffect>
+                      <a14:imgEffect>
+                        <a14:brightnessContrast bright="-40000"/>
+                      </a14:imgEffect>
+                    </a14:imgLayer>
+                  </a14:imgProps>
+                </a:ext>
+              </a:extLst>
+            </a:blip>
+            <a:stretch>
+              <a:fillRect/>
+            </a:stretch>
+          </p:blipFill>
+          <p:spPr>
+            <a:xfrm>
+              <a:off x="0" y="6237331"/>
+              <a:ext cx="592183" cy="592183"/>
+            </a:xfrm>
+            <a:prstGeom prst="rect">
+              <a:avLst/>
+            </a:prstGeom>
+          </p:spPr>
+        </p:pic>
+        <p:sp>
+          <p:nvSpPr>
+            <p:cNvPr id="12" name="TextBox 11">
+              <a:extLst>
+                <a:ext uri="{FF2B5EF4-FFF2-40B4-BE49-F238E27FC236}">
+                  <a16:creationId xmlns:a16="http://schemas.microsoft.com/office/drawing/2014/main" id="{2417DA55-DCBD-6246-9B73-6CE6E9F24F4E}"/>
+                </a:ext>
+              </a:extLst>
+            </p:cNvPr>
+            <p:cNvSpPr txBox="1"/>
+            <p:nvPr/>
+          </p:nvSpPr>
+          <p:spPr>
+            <a:xfrm>
+              <a:off x="478972" y="6348756"/>
+              <a:ext cx="2004395" cy="369332"/>
+            </a:xfrm>
+            <a:prstGeom prst="rect">
+              <a:avLst/>
+            </a:prstGeom>
+            <a:noFill/>
+          </p:spPr>
+          <p:txBody>
+            <a:bodyPr wrap="none" rtlCol="0">
+              <a:spAutoFit/>
+            </a:bodyPr>
+            <a:lstStyle/>
+            <a:p>
+              <a:r>
+                <a:rPr lang="en-US" dirty="0">
+                  <a:solidFill>
+                    <a:schemeClr val="tx1">
+                      <a:lumMod val="65000"/>
+                      <a:lumOff val="35000"/>
+                    </a:schemeClr>
+                  </a:solidFill>
+                </a:rPr>
+                <a:t>@AndrewReidEast</a:t>
+              </a:r>
+            </a:p>
+          </p:txBody>
+        </p:sp>
+      </p:grpSp>
     </p:spTree>
     <p:extLst>
       <p:ext uri="{BB962C8B-B14F-4D97-AF65-F5344CB8AC3E}">
-        <p14:creationId xmlns:p14="http://schemas.microsoft.com/office/powerpoint/2010/main" val="1209722133"/>
+        <p14:creationId xmlns:p14="http://schemas.microsoft.com/office/powerpoint/2010/main" val="553607955"/>
       </p:ext>
     </p:extLst>
   </p:cSld>
@@ -8809,10 +9204,10 @@
       </p:grpSpPr>
       <p:sp>
         <p:nvSpPr>
-          <p:cNvPr id="4" name="Title 3">
+          <p:cNvPr id="2" name="Title 1">
             <a:extLst>
               <a:ext uri="{FF2B5EF4-FFF2-40B4-BE49-F238E27FC236}">
-                <a16:creationId xmlns:a16="http://schemas.microsoft.com/office/drawing/2014/main" id="{3E3DA579-A203-C341-B6B9-723D12E1AF36}"/>
+                <a16:creationId xmlns:a16="http://schemas.microsoft.com/office/drawing/2014/main" id="{3B01220E-68FD-F44A-951E-44B8AB84F051}"/>
               </a:ext>
             </a:extLst>
           </p:cNvPr>
@@ -8825,24 +9220,36 @@
         </p:nvSpPr>
         <p:spPr/>
         <p:txBody>
-          <a:bodyPr>
-            <a:normAutofit/>
-          </a:bodyPr>
+          <a:bodyPr/>
           <a:lstStyle/>
           <a:p>
             <a:r>
-              <a:rPr lang="en-US" sz="7200" dirty="0"/>
-              <a:t>Demo</a:t>
-            </a:r>
-          </a:p>
-        </p:txBody>
-      </p:sp>
-      <p:sp>
-        <p:nvSpPr>
-          <p:cNvPr id="5" name="Text Placeholder 4">
+              <a:rPr lang="en-US" dirty="0"/>
+              <a:t>Why</a:t>
+            </a:r>
+            <a:br>
+              <a:rPr lang="en-US" dirty="0"/>
+            </a:br>
+            <a:r>
+              <a:rPr lang="en-US" i="1" dirty="0"/>
+              <a:t>not</a:t>
+            </a:r>
+            <a:br>
+              <a:rPr lang="en-US" i="1" dirty="0"/>
+            </a:br>
+            <a:r>
+              <a:rPr lang="en-US" dirty="0"/>
+              <a:t>Ansible?</a:t>
+            </a:r>
+          </a:p>
+        </p:txBody>
+      </p:sp>
+      <p:sp>
+        <p:nvSpPr>
+          <p:cNvPr id="3" name="Content Placeholder 2">
             <a:extLst>
               <a:ext uri="{FF2B5EF4-FFF2-40B4-BE49-F238E27FC236}">
-                <a16:creationId xmlns:a16="http://schemas.microsoft.com/office/drawing/2014/main" id="{D69296FB-4422-3F46-BD6D-37366FC76C6C}"/>
+                <a16:creationId xmlns:a16="http://schemas.microsoft.com/office/drawing/2014/main" id="{A63B56A4-AF4E-5C45-8368-72B15CE1B3DE}"/>
               </a:ext>
             </a:extLst>
           </p:cNvPr>
@@ -8850,29 +9257,102 @@
             <a:spLocks noGrp="1"/>
           </p:cNvSpPr>
           <p:nvPr>
-            <p:ph type="body" idx="1"/>
+            <p:ph idx="1"/>
           </p:nvPr>
         </p:nvSpPr>
         <p:spPr/>
         <p:txBody>
-          <a:bodyPr>
-            <a:normAutofit/>
-          </a:bodyPr>
+          <a:bodyPr/>
           <a:lstStyle/>
           <a:p>
             <a:r>
-              <a:rPr lang="en-US" sz="2800" dirty="0"/>
-              <a:t>Ansible syntax via an example</a:t>
-            </a:r>
-          </a:p>
-        </p:txBody>
-      </p:sp>
-      <p:sp>
-        <p:nvSpPr>
-          <p:cNvPr id="9" name="Slide Number Placeholder 8">
+              <a:rPr lang="en-US" dirty="0"/>
+              <a:t>Can’t do server/VM creation</a:t>
+            </a:r>
+          </a:p>
+          <a:p>
+            <a:pPr lvl="1"/>
+            <a:r>
+              <a:rPr lang="en-US" dirty="0"/>
+              <a:t>Servers must be provisioned, have an IP/hostname, SSH user added</a:t>
+            </a:r>
+          </a:p>
+          <a:p>
+            <a:pPr lvl="1"/>
+            <a:r>
+              <a:rPr lang="en-US" dirty="0"/>
+              <a:t>Fill the gap: other tool, like Terraform, Vagrant, etc.</a:t>
+            </a:r>
+          </a:p>
+          <a:p>
+            <a:r>
+              <a:rPr lang="en-US" dirty="0"/>
+              <a:t>Requires a host PC to run Ansible</a:t>
+            </a:r>
+          </a:p>
+          <a:p>
+            <a:pPr lvl="1"/>
+            <a:r>
+              <a:rPr lang="en-US" dirty="0"/>
+              <a:t>Your laptop pushes configs</a:t>
+            </a:r>
+          </a:p>
+          <a:p>
+            <a:pPr lvl="1"/>
+            <a:r>
+              <a:rPr lang="en-US" dirty="0"/>
+              <a:t>Fill the gap: an Ansible-running server, like RedHat Ansible Tower</a:t>
+            </a:r>
+          </a:p>
+          <a:p>
+            <a:pPr lvl="2"/>
+            <a:r>
+              <a:rPr lang="en-US" dirty="0"/>
+              <a:t>Write a Playbook, fire off Ansible playbooks within tasks!</a:t>
+            </a:r>
+          </a:p>
+          <a:p>
+            <a:r>
+              <a:rPr lang="en-US" dirty="0"/>
+              <a:t>Scalability questions</a:t>
+            </a:r>
+          </a:p>
+          <a:p>
+            <a:pPr lvl="1"/>
+            <a:r>
+              <a:rPr lang="en-US" dirty="0"/>
+              <a:t>Competing tools (Chef) has a config server, each server polls</a:t>
+            </a:r>
+          </a:p>
+          <a:p>
+            <a:pPr lvl="2"/>
+            <a:r>
+              <a:rPr lang="en-US" dirty="0"/>
+              <a:t>When you make a config change, all servers get it eventually</a:t>
+            </a:r>
+          </a:p>
+          <a:p>
+            <a:pPr lvl="2"/>
+            <a:r>
+              <a:rPr lang="en-US" dirty="0"/>
+              <a:t>Allows load balancing</a:t>
+            </a:r>
+          </a:p>
+          <a:p>
+            <a:pPr lvl="1"/>
+            <a:r>
+              <a:rPr lang="en-US" dirty="0"/>
+              <a:t>Ansible has been used to manage thousands of hosts at once</a:t>
+            </a:r>
+          </a:p>
+        </p:txBody>
+      </p:sp>
+      <p:sp>
+        <p:nvSpPr>
+          <p:cNvPr id="6" name="Slide Number Placeholder 5">
             <a:extLst>
               <a:ext uri="{FF2B5EF4-FFF2-40B4-BE49-F238E27FC236}">
-                <a16:creationId xmlns:a16="http://schemas.microsoft.com/office/drawing/2014/main" id="{39B4DC03-CE0E-6747-B88D-92C415E674A6}"/>
+                <a16:creationId xmlns:a16="http://schemas.microsoft.com/office/drawing/2014/main" id="{8DAFA118-B6B4-934C-9FD4-882CF655128C}"/>
               </a:ext>
             </a:extLst>
           </p:cNvPr>
@@ -8897,10 +9377,118 @@
           </a:p>
         </p:txBody>
       </p:sp>
+      <p:grpSp>
+        <p:nvGrpSpPr>
+          <p:cNvPr id="5" name="Group 4">
+            <a:extLst>
+              <a:ext uri="{FF2B5EF4-FFF2-40B4-BE49-F238E27FC236}">
+                <a16:creationId xmlns:a16="http://schemas.microsoft.com/office/drawing/2014/main" id="{429E4A0D-8E04-4446-9CF0-E0E620267A06}"/>
+              </a:ext>
+            </a:extLst>
+          </p:cNvPr>
+          <p:cNvGrpSpPr/>
+          <p:nvPr/>
+        </p:nvGrpSpPr>
+        <p:grpSpPr>
+          <a:xfrm>
+            <a:off x="26938" y="6180318"/>
+            <a:ext cx="2483367" cy="592183"/>
+            <a:chOff x="0" y="6237331"/>
+            <a:chExt cx="2483367" cy="592183"/>
+          </a:xfrm>
+        </p:grpSpPr>
+        <p:pic>
+          <p:nvPicPr>
+            <p:cNvPr id="7" name="Picture 6" descr="A picture containing tree&#10;&#10;Description automatically generated">
+              <a:extLst>
+                <a:ext uri="{FF2B5EF4-FFF2-40B4-BE49-F238E27FC236}">
+                  <a16:creationId xmlns:a16="http://schemas.microsoft.com/office/drawing/2014/main" id="{C85DEF71-186A-8448-9C03-D567E6B3455E}"/>
+                </a:ext>
+              </a:extLst>
+            </p:cNvPr>
+            <p:cNvPicPr>
+              <a:picLocks noChangeAspect="1"/>
+            </p:cNvPicPr>
+            <p:nvPr/>
+          </p:nvPicPr>
+          <p:blipFill>
+            <a:blip r:embed="rId2">
+              <a:extLst>
+                <a:ext uri="{BEBA8EAE-BF5A-486C-A8C5-ECC9F3942E4B}">
+                  <a14:imgProps xmlns:a14="http://schemas.microsoft.com/office/drawing/2010/main">
+                    <a14:imgLayer r:embed="rId3">
+                      <a14:imgEffect>
+                        <a14:saturation sat="0"/>
+                      </a14:imgEffect>
+                      <a14:imgEffect>
+                        <a14:brightnessContrast bright="-40000"/>
+                      </a14:imgEffect>
+                    </a14:imgLayer>
+                  </a14:imgProps>
+                </a:ext>
+              </a:extLst>
+            </a:blip>
+            <a:stretch>
+              <a:fillRect/>
+            </a:stretch>
+          </p:blipFill>
+          <p:spPr>
+            <a:xfrm>
+              <a:off x="0" y="6237331"/>
+              <a:ext cx="592183" cy="592183"/>
+            </a:xfrm>
+            <a:prstGeom prst="rect">
+              <a:avLst/>
+            </a:prstGeom>
+          </p:spPr>
+        </p:pic>
+        <p:sp>
+          <p:nvSpPr>
+            <p:cNvPr id="8" name="TextBox 7">
+              <a:extLst>
+                <a:ext uri="{FF2B5EF4-FFF2-40B4-BE49-F238E27FC236}">
+                  <a16:creationId xmlns:a16="http://schemas.microsoft.com/office/drawing/2014/main" id="{66D05C41-9AA2-C44B-923B-E03868173AD2}"/>
+                </a:ext>
+              </a:extLst>
+            </p:cNvPr>
+            <p:cNvSpPr txBox="1"/>
+            <p:nvPr/>
+          </p:nvSpPr>
+          <p:spPr>
+            <a:xfrm>
+              <a:off x="478972" y="6348756"/>
+              <a:ext cx="2004395" cy="369332"/>
+            </a:xfrm>
+            <a:prstGeom prst="rect">
+              <a:avLst/>
+            </a:prstGeom>
+            <a:noFill/>
+          </p:spPr>
+          <p:txBody>
+            <a:bodyPr wrap="none" rtlCol="0">
+              <a:spAutoFit/>
+            </a:bodyPr>
+            <a:lstStyle/>
+            <a:p>
+              <a:r>
+                <a:rPr lang="en-US" dirty="0">
+                  <a:solidFill>
+                    <a:schemeClr val="tx1">
+                      <a:lumMod val="65000"/>
+                      <a:lumOff val="35000"/>
+                    </a:schemeClr>
+                  </a:solidFill>
+                </a:rPr>
+                <a:t>@AndrewReidEast</a:t>
+              </a:r>
+            </a:p>
+          </p:txBody>
+        </p:sp>
+      </p:grpSp>
     </p:spTree>
     <p:extLst>
       <p:ext uri="{BB962C8B-B14F-4D97-AF65-F5344CB8AC3E}">
-        <p14:creationId xmlns:p14="http://schemas.microsoft.com/office/powerpoint/2010/main" val="2875250308"/>
+        <p14:creationId xmlns:p14="http://schemas.microsoft.com/office/powerpoint/2010/main" val="1209722133"/>
       </p:ext>
     </p:extLst>
   </p:cSld>
@@ -8929,6 +9517,234 @@
       </p:grpSpPr>
       <p:sp>
         <p:nvSpPr>
+          <p:cNvPr id="4" name="Title 3">
+            <a:extLst>
+              <a:ext uri="{FF2B5EF4-FFF2-40B4-BE49-F238E27FC236}">
+                <a16:creationId xmlns:a16="http://schemas.microsoft.com/office/drawing/2014/main" id="{3E3DA579-A203-C341-B6B9-723D12E1AF36}"/>
+              </a:ext>
+            </a:extLst>
+          </p:cNvPr>
+          <p:cNvSpPr>
+            <a:spLocks noGrp="1"/>
+          </p:cNvSpPr>
+          <p:nvPr>
+            <p:ph type="title"/>
+          </p:nvPr>
+        </p:nvSpPr>
+        <p:spPr/>
+        <p:txBody>
+          <a:bodyPr>
+            <a:normAutofit/>
+          </a:bodyPr>
+          <a:lstStyle/>
+          <a:p>
+            <a:r>
+              <a:rPr lang="en-US" sz="7200" dirty="0"/>
+              <a:t>Demo</a:t>
+            </a:r>
+          </a:p>
+        </p:txBody>
+      </p:sp>
+      <p:sp>
+        <p:nvSpPr>
+          <p:cNvPr id="5" name="Text Placeholder 4">
+            <a:extLst>
+              <a:ext uri="{FF2B5EF4-FFF2-40B4-BE49-F238E27FC236}">
+                <a16:creationId xmlns:a16="http://schemas.microsoft.com/office/drawing/2014/main" id="{D69296FB-4422-3F46-BD6D-37366FC76C6C}"/>
+              </a:ext>
+            </a:extLst>
+          </p:cNvPr>
+          <p:cNvSpPr>
+            <a:spLocks noGrp="1"/>
+          </p:cNvSpPr>
+          <p:nvPr>
+            <p:ph type="body" idx="1"/>
+          </p:nvPr>
+        </p:nvSpPr>
+        <p:spPr/>
+        <p:txBody>
+          <a:bodyPr>
+            <a:normAutofit/>
+          </a:bodyPr>
+          <a:lstStyle/>
+          <a:p>
+            <a:r>
+              <a:rPr lang="en-US" sz="2800" dirty="0"/>
+              <a:t>Ansible syntax via an example</a:t>
+            </a:r>
+          </a:p>
+        </p:txBody>
+      </p:sp>
+      <p:sp>
+        <p:nvSpPr>
+          <p:cNvPr id="9" name="Slide Number Placeholder 8">
+            <a:extLst>
+              <a:ext uri="{FF2B5EF4-FFF2-40B4-BE49-F238E27FC236}">
+                <a16:creationId xmlns:a16="http://schemas.microsoft.com/office/drawing/2014/main" id="{39B4DC03-CE0E-6747-B88D-92C415E674A6}"/>
+              </a:ext>
+            </a:extLst>
+          </p:cNvPr>
+          <p:cNvSpPr>
+            <a:spLocks noGrp="1"/>
+          </p:cNvSpPr>
+          <p:nvPr>
+            <p:ph type="sldNum" sz="quarter" idx="4"/>
+          </p:nvPr>
+        </p:nvSpPr>
+        <p:spPr/>
+        <p:txBody>
+          <a:bodyPr/>
+          <a:lstStyle/>
+          <a:p>
+            <a:fld id="{4FAB73BC-B049-4115-A692-8D63A059BFB8}" type="slidenum">
+              <a:rPr lang="en-US" smtClean="0"/>
+              <a:pPr/>
+              <a:t>16</a:t>
+            </a:fld>
+            <a:endParaRPr lang="en-US" dirty="0"/>
+          </a:p>
+        </p:txBody>
+      </p:sp>
+      <p:grpSp>
+        <p:nvGrpSpPr>
+          <p:cNvPr id="6" name="Group 5">
+            <a:extLst>
+              <a:ext uri="{FF2B5EF4-FFF2-40B4-BE49-F238E27FC236}">
+                <a16:creationId xmlns:a16="http://schemas.microsoft.com/office/drawing/2014/main" id="{F045C26A-BF1F-2D4E-9417-5999CA261498}"/>
+              </a:ext>
+            </a:extLst>
+          </p:cNvPr>
+          <p:cNvGrpSpPr/>
+          <p:nvPr/>
+        </p:nvGrpSpPr>
+        <p:grpSpPr>
+          <a:xfrm>
+            <a:off x="26938" y="6180318"/>
+            <a:ext cx="2483367" cy="592183"/>
+            <a:chOff x="0" y="6237331"/>
+            <a:chExt cx="2483367" cy="592183"/>
+          </a:xfrm>
+        </p:grpSpPr>
+        <p:pic>
+          <p:nvPicPr>
+            <p:cNvPr id="7" name="Picture 6" descr="A picture containing tree&#10;&#10;Description automatically generated">
+              <a:extLst>
+                <a:ext uri="{FF2B5EF4-FFF2-40B4-BE49-F238E27FC236}">
+                  <a16:creationId xmlns:a16="http://schemas.microsoft.com/office/drawing/2014/main" id="{21A8967C-2885-414B-A2F3-D1524A2292BD}"/>
+                </a:ext>
+              </a:extLst>
+            </p:cNvPr>
+            <p:cNvPicPr>
+              <a:picLocks noChangeAspect="1"/>
+            </p:cNvPicPr>
+            <p:nvPr/>
+          </p:nvPicPr>
+          <p:blipFill>
+            <a:blip r:embed="rId2">
+              <a:extLst>
+                <a:ext uri="{BEBA8EAE-BF5A-486C-A8C5-ECC9F3942E4B}">
+                  <a14:imgProps xmlns:a14="http://schemas.microsoft.com/office/drawing/2010/main">
+                    <a14:imgLayer r:embed="rId3">
+                      <a14:imgEffect>
+                        <a14:saturation sat="0"/>
+                      </a14:imgEffect>
+                      <a14:imgEffect>
+                        <a14:brightnessContrast bright="-40000"/>
+                      </a14:imgEffect>
+                    </a14:imgLayer>
+                  </a14:imgProps>
+                </a:ext>
+              </a:extLst>
+            </a:blip>
+            <a:stretch>
+              <a:fillRect/>
+            </a:stretch>
+          </p:blipFill>
+          <p:spPr>
+            <a:xfrm>
+              <a:off x="0" y="6237331"/>
+              <a:ext cx="592183" cy="592183"/>
+            </a:xfrm>
+            <a:prstGeom prst="rect">
+              <a:avLst/>
+            </a:prstGeom>
+          </p:spPr>
+        </p:pic>
+        <p:sp>
+          <p:nvSpPr>
+            <p:cNvPr id="8" name="TextBox 7">
+              <a:extLst>
+                <a:ext uri="{FF2B5EF4-FFF2-40B4-BE49-F238E27FC236}">
+                  <a16:creationId xmlns:a16="http://schemas.microsoft.com/office/drawing/2014/main" id="{6489B4D4-BABD-AB48-8FB5-9F9FB1C3AF35}"/>
+                </a:ext>
+              </a:extLst>
+            </p:cNvPr>
+            <p:cNvSpPr txBox="1"/>
+            <p:nvPr/>
+          </p:nvSpPr>
+          <p:spPr>
+            <a:xfrm>
+              <a:off x="478972" y="6348756"/>
+              <a:ext cx="2004395" cy="369332"/>
+            </a:xfrm>
+            <a:prstGeom prst="rect">
+              <a:avLst/>
+            </a:prstGeom>
+            <a:noFill/>
+          </p:spPr>
+          <p:txBody>
+            <a:bodyPr wrap="none" rtlCol="0">
+              <a:spAutoFit/>
+            </a:bodyPr>
+            <a:lstStyle/>
+            <a:p>
+              <a:r>
+                <a:rPr lang="en-US" dirty="0">
+                  <a:solidFill>
+                    <a:schemeClr val="tx1">
+                      <a:lumMod val="65000"/>
+                      <a:lumOff val="35000"/>
+                    </a:schemeClr>
+                  </a:solidFill>
+                </a:rPr>
+                <a:t>@AndrewReidEast</a:t>
+              </a:r>
+            </a:p>
+          </p:txBody>
+        </p:sp>
+      </p:grpSp>
+    </p:spTree>
+    <p:extLst>
+      <p:ext uri="{BB962C8B-B14F-4D97-AF65-F5344CB8AC3E}">
+        <p14:creationId xmlns:p14="http://schemas.microsoft.com/office/powerpoint/2010/main" val="2875250308"/>
+      </p:ext>
+    </p:extLst>
+  </p:cSld>
+  <p:clrMapOvr>
+    <a:masterClrMapping/>
+  </p:clrMapOvr>
+</p:sld>
+</file>
+
+<file path=ppt/slides/slide17.xml><?xml version="1.0" encoding="utf-8"?>
+<p:sld xmlns:a="http://schemas.openxmlformats.org/drawingml/2006/main" xmlns:r="http://schemas.openxmlformats.org/officeDocument/2006/relationships" xmlns:p="http://schemas.openxmlformats.org/presentationml/2006/main">
+  <p:cSld>
+    <p:spTree>
+      <p:nvGrpSpPr>
+        <p:cNvPr id="1" name=""/>
+        <p:cNvGrpSpPr/>
+        <p:nvPr/>
+      </p:nvGrpSpPr>
+      <p:grpSpPr>
+        <a:xfrm>
+          <a:off x="0" y="0"/>
+          <a:ext cx="0" cy="0"/>
+          <a:chOff x="0" y="0"/>
+          <a:chExt cx="0" cy="0"/>
+        </a:xfrm>
+      </p:grpSpPr>
+      <p:sp>
+        <p:nvSpPr>
           <p:cNvPr id="2" name="Title 1">
             <a:extLst>
               <a:ext uri="{FF2B5EF4-FFF2-40B4-BE49-F238E27FC236}">
@@ -8952,7 +9768,7 @@
           <a:p>
             <a:r>
               <a:rPr lang="en-US" sz="3200" dirty="0"/>
-              <a:t>Goal: Running Nginx Server</a:t>
+              <a:t>Goal: Running Apache Server</a:t>
             </a:r>
           </a:p>
         </p:txBody>
@@ -8997,7 +9813,7 @@
             </a:pPr>
             <a:r>
               <a:rPr lang="en-US" dirty="0"/>
-              <a:t>Create CentOS machine via Vagrant</a:t>
+              <a:t>Create CentOS machine</a:t>
             </a:r>
           </a:p>
           <a:p>
@@ -9007,9 +9823,8 @@
             </a:pPr>
             <a:r>
               <a:rPr lang="en-US" dirty="0"/>
-              <a:t>Password set for user root (TODO)</a:t>
-            </a:r>
-            <a:endParaRPr lang="en-US" b="1" dirty="0"/>
+              <a:t>Accessible via SSH</a:t>
+            </a:r>
           </a:p>
           <a:p>
             <a:r>
@@ -9021,28 +9836,28 @@
             <a:pPr lvl="1"/>
             <a:r>
               <a:rPr lang="en-US" dirty="0"/>
-              <a:t>SSH to appliance (prove it connects, get IP)</a:t>
+              <a:t>Test SSH to appliance</a:t>
             </a:r>
           </a:p>
           <a:p>
             <a:pPr lvl="1"/>
             <a:r>
               <a:rPr lang="en-US" dirty="0"/>
-              <a:t>Make an Ansible inventory file (type in the IP from above)</a:t>
+              <a:t>Make an Ansible inventory file</a:t>
             </a:r>
           </a:p>
           <a:p>
             <a:pPr lvl="1"/>
             <a:r>
               <a:rPr lang="en-US" dirty="0"/>
-              <a:t>”Hello world” playbook (make a .html file on local, copy to remote, cat it)</a:t>
+              <a:t>Write a ”Hello, World!” playbook</a:t>
             </a:r>
           </a:p>
           <a:p>
             <a:pPr lvl="1"/>
             <a:r>
               <a:rPr lang="en-US" dirty="0"/>
-              <a:t>Setup web server:</a:t>
+              <a:t>Setup web server (pre-written playbook):</a:t>
             </a:r>
           </a:p>
           <a:p>
@@ -9067,13 +9882,8 @@
             </a:pPr>
             <a:r>
               <a:rPr lang="en-US" dirty="0"/>
-              <a:t>Yum install </a:t>
-            </a:r>
-            <a:r>
-              <a:rPr lang="en-US" dirty="0" err="1"/>
-              <a:t>nginx</a:t>
-            </a:r>
-            <a:endParaRPr lang="en-US" dirty="0"/>
+              <a:t>Install Apache</a:t>
+            </a:r>
           </a:p>
           <a:p>
             <a:pPr marL="1303020" lvl="2" indent="-342900">
@@ -9082,15 +9892,15 @@
             </a:pPr>
             <a:r>
               <a:rPr lang="en-US" dirty="0"/>
-              <a:t>Move </a:t>
+              <a:t>Enable </a:t>
             </a:r>
             <a:r>
               <a:rPr lang="en-US" dirty="0" err="1"/>
-              <a:t>helloworld.html</a:t>
+              <a:t>systemd</a:t>
             </a:r>
             <a:r>
               <a:rPr lang="en-US" dirty="0"/>
-              <a:t> to http root</a:t>
+              <a:t> service</a:t>
             </a:r>
           </a:p>
           <a:p>
@@ -9100,14 +9910,13 @@
             </a:pPr>
             <a:r>
               <a:rPr lang="en-US" dirty="0"/>
-              <a:t>TODO: Anything else?</a:t>
-            </a:r>
-          </a:p>
-          <a:p>
-            <a:pPr lvl="1"/>
+              <a:t>Move HTML template to Apache’s WWW root</a:t>
+            </a:r>
+          </a:p>
+          <a:p>
             <a:r>
               <a:rPr lang="en-US" dirty="0"/>
-              <a:t>Open in my browser on mac</a:t>
+              <a:t>Result: Open web page in my browser!</a:t>
             </a:r>
           </a:p>
         </p:txBody>
@@ -9136,12 +9945,120 @@
             <a:fld id="{4FAB73BC-B049-4115-A692-8D63A059BFB8}" type="slidenum">
               <a:rPr lang="en-US" smtClean="0"/>
               <a:pPr/>
-              <a:t>16</a:t>
+              <a:t>17</a:t>
             </a:fld>
             <a:endParaRPr lang="en-US" dirty="0"/>
           </a:p>
         </p:txBody>
       </p:sp>
+      <p:grpSp>
+        <p:nvGrpSpPr>
+          <p:cNvPr id="5" name="Group 4">
+            <a:extLst>
+              <a:ext uri="{FF2B5EF4-FFF2-40B4-BE49-F238E27FC236}">
+                <a16:creationId xmlns:a16="http://schemas.microsoft.com/office/drawing/2014/main" id="{0B38E5C2-75C6-1B42-A31C-48CEA409D2B3}"/>
+              </a:ext>
+            </a:extLst>
+          </p:cNvPr>
+          <p:cNvGrpSpPr/>
+          <p:nvPr/>
+        </p:nvGrpSpPr>
+        <p:grpSpPr>
+          <a:xfrm>
+            <a:off x="26938" y="6180318"/>
+            <a:ext cx="2483367" cy="592183"/>
+            <a:chOff x="0" y="6237331"/>
+            <a:chExt cx="2483367" cy="592183"/>
+          </a:xfrm>
+        </p:grpSpPr>
+        <p:pic>
+          <p:nvPicPr>
+            <p:cNvPr id="6" name="Picture 5" descr="A picture containing tree&#10;&#10;Description automatically generated">
+              <a:extLst>
+                <a:ext uri="{FF2B5EF4-FFF2-40B4-BE49-F238E27FC236}">
+                  <a16:creationId xmlns:a16="http://schemas.microsoft.com/office/drawing/2014/main" id="{81A77FD2-A849-0945-AB6D-518B3419B37C}"/>
+                </a:ext>
+              </a:extLst>
+            </p:cNvPr>
+            <p:cNvPicPr>
+              <a:picLocks noChangeAspect="1"/>
+            </p:cNvPicPr>
+            <p:nvPr/>
+          </p:nvPicPr>
+          <p:blipFill>
+            <a:blip r:embed="rId2">
+              <a:extLst>
+                <a:ext uri="{BEBA8EAE-BF5A-486C-A8C5-ECC9F3942E4B}">
+                  <a14:imgProps xmlns:a14="http://schemas.microsoft.com/office/drawing/2010/main">
+                    <a14:imgLayer r:embed="rId3">
+                      <a14:imgEffect>
+                        <a14:saturation sat="0"/>
+                      </a14:imgEffect>
+                      <a14:imgEffect>
+                        <a14:brightnessContrast bright="-40000"/>
+                      </a14:imgEffect>
+                    </a14:imgLayer>
+                  </a14:imgProps>
+                </a:ext>
+              </a:extLst>
+            </a:blip>
+            <a:stretch>
+              <a:fillRect/>
+            </a:stretch>
+          </p:blipFill>
+          <p:spPr>
+            <a:xfrm>
+              <a:off x="0" y="6237331"/>
+              <a:ext cx="592183" cy="592183"/>
+            </a:xfrm>
+            <a:prstGeom prst="rect">
+              <a:avLst/>
+            </a:prstGeom>
+          </p:spPr>
+        </p:pic>
+        <p:sp>
+          <p:nvSpPr>
+            <p:cNvPr id="7" name="TextBox 6">
+              <a:extLst>
+                <a:ext uri="{FF2B5EF4-FFF2-40B4-BE49-F238E27FC236}">
+                  <a16:creationId xmlns:a16="http://schemas.microsoft.com/office/drawing/2014/main" id="{CFDA47BE-8A66-6549-B597-AB96B275CB53}"/>
+                </a:ext>
+              </a:extLst>
+            </p:cNvPr>
+            <p:cNvSpPr txBox="1"/>
+            <p:nvPr/>
+          </p:nvSpPr>
+          <p:spPr>
+            <a:xfrm>
+              <a:off x="478972" y="6348756"/>
+              <a:ext cx="2004395" cy="369332"/>
+            </a:xfrm>
+            <a:prstGeom prst="rect">
+              <a:avLst/>
+            </a:prstGeom>
+            <a:noFill/>
+          </p:spPr>
+          <p:txBody>
+            <a:bodyPr wrap="none" rtlCol="0">
+              <a:spAutoFit/>
+            </a:bodyPr>
+            <a:lstStyle/>
+            <a:p>
+              <a:r>
+                <a:rPr lang="en-US" dirty="0">
+                  <a:solidFill>
+                    <a:schemeClr val="tx1">
+                      <a:lumMod val="65000"/>
+                      <a:lumOff val="35000"/>
+                    </a:schemeClr>
+                  </a:solidFill>
+                </a:rPr>
+                <a:t>@AndrewReidEast</a:t>
+              </a:r>
+            </a:p>
+          </p:txBody>
+        </p:sp>
+      </p:grpSp>
     </p:spTree>
     <p:extLst>
       <p:ext uri="{BB962C8B-B14F-4D97-AF65-F5344CB8AC3E}">
@@ -9155,7 +10072,7 @@
 </p:sld>
 </file>
 
-<file path=ppt/slides/slide17.xml><?xml version="1.0" encoding="utf-8"?>
+<file path=ppt/slides/slide18.xml><?xml version="1.0" encoding="utf-8"?>
 <p:sld xmlns:a="http://schemas.openxmlformats.org/drawingml/2006/main" xmlns:r="http://schemas.openxmlformats.org/officeDocument/2006/relationships" xmlns:p="http://schemas.openxmlformats.org/presentationml/2006/main">
   <p:cSld>
     <p:bg>
@@ -9453,126 +10370,6 @@
 </p:sld>
 </file>
 
-<file path=ppt/slides/slide18.xml><?xml version="1.0" encoding="utf-8"?>
-<p:sld xmlns:a="http://schemas.openxmlformats.org/drawingml/2006/main" xmlns:r="http://schemas.openxmlformats.org/officeDocument/2006/relationships" xmlns:p="http://schemas.openxmlformats.org/presentationml/2006/main">
-  <p:cSld>
-    <p:spTree>
-      <p:nvGrpSpPr>
-        <p:cNvPr id="1" name=""/>
-        <p:cNvGrpSpPr/>
-        <p:nvPr/>
-      </p:nvGrpSpPr>
-      <p:grpSpPr>
-        <a:xfrm>
-          <a:off x="0" y="0"/>
-          <a:ext cx="0" cy="0"/>
-          <a:chOff x="0" y="0"/>
-          <a:chExt cx="0" cy="0"/>
-        </a:xfrm>
-      </p:grpSpPr>
-      <p:sp>
-        <p:nvSpPr>
-          <p:cNvPr id="4" name="Title 3">
-            <a:extLst>
-              <a:ext uri="{FF2B5EF4-FFF2-40B4-BE49-F238E27FC236}">
-                <a16:creationId xmlns:a16="http://schemas.microsoft.com/office/drawing/2014/main" id="{3E3DA579-A203-C341-B6B9-723D12E1AF36}"/>
-              </a:ext>
-            </a:extLst>
-          </p:cNvPr>
-          <p:cNvSpPr>
-            <a:spLocks noGrp="1"/>
-          </p:cNvSpPr>
-          <p:nvPr>
-            <p:ph type="title"/>
-          </p:nvPr>
-        </p:nvSpPr>
-        <p:spPr/>
-        <p:txBody>
-          <a:bodyPr>
-            <a:normAutofit/>
-          </a:bodyPr>
-          <a:lstStyle/>
-          <a:p>
-            <a:r>
-              <a:rPr lang="en-US" sz="7200" dirty="0"/>
-              <a:t>Tower Tips</a:t>
-            </a:r>
-          </a:p>
-        </p:txBody>
-      </p:sp>
-      <p:sp>
-        <p:nvSpPr>
-          <p:cNvPr id="5" name="Text Placeholder 4">
-            <a:extLst>
-              <a:ext uri="{FF2B5EF4-FFF2-40B4-BE49-F238E27FC236}">
-                <a16:creationId xmlns:a16="http://schemas.microsoft.com/office/drawing/2014/main" id="{D69296FB-4422-3F46-BD6D-37366FC76C6C}"/>
-              </a:ext>
-            </a:extLst>
-          </p:cNvPr>
-          <p:cNvSpPr>
-            <a:spLocks noGrp="1"/>
-          </p:cNvSpPr>
-          <p:nvPr>
-            <p:ph type="body" idx="1"/>
-          </p:nvPr>
-        </p:nvSpPr>
-        <p:spPr/>
-        <p:txBody>
-          <a:bodyPr>
-            <a:normAutofit/>
-          </a:bodyPr>
-          <a:lstStyle/>
-          <a:p>
-            <a:r>
-              <a:rPr lang="en-US" sz="2800" dirty="0"/>
-              <a:t>Ansible Tower: Scale your playbooks via a UI</a:t>
-            </a:r>
-          </a:p>
-        </p:txBody>
-      </p:sp>
-      <p:sp>
-        <p:nvSpPr>
-          <p:cNvPr id="9" name="Slide Number Placeholder 8">
-            <a:extLst>
-              <a:ext uri="{FF2B5EF4-FFF2-40B4-BE49-F238E27FC236}">
-                <a16:creationId xmlns:a16="http://schemas.microsoft.com/office/drawing/2014/main" id="{39B4DC03-CE0E-6747-B88D-92C415E674A6}"/>
-              </a:ext>
-            </a:extLst>
-          </p:cNvPr>
-          <p:cNvSpPr>
-            <a:spLocks noGrp="1"/>
-          </p:cNvSpPr>
-          <p:nvPr>
-            <p:ph type="sldNum" sz="quarter" idx="4"/>
-          </p:nvPr>
-        </p:nvSpPr>
-        <p:spPr/>
-        <p:txBody>
-          <a:bodyPr/>
-          <a:lstStyle/>
-          <a:p>
-            <a:fld id="{4FAB73BC-B049-4115-A692-8D63A059BFB8}" type="slidenum">
-              <a:rPr lang="en-US" smtClean="0"/>
-              <a:pPr/>
-              <a:t>18</a:t>
-            </a:fld>
-            <a:endParaRPr lang="en-US" dirty="0"/>
-          </a:p>
-        </p:txBody>
-      </p:sp>
-    </p:spTree>
-    <p:extLst>
-      <p:ext uri="{BB962C8B-B14F-4D97-AF65-F5344CB8AC3E}">
-        <p14:creationId xmlns:p14="http://schemas.microsoft.com/office/powerpoint/2010/main" val="2497379518"/>
-      </p:ext>
-    </p:extLst>
-  </p:cSld>
-  <p:clrMapOvr>
-    <a:masterClrMapping/>
-  </p:clrMapOvr>
-</p:sld>
-</file>
-
 <file path=ppt/slides/slide19.xml><?xml version="1.0" encoding="utf-8"?>
 <p:sld xmlns:a="http://schemas.openxmlformats.org/drawingml/2006/main" xmlns:r="http://schemas.openxmlformats.org/officeDocument/2006/relationships" xmlns:p="http://schemas.openxmlformats.org/presentationml/2006/main">
   <p:cSld>
@@ -9595,7 +10392,7 @@
           <p:cNvPr id="4" name="Title 3">
             <a:extLst>
               <a:ext uri="{FF2B5EF4-FFF2-40B4-BE49-F238E27FC236}">
-                <a16:creationId xmlns:a16="http://schemas.microsoft.com/office/drawing/2014/main" id="{8E81C3D6-ED04-D345-A3C9-66786BFA198C}"/>
+                <a16:creationId xmlns:a16="http://schemas.microsoft.com/office/drawing/2014/main" id="{3E3DA579-A203-C341-B6B9-723D12E1AF36}"/>
               </a:ext>
             </a:extLst>
           </p:cNvPr>
@@ -9604,41 +10401,6 @@
           </p:cNvSpPr>
           <p:nvPr>
             <p:ph type="title"/>
-          </p:nvPr>
-        </p:nvSpPr>
-        <p:spPr/>
-        <p:txBody>
-          <a:bodyPr/>
-          <a:lstStyle/>
-          <a:p>
-            <a:r>
-              <a:rPr lang="en-US" dirty="0"/>
-              <a:t>Why Ansible</a:t>
-            </a:r>
-            <a:br>
-              <a:rPr lang="en-US" dirty="0"/>
-            </a:br>
-            <a:r>
-              <a:rPr lang="en-US" dirty="0"/>
-              <a:t>Tower?</a:t>
-            </a:r>
-          </a:p>
-        </p:txBody>
-      </p:sp>
-      <p:sp>
-        <p:nvSpPr>
-          <p:cNvPr id="5" name="Content Placeholder 4">
-            <a:extLst>
-              <a:ext uri="{FF2B5EF4-FFF2-40B4-BE49-F238E27FC236}">
-                <a16:creationId xmlns:a16="http://schemas.microsoft.com/office/drawing/2014/main" id="{7A3FBC57-813C-5440-A559-5E4C0C070A84}"/>
-              </a:ext>
-            </a:extLst>
-          </p:cNvPr>
-          <p:cNvSpPr>
-            <a:spLocks noGrp="1"/>
-          </p:cNvSpPr>
-          <p:nvPr>
-            <p:ph idx="1"/>
           </p:nvPr>
         </p:nvSpPr>
         <p:spPr/>
@@ -9649,65 +10411,48 @@
           <a:lstStyle/>
           <a:p>
             <a:r>
-              <a:rPr lang="en-US" sz="3200" dirty="0"/>
-              <a:t>Relatively easy to get started</a:t>
-            </a:r>
-          </a:p>
-          <a:p>
-            <a:r>
-              <a:rPr lang="en-US" dirty="0"/>
-              <a:t>Security by design, by role and organization access</a:t>
-            </a:r>
-          </a:p>
-          <a:p>
-            <a:r>
-              <a:rPr lang="en-US" dirty="0"/>
-              <a:t>Lots of additional role based functionality, extensive documentation</a:t>
-            </a:r>
-          </a:p>
-          <a:p>
-            <a:r>
-              <a:rPr lang="en-US" dirty="0"/>
-              <a:t>Example A:</a:t>
-            </a:r>
-          </a:p>
-          <a:p>
-            <a:pPr lvl="1"/>
-            <a:r>
-              <a:rPr lang="en-US" i="1" dirty="0"/>
-              <a:t>I’m tired of doing ‘Repetitive Command X’ on every individual server</a:t>
-            </a:r>
-          </a:p>
-          <a:p>
-            <a:pPr lvl="1"/>
-            <a:r>
-              <a:rPr lang="en-US" i="1" dirty="0"/>
-              <a:t>Let’s create sync a project from our git repo and run playbooks on all our hosts</a:t>
-            </a:r>
-          </a:p>
-          <a:p>
-            <a:pPr lvl="1"/>
-            <a:r>
-              <a:rPr lang="en-US" dirty="0"/>
-              <a:t>Next steps: Do task  Repetitive Command Y, </a:t>
-            </a:r>
-            <a:r>
-              <a:rPr lang="en-US" dirty="0" err="1"/>
-              <a:t>etc</a:t>
-            </a:r>
-            <a:r>
-              <a:rPr lang="en-US" dirty="0"/>
-              <a:t>!</a:t>
-            </a:r>
-          </a:p>
-        </p:txBody>
-      </p:sp>
-      <p:sp>
-        <p:nvSpPr>
-          <p:cNvPr id="6" name="Slide Number Placeholder 5">
+              <a:rPr lang="en-US" sz="7200" dirty="0"/>
+              <a:t>Tower Tips</a:t>
+            </a:r>
+          </a:p>
+        </p:txBody>
+      </p:sp>
+      <p:sp>
+        <p:nvSpPr>
+          <p:cNvPr id="5" name="Text Placeholder 4">
             <a:extLst>
               <a:ext uri="{FF2B5EF4-FFF2-40B4-BE49-F238E27FC236}">
-                <a16:creationId xmlns:a16="http://schemas.microsoft.com/office/drawing/2014/main" id="{BF398916-5313-5645-A1F5-86BAA2E3ECAF}"/>
+                <a16:creationId xmlns:a16="http://schemas.microsoft.com/office/drawing/2014/main" id="{D69296FB-4422-3F46-BD6D-37366FC76C6C}"/>
+              </a:ext>
+            </a:extLst>
+          </p:cNvPr>
+          <p:cNvSpPr>
+            <a:spLocks noGrp="1"/>
+          </p:cNvSpPr>
+          <p:nvPr>
+            <p:ph type="body" idx="1"/>
+          </p:nvPr>
+        </p:nvSpPr>
+        <p:spPr/>
+        <p:txBody>
+          <a:bodyPr>
+            <a:normAutofit/>
+          </a:bodyPr>
+          <a:lstStyle/>
+          <a:p>
+            <a:r>
+              <a:rPr lang="en-US" sz="2800" dirty="0"/>
+              <a:t>Ansible Tower: Scale your playbooks via a UI</a:t>
+            </a:r>
+          </a:p>
+        </p:txBody>
+      </p:sp>
+      <p:sp>
+        <p:nvSpPr>
+          <p:cNvPr id="9" name="Slide Number Placeholder 8">
+            <a:extLst>
+              <a:ext uri="{FF2B5EF4-FFF2-40B4-BE49-F238E27FC236}">
+                <a16:creationId xmlns:a16="http://schemas.microsoft.com/office/drawing/2014/main" id="{39B4DC03-CE0E-6747-B88D-92C415E674A6}"/>
               </a:ext>
             </a:extLst>
           </p:cNvPr>
@@ -9732,10 +10477,52 @@
           </a:p>
         </p:txBody>
       </p:sp>
+      <p:sp>
+        <p:nvSpPr>
+          <p:cNvPr id="7" name="TextBox 6">
+            <a:extLst>
+              <a:ext uri="{FF2B5EF4-FFF2-40B4-BE49-F238E27FC236}">
+                <a16:creationId xmlns:a16="http://schemas.microsoft.com/office/drawing/2014/main" id="{4085432B-BFAC-964A-A815-48585D512DD0}"/>
+              </a:ext>
+            </a:extLst>
+          </p:cNvPr>
+          <p:cNvSpPr txBox="1"/>
+          <p:nvPr/>
+        </p:nvSpPr>
+        <p:spPr>
+          <a:xfrm>
+            <a:off x="26938" y="6291743"/>
+            <a:ext cx="1700081" cy="369332"/>
+          </a:xfrm>
+          <a:prstGeom prst="rect">
+            <a:avLst/>
+          </a:prstGeom>
+          <a:noFill/>
+        </p:spPr>
+        <p:txBody>
+          <a:bodyPr wrap="none" rtlCol="0">
+            <a:spAutoFit/>
+          </a:bodyPr>
+          <a:lstStyle/>
+          <a:p>
+            <a:r>
+              <a:rPr lang="en-US" dirty="0">
+                <a:solidFill>
+                  <a:schemeClr val="tx1">
+                    <a:lumMod val="65000"/>
+                    <a:lumOff val="35000"/>
+                  </a:schemeClr>
+                </a:solidFill>
+              </a:rPr>
+              <a:t>Sean O’Gorman</a:t>
+            </a:r>
+          </a:p>
+        </p:txBody>
+      </p:sp>
     </p:spTree>
     <p:extLst>
       <p:ext uri="{BB962C8B-B14F-4D97-AF65-F5344CB8AC3E}">
-        <p14:creationId xmlns:p14="http://schemas.microsoft.com/office/powerpoint/2010/main" val="2994836177"/>
+        <p14:creationId xmlns:p14="http://schemas.microsoft.com/office/powerpoint/2010/main" val="2497379518"/>
       </p:ext>
     </p:extLst>
   </p:cSld>
@@ -9748,6 +10535,14 @@
 <file path=ppt/slides/slide2.xml><?xml version="1.0" encoding="utf-8"?>
 <p:sld xmlns:a="http://schemas.openxmlformats.org/drawingml/2006/main" xmlns:r="http://schemas.openxmlformats.org/officeDocument/2006/relationships" xmlns:p="http://schemas.openxmlformats.org/presentationml/2006/main">
   <p:cSld>
+    <p:bg>
+      <p:bgPr>
+        <a:solidFill>
+          <a:schemeClr val="bg2"/>
+        </a:solidFill>
+        <a:effectLst/>
+      </p:bgPr>
+    </p:bg>
     <p:spTree>
       <p:nvGrpSpPr>
         <p:cNvPr id="1" name=""/>
@@ -9762,68 +10557,127 @@
           <a:chExt cx="0" cy="0"/>
         </a:xfrm>
       </p:grpSpPr>
-      <p:sp>
-        <p:nvSpPr>
-          <p:cNvPr id="2" name="Title 1">
+      <p:sp useBgFill="1">
+        <p:nvSpPr>
+          <p:cNvPr id="73" name="Rectangle 72">
             <a:extLst>
               <a:ext uri="{FF2B5EF4-FFF2-40B4-BE49-F238E27FC236}">
-                <a16:creationId xmlns:a16="http://schemas.microsoft.com/office/drawing/2014/main" id="{48939C98-DF1D-ED47-B1CF-8A03C8F86708}"/>
+                <a16:creationId xmlns:a16="http://schemas.microsoft.com/office/drawing/2014/main" id="{6B086509-1281-468A-AAAC-1BBEDAE75736}"/>
+              </a:ext>
+              <a:ext uri="{C183D7F6-B498-43B3-948B-1728B52AA6E4}">
+                <adec:decorative xmlns:adec="http://schemas.microsoft.com/office/drawing/2017/decorative" val="1"/>
               </a:ext>
             </a:extLst>
           </p:cNvPr>
           <p:cNvSpPr>
-            <a:spLocks noGrp="1"/>
-          </p:cNvSpPr>
-          <p:nvPr>
-            <p:ph type="title"/>
-          </p:nvPr>
-        </p:nvSpPr>
-        <p:spPr/>
-        <p:txBody>
-          <a:bodyPr/>
+            <a:spLocks noGrp="1" noRot="1" noChangeAspect="1" noMove="1" noResize="1" noEditPoints="1" noAdjustHandles="1" noChangeArrowheads="1" noChangeShapeType="1" noTextEdit="1"/>
+          </p:cNvSpPr>
+          <p:nvPr>
+            <p:extLst>
+              <p:ext uri="{386F3935-93C4-4BCD-93E2-E3B085C9AB24}">
+                <p16:designElem xmlns:p16="http://schemas.microsoft.com/office/powerpoint/2015/main" val="1"/>
+              </p:ext>
+            </p:extLst>
+          </p:nvPr>
+        </p:nvSpPr>
+        <p:spPr>
+          <a:xfrm>
+            <a:off x="0" y="0"/>
+            <a:ext cx="12191999" cy="6858000"/>
+          </a:xfrm>
+          <a:prstGeom prst="rect">
+            <a:avLst/>
+          </a:prstGeom>
+          <a:ln>
+            <a:noFill/>
+          </a:ln>
+        </p:spPr>
+        <p:style>
+          <a:lnRef idx="2">
+            <a:schemeClr val="accent1">
+              <a:shade val="50000"/>
+            </a:schemeClr>
+          </a:lnRef>
+          <a:fillRef idx="1">
+            <a:schemeClr val="accent1"/>
+          </a:fillRef>
+          <a:effectRef idx="0">
+            <a:schemeClr val="accent1"/>
+          </a:effectRef>
+          <a:fontRef idx="minor">
+            <a:schemeClr val="lt1"/>
+          </a:fontRef>
+        </p:style>
+        <p:txBody>
+          <a:bodyPr rtlCol="0" anchor="ctr"/>
           <a:lstStyle/>
           <a:p>
-            <a:r>
-              <a:rPr lang="en-US" dirty="0"/>
-              <a:t>What is Ansible?</a:t>
-            </a:r>
-          </a:p>
-        </p:txBody>
-      </p:sp>
-      <p:sp>
-        <p:nvSpPr>
-          <p:cNvPr id="3" name="Text Placeholder 2">
+            <a:pPr algn="ctr"/>
+            <a:endParaRPr lang="en-US"/>
+          </a:p>
+        </p:txBody>
+      </p:sp>
+      <p:sp>
+        <p:nvSpPr>
+          <p:cNvPr id="75" name="Rectangle 74">
             <a:extLst>
               <a:ext uri="{FF2B5EF4-FFF2-40B4-BE49-F238E27FC236}">
-                <a16:creationId xmlns:a16="http://schemas.microsoft.com/office/drawing/2014/main" id="{EECEA45B-AA10-5C45-8FD4-9223328D994B}"/>
+                <a16:creationId xmlns:a16="http://schemas.microsoft.com/office/drawing/2014/main" id="{EEA73850-2107-4E65-85FE-EDD3F45FCDA2}"/>
+              </a:ext>
+              <a:ext uri="{C183D7F6-B498-43B3-948B-1728B52AA6E4}">
+                <adec:decorative xmlns:adec="http://schemas.microsoft.com/office/drawing/2017/decorative" val="1"/>
               </a:ext>
             </a:extLst>
           </p:cNvPr>
           <p:cNvSpPr>
-            <a:spLocks noGrp="1"/>
-          </p:cNvSpPr>
-          <p:nvPr>
-            <p:ph type="body" idx="1"/>
-          </p:nvPr>
-        </p:nvSpPr>
-        <p:spPr/>
-        <p:txBody>
-          <a:bodyPr/>
-          <a:lstStyle/>
-          <a:p>
-            <a:r>
-              <a:rPr lang="en-US" i="1" dirty="0"/>
-              <a:t>Ansible isn’t magic</a:t>
-            </a:r>
-          </a:p>
-        </p:txBody>
-      </p:sp>
-      <p:sp>
-        <p:nvSpPr>
-          <p:cNvPr id="7" name="Slide Number Placeholder 6">
+            <a:spLocks noGrp="1" noRot="1" noChangeAspect="1" noMove="1" noResize="1" noEditPoints="1" noAdjustHandles="1" noChangeArrowheads="1" noChangeShapeType="1" noTextEdit="1"/>
+          </p:cNvSpPr>
+          <p:nvPr>
+            <p:extLst>
+              <p:ext uri="{386F3935-93C4-4BCD-93E2-E3B085C9AB24}">
+                <p16:designElem xmlns:p16="http://schemas.microsoft.com/office/powerpoint/2015/main" val="1"/>
+              </p:ext>
+            </p:extLst>
+          </p:nvPr>
+        </p:nvSpPr>
+        <p:spPr>
+          <a:xfrm>
+            <a:off x="1" y="1300114"/>
+            <a:ext cx="4053525" cy="4257773"/>
+          </a:xfrm>
+          <a:prstGeom prst="rect">
+            <a:avLst/>
+          </a:prstGeom>
+          <a:solidFill>
+            <a:schemeClr val="accent1"/>
+          </a:solidFill>
+          <a:ln>
+            <a:noFill/>
+          </a:ln>
+        </p:spPr>
+        <p:style>
+          <a:lnRef idx="2">
+            <a:schemeClr val="accent1">
+              <a:shade val="50000"/>
+            </a:schemeClr>
+          </a:lnRef>
+          <a:fillRef idx="1">
+            <a:schemeClr val="accent1"/>
+          </a:fillRef>
+          <a:effectRef idx="0">
+            <a:schemeClr val="accent1"/>
+          </a:effectRef>
+          <a:fontRef idx="minor">
+            <a:schemeClr val="lt1"/>
+          </a:fontRef>
+        </p:style>
+      </p:sp>
+      <p:sp>
+        <p:nvSpPr>
+          <p:cNvPr id="3" name="Subtitle 2">
             <a:extLst>
               <a:ext uri="{FF2B5EF4-FFF2-40B4-BE49-F238E27FC236}">
-                <a16:creationId xmlns:a16="http://schemas.microsoft.com/office/drawing/2014/main" id="{62310C2B-490A-C849-992A-863A8425089C}"/>
+                <a16:creationId xmlns:a16="http://schemas.microsoft.com/office/drawing/2014/main" id="{C3752BA7-6E3C-0041-A617-54139F01BAAF}"/>
               </a:ext>
             </a:extLst>
           </p:cNvPr>
@@ -9831,32 +10685,150 @@
             <a:spLocks noGrp="1"/>
           </p:cNvSpPr>
           <p:nvPr>
-            <p:ph type="sldNum" sz="quarter" idx="4"/>
-          </p:nvPr>
-        </p:nvSpPr>
-        <p:spPr/>
-        <p:txBody>
-          <a:bodyPr/>
+            <p:ph type="subTitle" idx="1"/>
+          </p:nvPr>
+        </p:nvSpPr>
+        <p:spPr>
+          <a:xfrm>
+            <a:off x="364724" y="3520440"/>
+            <a:ext cx="3331786" cy="1772367"/>
+          </a:xfrm>
+        </p:spPr>
+        <p:txBody>
+          <a:bodyPr anchor="b">
+            <a:normAutofit/>
+          </a:bodyPr>
           <a:lstStyle/>
           <a:p>
-            <a:fld id="{4FAB73BC-B049-4115-A692-8D63A059BFB8}" type="slidenum">
-              <a:rPr lang="en-US" smtClean="0"/>
-              <a:pPr/>
-              <a:t>2</a:t>
-            </a:fld>
-            <a:endParaRPr lang="en-US" dirty="0"/>
-          </a:p>
-        </p:txBody>
-      </p:sp>
+            <a:r>
+              <a:rPr lang="en-US" dirty="0"/>
+              <a:t>An Introduction</a:t>
+            </a:r>
+          </a:p>
+          <a:p>
+            <a:r>
+              <a:rPr lang="en-US" dirty="0"/>
+              <a:t>Andrew Reid East</a:t>
+            </a:r>
+          </a:p>
+        </p:txBody>
+      </p:sp>
+      <p:pic>
+        <p:nvPicPr>
+          <p:cNvPr id="1028" name="Picture 4">
+            <a:extLst>
+              <a:ext uri="{FF2B5EF4-FFF2-40B4-BE49-F238E27FC236}">
+                <a16:creationId xmlns:a16="http://schemas.microsoft.com/office/drawing/2014/main" id="{83F49A83-C573-F348-B93C-BCBB848D8F79}"/>
+              </a:ext>
+            </a:extLst>
+          </p:cNvPr>
+          <p:cNvPicPr>
+            <a:picLocks noChangeAspect="1" noChangeArrowheads="1"/>
+          </p:cNvPicPr>
+          <p:nvPr/>
+        </p:nvPicPr>
+        <p:blipFill rotWithShape="1">
+          <a:blip r:embed="rId2">
+            <a:duotone>
+              <a:schemeClr val="accent2">
+                <a:shade val="45000"/>
+                <a:satMod val="135000"/>
+              </a:schemeClr>
+              <a:prstClr val="white"/>
+            </a:duotone>
+            <a:extLst>
+              <a:ext uri="{28A0092B-C50C-407E-A947-70E740481C1C}">
+                <a14:useLocalDpi xmlns:a14="http://schemas.microsoft.com/office/drawing/2010/main" val="0"/>
+              </a:ext>
+            </a:extLst>
+          </a:blip>
+          <a:srcRect b="18567"/>
+          <a:stretch/>
+        </p:blipFill>
+        <p:spPr bwMode="auto">
+          <a:xfrm>
+            <a:off x="5157779" y="441590"/>
+            <a:ext cx="5961394" cy="5974819"/>
+          </a:xfrm>
+          <a:prstGeom prst="rect">
+            <a:avLst/>
+          </a:prstGeom>
+          <a:noFill/>
+          <a:extLst>
+            <a:ext uri="{909E8E84-426E-40DD-AFC4-6F175D3DCCD1}">
+              <a14:hiddenFill xmlns:a14="http://schemas.microsoft.com/office/drawing/2010/main">
+                <a:solidFill>
+                  <a:srgbClr val="FFFFFF"/>
+                </a:solidFill>
+              </a14:hiddenFill>
+            </a:ext>
+          </a:extLst>
+        </p:spPr>
+      </p:pic>
+      <p:pic>
+        <p:nvPicPr>
+          <p:cNvPr id="9" name="Picture 4">
+            <a:extLst>
+              <a:ext uri="{FF2B5EF4-FFF2-40B4-BE49-F238E27FC236}">
+                <a16:creationId xmlns:a16="http://schemas.microsoft.com/office/drawing/2014/main" id="{CB9FA2C7-286B-6B46-BB81-01F8E7E4CCCB}"/>
+              </a:ext>
+            </a:extLst>
+          </p:cNvPr>
+          <p:cNvPicPr>
+            <a:picLocks noChangeAspect="1" noChangeArrowheads="1"/>
+          </p:cNvPicPr>
+          <p:nvPr/>
+        </p:nvPicPr>
+        <p:blipFill rotWithShape="1">
+          <a:blip r:embed="rId3">
+            <a:biLevel thresh="25000"/>
+            <a:extLst>
+              <a:ext uri="{BEBA8EAE-BF5A-486C-A8C5-ECC9F3942E4B}">
+                <a14:imgProps xmlns:a14="http://schemas.microsoft.com/office/drawing/2010/main">
+                  <a14:imgLayer r:embed="rId4">
+                    <a14:imgEffect>
+                      <a14:brightnessContrast bright="40000" contrast="-40000"/>
+                    </a14:imgEffect>
+                  </a14:imgLayer>
+                </a14:imgProps>
+              </a:ext>
+              <a:ext uri="{28A0092B-C50C-407E-A947-70E740481C1C}">
+                <a14:useLocalDpi xmlns:a14="http://schemas.microsoft.com/office/drawing/2010/main" val="0"/>
+              </a:ext>
+            </a:extLst>
+          </a:blip>
+          <a:srcRect t="88342" b="-1156"/>
+          <a:stretch/>
+        </p:blipFill>
+        <p:spPr bwMode="auto">
+          <a:xfrm>
+            <a:off x="364725" y="1565193"/>
+            <a:ext cx="2890540" cy="455868"/>
+          </a:xfrm>
+          <a:prstGeom prst="rect">
+            <a:avLst/>
+          </a:prstGeom>
+          <a:noFill/>
+          <a:extLst>
+            <a:ext uri="{909E8E84-426E-40DD-AFC4-6F175D3DCCD1}">
+              <a14:hiddenFill xmlns:a14="http://schemas.microsoft.com/office/drawing/2010/main">
+                <a:solidFill>
+                  <a:srgbClr val="FFFFFF"/>
+                </a:solidFill>
+              </a14:hiddenFill>
+            </a:ext>
+          </a:extLst>
+        </p:spPr>
+      </p:pic>
     </p:spTree>
     <p:extLst>
       <p:ext uri="{BB962C8B-B14F-4D97-AF65-F5344CB8AC3E}">
-        <p14:creationId xmlns:p14="http://schemas.microsoft.com/office/powerpoint/2010/main" val="2091121492"/>
+        <p14:creationId xmlns:p14="http://schemas.microsoft.com/office/powerpoint/2010/main" val="3910143581"/>
       </p:ext>
     </p:extLst>
   </p:cSld>
   <p:clrMapOvr>
-    <a:masterClrMapping/>
+    <a:overrideClrMapping bg1="dk1" tx1="lt1" bg2="dk2" tx2="lt2" accent1="accent1" accent2="accent2" accent3="accent3" accent4="accent4" accent5="accent5" accent6="accent6" hlink="hlink" folHlink="folHlink"/>
   </p:clrMapOvr>
 </p:sld>
 </file>
@@ -9880,10 +10852,10 @@
       </p:grpSpPr>
       <p:sp>
         <p:nvSpPr>
-          <p:cNvPr id="2" name="Title 1">
+          <p:cNvPr id="4" name="Title 3">
             <a:extLst>
               <a:ext uri="{FF2B5EF4-FFF2-40B4-BE49-F238E27FC236}">
-                <a16:creationId xmlns:a16="http://schemas.microsoft.com/office/drawing/2014/main" id="{3B01220E-68FD-F44A-951E-44B8AB84F051}"/>
+                <a16:creationId xmlns:a16="http://schemas.microsoft.com/office/drawing/2014/main" id="{8E81C3D6-ED04-D345-A3C9-66786BFA198C}"/>
               </a:ext>
             </a:extLst>
           </p:cNvPr>
@@ -9908,31 +10880,17 @@
             </a:br>
             <a:r>
               <a:rPr lang="en-US" dirty="0"/>
-              <a:t>not</a:t>
-            </a:r>
-            <a:br>
-              <a:rPr lang="en-US" i="1" dirty="0"/>
-            </a:br>
-            <a:r>
-              <a:rPr lang="en-US" dirty="0"/>
-              <a:t>Ansible</a:t>
-            </a:r>
-            <a:br>
-              <a:rPr lang="en-US" dirty="0"/>
-            </a:br>
-            <a:r>
-              <a:rPr lang="en-US" dirty="0"/>
-              <a:t>Tower?</a:t>
-            </a:r>
-          </a:p>
-        </p:txBody>
-      </p:sp>
-      <p:sp>
-        <p:nvSpPr>
-          <p:cNvPr id="3" name="Content Placeholder 2">
+              <a:t>Ansible Tower?</a:t>
+            </a:r>
+          </a:p>
+        </p:txBody>
+      </p:sp>
+      <p:sp>
+        <p:nvSpPr>
+          <p:cNvPr id="5" name="Content Placeholder 4">
             <a:extLst>
               <a:ext uri="{FF2B5EF4-FFF2-40B4-BE49-F238E27FC236}">
-                <a16:creationId xmlns:a16="http://schemas.microsoft.com/office/drawing/2014/main" id="{A63B56A4-AF4E-5C45-8368-72B15CE1B3DE}"/>
+                <a16:creationId xmlns:a16="http://schemas.microsoft.com/office/drawing/2014/main" id="{7A3FBC57-813C-5440-A559-5E4C0C070A84}"/>
               </a:ext>
             </a:extLst>
           </p:cNvPr>
@@ -9945,52 +10903,67 @@
         </p:nvSpPr>
         <p:spPr/>
         <p:txBody>
-          <a:bodyPr/>
+          <a:bodyPr>
+            <a:normAutofit/>
+          </a:bodyPr>
           <a:lstStyle/>
           <a:p>
             <a:r>
+              <a:rPr lang="en-US" sz="3200" dirty="0"/>
+              <a:t>Relatively easy to get started</a:t>
+            </a:r>
+          </a:p>
+          <a:p>
+            <a:r>
               <a:rPr lang="en-US" dirty="0"/>
-              <a:t>Paid service, really target at controlling permission and role towards </a:t>
+              <a:t>Security by design, by role and organization access</a:t>
+            </a:r>
+          </a:p>
+          <a:p>
+            <a:r>
+              <a:rPr lang="en-US" dirty="0"/>
+              <a:t>Lots of additional role-based functionality</a:t>
+            </a:r>
+          </a:p>
+          <a:p>
+            <a:r>
+              <a:rPr lang="en-US" dirty="0"/>
+              <a:t>Extensive documentation</a:t>
+            </a:r>
+          </a:p>
+          <a:p>
+            <a:r>
+              <a:rPr lang="en-US" dirty="0"/>
+              <a:t>Example:</a:t>
+            </a:r>
+          </a:p>
+          <a:p>
+            <a:pPr lvl="1"/>
+            <a:r>
+              <a:rPr lang="en-US" i="1" dirty="0"/>
+              <a:t>I’m tired of doing ‘Repetitive Command X’ on every individual server</a:t>
+            </a:r>
+          </a:p>
+          <a:p>
+            <a:pPr lvl="1"/>
+            <a:r>
+              <a:rPr lang="en-US" i="1" dirty="0"/>
+              <a:t>Let’s sync a project from our git repo and run playbooks on all our hosts from central server</a:t>
+            </a:r>
+          </a:p>
+          <a:p>
+            <a:pPr lvl="1"/>
+            <a:r>
+              <a:rPr lang="en-US" dirty="0"/>
+              <a:t>Next steps: Do task  Repetitive Command Y, </a:t>
             </a:r>
             <a:r>
               <a:rPr lang="en-US" dirty="0" err="1"/>
-              <a:t>SecDevOps</a:t>
-            </a:r>
-            <a:endParaRPr lang="en-US" dirty="0"/>
-          </a:p>
-          <a:p>
+              <a:t>etc</a:t>
+            </a:r>
             <a:r>
               <a:rPr lang="en-US" dirty="0"/>
-              <a:t>Requires a host PC or cloud resource to run Ansible Tower</a:t>
-            </a:r>
-          </a:p>
-          <a:p>
-            <a:pPr lvl="1"/>
-            <a:r>
-              <a:rPr lang="en-US" dirty="0"/>
-              <a:t>Your laptop pushes configs</a:t>
-            </a:r>
-          </a:p>
-          <a:p>
-            <a:pPr lvl="2"/>
-            <a:r>
-              <a:rPr lang="en-US" dirty="0"/>
-              <a:t>Write a Playbook, fire off Ansible playbooks within tasks!</a:t>
-            </a:r>
-          </a:p>
-          <a:p>
-            <a:r>
-              <a:rPr lang="en-US" dirty="0"/>
-              <a:t>Scalability questions still apply as mentioned, but tower goes some way to addressing them</a:t>
-            </a:r>
-          </a:p>
-          <a:p>
-            <a:pPr marL="502920" lvl="1" indent="0">
-              <a:buNone/>
-            </a:pPr>
-            <a:r>
-              <a:rPr lang="en-US" dirty="0"/>
-              <a:t>Ansible has been used to manage thousands of hosts at once as mentioned before</a:t>
+              <a:t>!</a:t>
             </a:r>
           </a:p>
         </p:txBody>
@@ -10000,7 +10973,7 @@
           <p:cNvPr id="6" name="Slide Number Placeholder 5">
             <a:extLst>
               <a:ext uri="{FF2B5EF4-FFF2-40B4-BE49-F238E27FC236}">
-                <a16:creationId xmlns:a16="http://schemas.microsoft.com/office/drawing/2014/main" id="{8DAFA118-B6B4-934C-9FD4-882CF655128C}"/>
+                <a16:creationId xmlns:a16="http://schemas.microsoft.com/office/drawing/2014/main" id="{BF398916-5313-5645-A1F5-86BAA2E3ECAF}"/>
               </a:ext>
             </a:extLst>
           </p:cNvPr>
@@ -10025,10 +10998,52 @@
           </a:p>
         </p:txBody>
       </p:sp>
+      <p:sp>
+        <p:nvSpPr>
+          <p:cNvPr id="7" name="TextBox 6">
+            <a:extLst>
+              <a:ext uri="{FF2B5EF4-FFF2-40B4-BE49-F238E27FC236}">
+                <a16:creationId xmlns:a16="http://schemas.microsoft.com/office/drawing/2014/main" id="{D30CDEBB-6BF8-0748-A30E-922B7804A060}"/>
+              </a:ext>
+            </a:extLst>
+          </p:cNvPr>
+          <p:cNvSpPr txBox="1"/>
+          <p:nvPr/>
+        </p:nvSpPr>
+        <p:spPr>
+          <a:xfrm>
+            <a:off x="26938" y="6291743"/>
+            <a:ext cx="1700081" cy="369332"/>
+          </a:xfrm>
+          <a:prstGeom prst="rect">
+            <a:avLst/>
+          </a:prstGeom>
+          <a:noFill/>
+        </p:spPr>
+        <p:txBody>
+          <a:bodyPr wrap="none" rtlCol="0">
+            <a:spAutoFit/>
+          </a:bodyPr>
+          <a:lstStyle/>
+          <a:p>
+            <a:r>
+              <a:rPr lang="en-US" dirty="0">
+                <a:solidFill>
+                  <a:schemeClr val="tx1">
+                    <a:lumMod val="65000"/>
+                    <a:lumOff val="35000"/>
+                  </a:schemeClr>
+                </a:solidFill>
+              </a:rPr>
+              <a:t>Sean O’Gorman</a:t>
+            </a:r>
+          </a:p>
+        </p:txBody>
+      </p:sp>
     </p:spTree>
     <p:extLst>
       <p:ext uri="{BB962C8B-B14F-4D97-AF65-F5344CB8AC3E}">
-        <p14:creationId xmlns:p14="http://schemas.microsoft.com/office/powerpoint/2010/main" val="4181466575"/>
+        <p14:creationId xmlns:p14="http://schemas.microsoft.com/office/powerpoint/2010/main" val="2994836177"/>
       </p:ext>
     </p:extLst>
   </p:cSld>
@@ -10060,7 +11075,7 @@
           <p:cNvPr id="2" name="Title 1">
             <a:extLst>
               <a:ext uri="{FF2B5EF4-FFF2-40B4-BE49-F238E27FC236}">
-                <a16:creationId xmlns:a16="http://schemas.microsoft.com/office/drawing/2014/main" id="{A53D16B4-2DE5-3F49-9300-43C5E19F1C38}"/>
+                <a16:creationId xmlns:a16="http://schemas.microsoft.com/office/drawing/2014/main" id="{3B01220E-68FD-F44A-951E-44B8AB84F051}"/>
               </a:ext>
             </a:extLst>
           </p:cNvPr>
@@ -10073,19 +11088,20 @@
         </p:nvSpPr>
         <p:spPr/>
         <p:txBody>
-          <a:bodyPr>
-            <a:normAutofit/>
-          </a:bodyPr>
+          <a:bodyPr/>
           <a:lstStyle/>
           <a:p>
             <a:r>
-              <a:rPr lang="en-US" sz="3200" dirty="0"/>
-              <a:t>Goal: Replicate and repeat with tower</a:t>
+              <a:rPr lang="en-US" dirty="0"/>
+              <a:t>Why not</a:t>
             </a:r>
             <a:br>
-              <a:rPr lang="en-US" sz="3200" dirty="0"/>
+              <a:rPr lang="en-US" i="1" dirty="0"/>
             </a:br>
-            <a:endParaRPr lang="en-US" sz="3200" dirty="0"/>
+            <a:r>
+              <a:rPr lang="en-US" dirty="0"/>
+              <a:t>Ansible Tower?</a:t>
+            </a:r>
           </a:p>
         </p:txBody>
       </p:sp>
@@ -10094,7 +11110,7 @@
           <p:cNvPr id="3" name="Content Placeholder 2">
             <a:extLst>
               <a:ext uri="{FF2B5EF4-FFF2-40B4-BE49-F238E27FC236}">
-                <a16:creationId xmlns:a16="http://schemas.microsoft.com/office/drawing/2014/main" id="{9134AF3E-281A-0B4F-AB9D-06006986C8EA}"/>
+                <a16:creationId xmlns:a16="http://schemas.microsoft.com/office/drawing/2014/main" id="{A63B56A4-AF4E-5C45-8368-72B15CE1B3DE}"/>
               </a:ext>
             </a:extLst>
           </p:cNvPr>
@@ -10105,126 +11121,62 @@
             <p:ph idx="1"/>
           </p:nvPr>
         </p:nvSpPr>
-        <p:spPr>
-          <a:xfrm>
-            <a:off x="3869268" y="676656"/>
-            <a:ext cx="7315200" cy="5852160"/>
-          </a:xfrm>
-        </p:spPr>
-        <p:txBody>
-          <a:bodyPr>
-            <a:normAutofit/>
-          </a:bodyPr>
+        <p:spPr/>
+        <p:txBody>
+          <a:bodyPr/>
           <a:lstStyle/>
           <a:p>
             <a:r>
               <a:rPr lang="en-US" dirty="0"/>
-              <a:t>Prerequisites:</a:t>
-            </a:r>
-          </a:p>
-          <a:p>
-            <a:pPr marL="845820" lvl="1" indent="-342900">
-              <a:buFont typeface="+mj-lt"/>
-              <a:buAutoNum type="arabicPeriod"/>
-            </a:pPr>
+              <a:t>Paid service, really target at controlling permission and role towards </a:t>
+            </a:r>
+            <a:r>
+              <a:rPr lang="en-US" dirty="0" err="1"/>
+              <a:t>SecDevOps</a:t>
+            </a:r>
+            <a:endParaRPr lang="en-US" dirty="0"/>
+          </a:p>
+          <a:p>
             <a:r>
               <a:rPr lang="en-US" dirty="0"/>
-              <a:t>Login to </a:t>
-            </a:r>
-            <a:r>
-              <a:rPr lang="en-US" dirty="0" err="1"/>
-              <a:t>github</a:t>
-            </a:r>
+              <a:t>Requires a host PC or cloud resource to run Ansible Tower</a:t>
+            </a:r>
+          </a:p>
+          <a:p>
+            <a:pPr lvl="1"/>
             <a:r>
               <a:rPr lang="en-US" dirty="0"/>
-              <a:t> account and fork: </a:t>
-            </a:r>
-            <a:r>
-              <a:rPr lang="en-IE" dirty="0">
-                <a:hlinkClick r:id="rId2"/>
-              </a:rPr>
-              <a:t>https://github.com/bertrandszoghy/vagrant_ansible_private_network_example/blob/master/</a:t>
-            </a:r>
-            <a:endParaRPr lang="en-IE" dirty="0"/>
-          </a:p>
-          <a:p>
-            <a:pPr marL="845820" lvl="1" indent="-342900">
-              <a:buFont typeface="+mj-lt"/>
-              <a:buAutoNum type="arabicPeriod"/>
-            </a:pPr>
-            <a:r>
-              <a:rPr lang="en-IE" dirty="0"/>
-              <a:t>Vagrant, ansible and VirtualBox installed locally</a:t>
-            </a:r>
-          </a:p>
-          <a:p>
-            <a:pPr marL="845820" lvl="1" indent="-342900">
-              <a:buFont typeface="+mj-lt"/>
-              <a:buAutoNum type="arabicPeriod"/>
-            </a:pPr>
-            <a:r>
-              <a:rPr lang="en-IE" dirty="0"/>
-              <a:t>Tower license ready to go </a:t>
-            </a:r>
-            <a:endParaRPr lang="en-US" dirty="0"/>
-          </a:p>
-          <a:p>
+              <a:t>Your laptop pushes configs</a:t>
+            </a:r>
+          </a:p>
+          <a:p>
+            <a:pPr lvl="2"/>
             <a:r>
               <a:rPr lang="en-US" dirty="0"/>
-              <a:t>Demo Agenda</a:t>
+              <a:t>Write a Playbook, fire off Ansible playbooks within tasks!</a:t>
+            </a:r>
+          </a:p>
+          <a:p>
+            <a:r>
+              <a:rPr lang="en-US" dirty="0"/>
+              <a:t>Scalability questions still apply as mentioned, but tower goes some way to addressing them</a:t>
             </a:r>
           </a:p>
           <a:p>
             <a:pPr lvl="1"/>
             <a:r>
               <a:rPr lang="en-US" dirty="0"/>
-              <a:t>Bring up tower instance using docker or vagrant, will run through both methods </a:t>
-            </a:r>
-            <a:br>
-              <a:rPr lang="en-US" dirty="0"/>
-            </a:br>
-            <a:r>
-              <a:rPr lang="en-US" dirty="0"/>
-              <a:t>Generate a </a:t>
-            </a:r>
-            <a:r>
-              <a:rPr lang="en-US" dirty="0" err="1"/>
-              <a:t>ssh</a:t>
-            </a:r>
-            <a:r>
-              <a:rPr lang="en-US" dirty="0"/>
-              <a:t> key machine credential, add as deploy to forked repo  and sync to project</a:t>
-            </a:r>
-          </a:p>
-          <a:p>
-            <a:pPr lvl="1"/>
-            <a:r>
-              <a:rPr lang="en-US" dirty="0"/>
-              <a:t>”Hello world” playbook (make a .html file on local, copy to remote, cat it)</a:t>
-            </a:r>
-          </a:p>
-          <a:p>
-            <a:pPr lvl="1"/>
-            <a:r>
-              <a:rPr lang="en-US" dirty="0"/>
-              <a:t>Setup  a couple of web servers in a virtual private network using vagrant</a:t>
-            </a:r>
-          </a:p>
-          <a:p>
-            <a:pPr lvl="1"/>
-            <a:r>
-              <a:rPr lang="en-US" dirty="0"/>
-              <a:t>Experiment with running playbooks on new resources</a:t>
-            </a:r>
-          </a:p>
-        </p:txBody>
-      </p:sp>
-      <p:sp>
-        <p:nvSpPr>
-          <p:cNvPr id="4" name="Slide Number Placeholder 3">
+              <a:t>Ansible has been used to manage thousands of hosts at once as mentioned before</a:t>
+            </a:r>
+          </a:p>
+        </p:txBody>
+      </p:sp>
+      <p:sp>
+        <p:nvSpPr>
+          <p:cNvPr id="6" name="Slide Number Placeholder 5">
             <a:extLst>
               <a:ext uri="{FF2B5EF4-FFF2-40B4-BE49-F238E27FC236}">
-                <a16:creationId xmlns:a16="http://schemas.microsoft.com/office/drawing/2014/main" id="{A721A4AF-9722-044D-B83E-EA405ADF133D}"/>
+                <a16:creationId xmlns:a16="http://schemas.microsoft.com/office/drawing/2014/main" id="{8DAFA118-B6B4-934C-9FD4-882CF655128C}"/>
               </a:ext>
             </a:extLst>
           </p:cNvPr>
@@ -10249,10 +11201,52 @@
           </a:p>
         </p:txBody>
       </p:sp>
+      <p:sp>
+        <p:nvSpPr>
+          <p:cNvPr id="5" name="TextBox 4">
+            <a:extLst>
+              <a:ext uri="{FF2B5EF4-FFF2-40B4-BE49-F238E27FC236}">
+                <a16:creationId xmlns:a16="http://schemas.microsoft.com/office/drawing/2014/main" id="{E75CD120-FCD0-F34C-B3F0-FFCF8DACBEC1}"/>
+              </a:ext>
+            </a:extLst>
+          </p:cNvPr>
+          <p:cNvSpPr txBox="1"/>
+          <p:nvPr/>
+        </p:nvSpPr>
+        <p:spPr>
+          <a:xfrm>
+            <a:off x="26938" y="6291743"/>
+            <a:ext cx="1700081" cy="369332"/>
+          </a:xfrm>
+          <a:prstGeom prst="rect">
+            <a:avLst/>
+          </a:prstGeom>
+          <a:noFill/>
+        </p:spPr>
+        <p:txBody>
+          <a:bodyPr wrap="none" rtlCol="0">
+            <a:spAutoFit/>
+          </a:bodyPr>
+          <a:lstStyle/>
+          <a:p>
+            <a:r>
+              <a:rPr lang="en-US" dirty="0">
+                <a:solidFill>
+                  <a:schemeClr val="tx1">
+                    <a:lumMod val="65000"/>
+                    <a:lumOff val="35000"/>
+                  </a:schemeClr>
+                </a:solidFill>
+              </a:rPr>
+              <a:t>Sean O’Gorman</a:t>
+            </a:r>
+          </a:p>
+        </p:txBody>
+      </p:sp>
     </p:spTree>
     <p:extLst>
       <p:ext uri="{BB962C8B-B14F-4D97-AF65-F5344CB8AC3E}">
-        <p14:creationId xmlns:p14="http://schemas.microsoft.com/office/powerpoint/2010/main" val="4230179093"/>
+        <p14:creationId xmlns:p14="http://schemas.microsoft.com/office/powerpoint/2010/main" val="4181466575"/>
       </p:ext>
     </p:extLst>
   </p:cSld>
@@ -10281,6 +11275,270 @@
       </p:grpSpPr>
       <p:sp>
         <p:nvSpPr>
+          <p:cNvPr id="2" name="Title 1">
+            <a:extLst>
+              <a:ext uri="{FF2B5EF4-FFF2-40B4-BE49-F238E27FC236}">
+                <a16:creationId xmlns:a16="http://schemas.microsoft.com/office/drawing/2014/main" id="{A53D16B4-2DE5-3F49-9300-43C5E19F1C38}"/>
+              </a:ext>
+            </a:extLst>
+          </p:cNvPr>
+          <p:cNvSpPr>
+            <a:spLocks noGrp="1"/>
+          </p:cNvSpPr>
+          <p:nvPr>
+            <p:ph type="title"/>
+          </p:nvPr>
+        </p:nvSpPr>
+        <p:spPr/>
+        <p:txBody>
+          <a:bodyPr>
+            <a:normAutofit/>
+          </a:bodyPr>
+          <a:lstStyle/>
+          <a:p>
+            <a:r>
+              <a:rPr lang="en-US" sz="3200" dirty="0"/>
+              <a:t>Goal: Replicate and repeat with tower</a:t>
+            </a:r>
+            <a:br>
+              <a:rPr lang="en-US" sz="3200" dirty="0"/>
+            </a:br>
+            <a:endParaRPr lang="en-US" sz="3200" dirty="0"/>
+          </a:p>
+        </p:txBody>
+      </p:sp>
+      <p:sp>
+        <p:nvSpPr>
+          <p:cNvPr id="3" name="Content Placeholder 2">
+            <a:extLst>
+              <a:ext uri="{FF2B5EF4-FFF2-40B4-BE49-F238E27FC236}">
+                <a16:creationId xmlns:a16="http://schemas.microsoft.com/office/drawing/2014/main" id="{9134AF3E-281A-0B4F-AB9D-06006986C8EA}"/>
+              </a:ext>
+            </a:extLst>
+          </p:cNvPr>
+          <p:cNvSpPr>
+            <a:spLocks noGrp="1"/>
+          </p:cNvSpPr>
+          <p:nvPr>
+            <p:ph idx="1"/>
+          </p:nvPr>
+        </p:nvSpPr>
+        <p:spPr>
+          <a:xfrm>
+            <a:off x="3869268" y="676656"/>
+            <a:ext cx="7315200" cy="5852160"/>
+          </a:xfrm>
+        </p:spPr>
+        <p:txBody>
+          <a:bodyPr>
+            <a:normAutofit/>
+          </a:bodyPr>
+          <a:lstStyle/>
+          <a:p>
+            <a:r>
+              <a:rPr lang="en-US" dirty="0"/>
+              <a:t>Prerequisites:</a:t>
+            </a:r>
+          </a:p>
+          <a:p>
+            <a:pPr lvl="1"/>
+            <a:r>
+              <a:rPr lang="en-US" dirty="0"/>
+              <a:t>Login to </a:t>
+            </a:r>
+            <a:r>
+              <a:rPr lang="en-US" dirty="0" err="1"/>
+              <a:t>github</a:t>
+            </a:r>
+            <a:r>
+              <a:rPr lang="en-US" dirty="0"/>
+              <a:t> account and fork: </a:t>
+            </a:r>
+            <a:r>
+              <a:rPr lang="en-US" dirty="0">
+                <a:hlinkClick r:id="rId2"/>
+              </a:rPr>
+              <a:t>https://github.com/reideast/ansible-sandbox</a:t>
+            </a:r>
+            <a:endParaRPr lang="en-IE" dirty="0"/>
+          </a:p>
+          <a:p>
+            <a:pPr lvl="1"/>
+            <a:r>
+              <a:rPr lang="en-IE" dirty="0"/>
+              <a:t>Vagrant, ansible and VirtualBox installed locally</a:t>
+            </a:r>
+          </a:p>
+          <a:p>
+            <a:pPr lvl="1"/>
+            <a:r>
+              <a:rPr lang="en-IE" dirty="0"/>
+              <a:t>Tower license ready to go </a:t>
+            </a:r>
+            <a:endParaRPr lang="en-US" dirty="0"/>
+          </a:p>
+          <a:p>
+            <a:r>
+              <a:rPr lang="en-US" dirty="0"/>
+              <a:t>Demo Agenda</a:t>
+            </a:r>
+          </a:p>
+          <a:p>
+            <a:pPr marL="845820" lvl="1" indent="-342900">
+              <a:buFont typeface="+mj-lt"/>
+              <a:buAutoNum type="arabicPeriod"/>
+            </a:pPr>
+            <a:r>
+              <a:rPr lang="en-US" dirty="0"/>
+              <a:t>Bring up tower instance using docker or vagrant, will run through both methods </a:t>
+            </a:r>
+          </a:p>
+          <a:p>
+            <a:pPr marL="845820" lvl="1" indent="-342900">
+              <a:buFont typeface="+mj-lt"/>
+              <a:buAutoNum type="arabicPeriod"/>
+            </a:pPr>
+            <a:r>
+              <a:rPr lang="en-US" dirty="0"/>
+              <a:t>Generate an SSH key machine credential, add as deploy to forked repo  and sync to project</a:t>
+            </a:r>
+          </a:p>
+          <a:p>
+            <a:pPr marL="845820" lvl="1" indent="-342900">
+              <a:buFont typeface="+mj-lt"/>
+              <a:buAutoNum type="arabicPeriod"/>
+            </a:pPr>
+            <a:r>
+              <a:rPr lang="en-US" dirty="0"/>
+              <a:t>”Hello world” playbook (make a file on local, copy to remote, cat it)</a:t>
+            </a:r>
+          </a:p>
+          <a:p>
+            <a:pPr marL="845820" lvl="1" indent="-342900">
+              <a:buFont typeface="+mj-lt"/>
+              <a:buAutoNum type="arabicPeriod"/>
+            </a:pPr>
+            <a:r>
+              <a:rPr lang="en-US" dirty="0"/>
+              <a:t>Set up 3 web servers in a virtual private network using vagrant</a:t>
+            </a:r>
+          </a:p>
+          <a:p>
+            <a:pPr marL="845820" lvl="1" indent="-342900">
+              <a:buFont typeface="+mj-lt"/>
+              <a:buAutoNum type="arabicPeriod"/>
+            </a:pPr>
+            <a:r>
+              <a:rPr lang="en-US" dirty="0"/>
+              <a:t>Experiment with running playbooks on new resources</a:t>
+            </a:r>
+          </a:p>
+        </p:txBody>
+      </p:sp>
+      <p:sp>
+        <p:nvSpPr>
+          <p:cNvPr id="4" name="Slide Number Placeholder 3">
+            <a:extLst>
+              <a:ext uri="{FF2B5EF4-FFF2-40B4-BE49-F238E27FC236}">
+                <a16:creationId xmlns:a16="http://schemas.microsoft.com/office/drawing/2014/main" id="{A721A4AF-9722-044D-B83E-EA405ADF133D}"/>
+              </a:ext>
+            </a:extLst>
+          </p:cNvPr>
+          <p:cNvSpPr>
+            <a:spLocks noGrp="1"/>
+          </p:cNvSpPr>
+          <p:nvPr>
+            <p:ph type="sldNum" sz="quarter" idx="4"/>
+          </p:nvPr>
+        </p:nvSpPr>
+        <p:spPr/>
+        <p:txBody>
+          <a:bodyPr/>
+          <a:lstStyle/>
+          <a:p>
+            <a:fld id="{4FAB73BC-B049-4115-A692-8D63A059BFB8}" type="slidenum">
+              <a:rPr lang="en-US" smtClean="0"/>
+              <a:pPr/>
+              <a:t>22</a:t>
+            </a:fld>
+            <a:endParaRPr lang="en-US" dirty="0"/>
+          </a:p>
+        </p:txBody>
+      </p:sp>
+      <p:sp>
+        <p:nvSpPr>
+          <p:cNvPr id="5" name="TextBox 4">
+            <a:extLst>
+              <a:ext uri="{FF2B5EF4-FFF2-40B4-BE49-F238E27FC236}">
+                <a16:creationId xmlns:a16="http://schemas.microsoft.com/office/drawing/2014/main" id="{84424CAA-B11C-4145-9180-30B921A18D56}"/>
+              </a:ext>
+            </a:extLst>
+          </p:cNvPr>
+          <p:cNvSpPr txBox="1"/>
+          <p:nvPr/>
+        </p:nvSpPr>
+        <p:spPr>
+          <a:xfrm>
+            <a:off x="26938" y="6291743"/>
+            <a:ext cx="1700081" cy="369332"/>
+          </a:xfrm>
+          <a:prstGeom prst="rect">
+            <a:avLst/>
+          </a:prstGeom>
+          <a:noFill/>
+        </p:spPr>
+        <p:txBody>
+          <a:bodyPr wrap="none" rtlCol="0">
+            <a:spAutoFit/>
+          </a:bodyPr>
+          <a:lstStyle/>
+          <a:p>
+            <a:r>
+              <a:rPr lang="en-US" dirty="0">
+                <a:solidFill>
+                  <a:schemeClr val="tx1">
+                    <a:lumMod val="65000"/>
+                    <a:lumOff val="35000"/>
+                  </a:schemeClr>
+                </a:solidFill>
+              </a:rPr>
+              <a:t>Sean O’Gorman</a:t>
+            </a:r>
+          </a:p>
+        </p:txBody>
+      </p:sp>
+    </p:spTree>
+    <p:extLst>
+      <p:ext uri="{BB962C8B-B14F-4D97-AF65-F5344CB8AC3E}">
+        <p14:creationId xmlns:p14="http://schemas.microsoft.com/office/powerpoint/2010/main" val="4230179093"/>
+      </p:ext>
+    </p:extLst>
+  </p:cSld>
+  <p:clrMapOvr>
+    <a:masterClrMapping/>
+  </p:clrMapOvr>
+</p:sld>
+</file>
+
+<file path=ppt/slides/slide23.xml><?xml version="1.0" encoding="utf-8"?>
+<p:sld xmlns:a="http://schemas.openxmlformats.org/drawingml/2006/main" xmlns:r="http://schemas.openxmlformats.org/officeDocument/2006/relationships" xmlns:p="http://schemas.openxmlformats.org/presentationml/2006/main">
+  <p:cSld>
+    <p:spTree>
+      <p:nvGrpSpPr>
+        <p:cNvPr id="1" name=""/>
+        <p:cNvGrpSpPr/>
+        <p:nvPr/>
+      </p:nvGrpSpPr>
+      <p:grpSpPr>
+        <a:xfrm>
+          <a:off x="0" y="0"/>
+          <a:ext cx="0" cy="0"/>
+          <a:chOff x="0" y="0"/>
+          <a:chExt cx="0" cy="0"/>
+        </a:xfrm>
+      </p:grpSpPr>
+      <p:sp>
+        <p:nvSpPr>
           <p:cNvPr id="5" name="Title 4">
             <a:extLst>
               <a:ext uri="{FF2B5EF4-FFF2-40B4-BE49-F238E27FC236}">
@@ -10328,6 +11586,19 @@
           <a:bodyPr/>
           <a:lstStyle/>
           <a:p>
+            <a:pPr marL="0" indent="0">
+              <a:buNone/>
+            </a:pPr>
+            <a:r>
+              <a:rPr lang="en-US" dirty="0"/>
+              <a:t>Docs</a:t>
+            </a:r>
+          </a:p>
+          <a:p>
+            <a:r>
+              <a:rPr lang="en-US" dirty="0"/>
+              <a:t>  </a:t>
+            </a:r>
             <a:r>
               <a:rPr lang="en-US" dirty="0">
                 <a:hlinkClick r:id="rId2"/>
@@ -10346,16 +11617,19 @@
             <a:endParaRPr lang="en-US" dirty="0"/>
           </a:p>
           <a:p>
-            <a:endParaRPr lang="en-US" dirty="0"/>
-          </a:p>
-          <a:p>
+            <a:pPr marL="0" indent="0">
+              <a:buNone/>
+            </a:pPr>
             <a:r>
               <a:rPr lang="en-US" dirty="0"/>
-              <a:t>Vagrant private network, slides and playbooks</a:t>
-            </a:r>
-          </a:p>
-          <a:p>
-            <a:endParaRPr lang="en-US" dirty="0"/>
+              <a:t>Demo source</a:t>
+            </a:r>
+          </a:p>
+          <a:p>
+            <a:r>
+              <a:rPr lang="en-US" dirty="0"/>
+              <a:t>YAML playbooks, Vagrant private network setup, and slide deck</a:t>
+            </a:r>
           </a:p>
           <a:p>
             <a:r>
@@ -10371,15 +11645,38 @@
             <a:endParaRPr lang="en-US" dirty="0"/>
           </a:p>
           <a:p>
+            <a:pPr marL="0" indent="0">
+              <a:buNone/>
+            </a:pPr>
+            <a:r>
+              <a:rPr lang="en-IE" dirty="0"/>
+              <a:t>Other Resources</a:t>
+            </a:r>
+          </a:p>
+          <a:p>
+            <a:r>
+              <a:rPr lang="en-IE" dirty="0"/>
+              <a:t>Apache web server </a:t>
+            </a:r>
             <a:r>
               <a:rPr lang="en-IE" dirty="0">
                 <a:hlinkClick r:id="rId5"/>
               </a:rPr>
-              <a:t>https://github.com/bertrandszoghy/vagrant_ansible_private_network_example/blob/master/</a:t>
-            </a:r>
-            <a:br>
-              <a:rPr lang="en-US" dirty="0"/>
-            </a:br>
+              <a:t>geerlingguy/ansible-role-apache</a:t>
+            </a:r>
+            <a:endParaRPr lang="en-IE" dirty="0"/>
+          </a:p>
+          <a:p>
+            <a:r>
+              <a:rPr lang="en-IE" dirty="0"/>
+              <a:t>Vagrant </a:t>
+            </a:r>
+            <a:r>
+              <a:rPr lang="en-IE" dirty="0">
+                <a:hlinkClick r:id="rId6"/>
+              </a:rPr>
+              <a:t>bertrandszoghy/vagrant_ansible_private_network_example</a:t>
+            </a:r>
             <a:endParaRPr lang="en-US" dirty="0"/>
           </a:p>
         </p:txBody>
@@ -10408,7 +11705,7 @@
             <a:fld id="{4FAB73BC-B049-4115-A692-8D63A059BFB8}" type="slidenum">
               <a:rPr lang="en-US" smtClean="0"/>
               <a:pPr/>
-              <a:t>22</a:t>
+              <a:t>23</a:t>
             </a:fld>
             <a:endParaRPr lang="en-US" dirty="0"/>
           </a:p>
@@ -10429,14 +11726,14 @@
           <p:nvPr/>
         </p:nvPicPr>
         <p:blipFill>
-          <a:blip r:embed="rId6"/>
+          <a:blip r:embed="rId7"/>
           <a:stretch>
             <a:fillRect/>
           </a:stretch>
         </p:blipFill>
         <p:spPr>
           <a:xfrm>
-            <a:off x="10811413" y="4374660"/>
+            <a:off x="5664648" y="3297065"/>
             <a:ext cx="254726" cy="254726"/>
           </a:xfrm>
           <a:prstGeom prst="rect">
@@ -10444,6 +11741,114 @@
           </a:prstGeom>
         </p:spPr>
       </p:pic>
+      <p:grpSp>
+        <p:nvGrpSpPr>
+          <p:cNvPr id="7" name="Group 6">
+            <a:extLst>
+              <a:ext uri="{FF2B5EF4-FFF2-40B4-BE49-F238E27FC236}">
+                <a16:creationId xmlns:a16="http://schemas.microsoft.com/office/drawing/2014/main" id="{EE1B1389-18D0-B444-B73F-745057F5CEB0}"/>
+              </a:ext>
+            </a:extLst>
+          </p:cNvPr>
+          <p:cNvGrpSpPr/>
+          <p:nvPr/>
+        </p:nvGrpSpPr>
+        <p:grpSpPr>
+          <a:xfrm>
+            <a:off x="26938" y="6180318"/>
+            <a:ext cx="4240002" cy="592183"/>
+            <a:chOff x="0" y="6237331"/>
+            <a:chExt cx="4240002" cy="592183"/>
+          </a:xfrm>
+        </p:grpSpPr>
+        <p:pic>
+          <p:nvPicPr>
+            <p:cNvPr id="8" name="Picture 7" descr="A picture containing tree&#10;&#10;Description automatically generated">
+              <a:extLst>
+                <a:ext uri="{FF2B5EF4-FFF2-40B4-BE49-F238E27FC236}">
+                  <a16:creationId xmlns:a16="http://schemas.microsoft.com/office/drawing/2014/main" id="{16491C8F-C428-774A-8BD2-6CA2426D3261}"/>
+                </a:ext>
+              </a:extLst>
+            </p:cNvPr>
+            <p:cNvPicPr>
+              <a:picLocks noChangeAspect="1"/>
+            </p:cNvPicPr>
+            <p:nvPr/>
+          </p:nvPicPr>
+          <p:blipFill>
+            <a:blip r:embed="rId8">
+              <a:extLst>
+                <a:ext uri="{BEBA8EAE-BF5A-486C-A8C5-ECC9F3942E4B}">
+                  <a14:imgProps xmlns:a14="http://schemas.microsoft.com/office/drawing/2010/main">
+                    <a14:imgLayer r:embed="rId9">
+                      <a14:imgEffect>
+                        <a14:saturation sat="0"/>
+                      </a14:imgEffect>
+                      <a14:imgEffect>
+                        <a14:brightnessContrast bright="-40000"/>
+                      </a14:imgEffect>
+                    </a14:imgLayer>
+                  </a14:imgProps>
+                </a:ext>
+              </a:extLst>
+            </a:blip>
+            <a:stretch>
+              <a:fillRect/>
+            </a:stretch>
+          </p:blipFill>
+          <p:spPr>
+            <a:xfrm>
+              <a:off x="0" y="6237331"/>
+              <a:ext cx="592183" cy="592183"/>
+            </a:xfrm>
+            <a:prstGeom prst="rect">
+              <a:avLst/>
+            </a:prstGeom>
+          </p:spPr>
+        </p:pic>
+        <p:sp>
+          <p:nvSpPr>
+            <p:cNvPr id="9" name="TextBox 8">
+              <a:extLst>
+                <a:ext uri="{FF2B5EF4-FFF2-40B4-BE49-F238E27FC236}">
+                  <a16:creationId xmlns:a16="http://schemas.microsoft.com/office/drawing/2014/main" id="{5A3C59F2-3A34-A240-BEF9-D4F443DAFDB1}"/>
+                </a:ext>
+              </a:extLst>
+            </p:cNvPr>
+            <p:cNvSpPr txBox="1"/>
+            <p:nvPr/>
+          </p:nvSpPr>
+          <p:spPr>
+            <a:xfrm>
+              <a:off x="478972" y="6348756"/>
+              <a:ext cx="3761030" cy="369332"/>
+            </a:xfrm>
+            <a:prstGeom prst="rect">
+              <a:avLst/>
+            </a:prstGeom>
+            <a:noFill/>
+          </p:spPr>
+          <p:txBody>
+            <a:bodyPr wrap="none" rtlCol="0">
+              <a:spAutoFit/>
+            </a:bodyPr>
+            <a:lstStyle/>
+            <a:p>
+              <a:r>
+                <a:rPr lang="en-US" dirty="0">
+                  <a:solidFill>
+                    <a:schemeClr val="tx1">
+                      <a:lumMod val="65000"/>
+                      <a:lumOff val="35000"/>
+                    </a:schemeClr>
+                  </a:solidFill>
+                </a:rPr>
+                <a:t>@AndrewReidEast &amp; Sean O’Gorman</a:t>
+              </a:r>
+            </a:p>
+          </p:txBody>
+        </p:sp>
+      </p:grpSp>
     </p:spTree>
     <p:extLst>
       <p:ext uri="{BB962C8B-B14F-4D97-AF65-F5344CB8AC3E}">
@@ -10479,6 +11884,230 @@
           <p:cNvPr id="2" name="Title 1">
             <a:extLst>
               <a:ext uri="{FF2B5EF4-FFF2-40B4-BE49-F238E27FC236}">
+                <a16:creationId xmlns:a16="http://schemas.microsoft.com/office/drawing/2014/main" id="{48939C98-DF1D-ED47-B1CF-8A03C8F86708}"/>
+              </a:ext>
+            </a:extLst>
+          </p:cNvPr>
+          <p:cNvSpPr>
+            <a:spLocks noGrp="1"/>
+          </p:cNvSpPr>
+          <p:nvPr>
+            <p:ph type="title"/>
+          </p:nvPr>
+        </p:nvSpPr>
+        <p:spPr/>
+        <p:txBody>
+          <a:bodyPr/>
+          <a:lstStyle/>
+          <a:p>
+            <a:r>
+              <a:rPr lang="en-US" dirty="0"/>
+              <a:t>What is Ansible?</a:t>
+            </a:r>
+          </a:p>
+        </p:txBody>
+      </p:sp>
+      <p:sp>
+        <p:nvSpPr>
+          <p:cNvPr id="3" name="Text Placeholder 2">
+            <a:extLst>
+              <a:ext uri="{FF2B5EF4-FFF2-40B4-BE49-F238E27FC236}">
+                <a16:creationId xmlns:a16="http://schemas.microsoft.com/office/drawing/2014/main" id="{EECEA45B-AA10-5C45-8FD4-9223328D994B}"/>
+              </a:ext>
+            </a:extLst>
+          </p:cNvPr>
+          <p:cNvSpPr>
+            <a:spLocks noGrp="1"/>
+          </p:cNvSpPr>
+          <p:nvPr>
+            <p:ph type="body" idx="1"/>
+          </p:nvPr>
+        </p:nvSpPr>
+        <p:spPr/>
+        <p:txBody>
+          <a:bodyPr/>
+          <a:lstStyle/>
+          <a:p>
+            <a:r>
+              <a:rPr lang="en-US" i="1" dirty="0"/>
+              <a:t>Ansible isn’t magic</a:t>
+            </a:r>
+          </a:p>
+        </p:txBody>
+      </p:sp>
+      <p:sp>
+        <p:nvSpPr>
+          <p:cNvPr id="7" name="Slide Number Placeholder 6">
+            <a:extLst>
+              <a:ext uri="{FF2B5EF4-FFF2-40B4-BE49-F238E27FC236}">
+                <a16:creationId xmlns:a16="http://schemas.microsoft.com/office/drawing/2014/main" id="{62310C2B-490A-C849-992A-863A8425089C}"/>
+              </a:ext>
+            </a:extLst>
+          </p:cNvPr>
+          <p:cNvSpPr>
+            <a:spLocks noGrp="1"/>
+          </p:cNvSpPr>
+          <p:nvPr>
+            <p:ph type="sldNum" sz="quarter" idx="4"/>
+          </p:nvPr>
+        </p:nvSpPr>
+        <p:spPr/>
+        <p:txBody>
+          <a:bodyPr/>
+          <a:lstStyle/>
+          <a:p>
+            <a:fld id="{4FAB73BC-B049-4115-A692-8D63A059BFB8}" type="slidenum">
+              <a:rPr lang="en-US" smtClean="0"/>
+              <a:pPr/>
+              <a:t>3</a:t>
+            </a:fld>
+            <a:endParaRPr lang="en-US" dirty="0"/>
+          </a:p>
+        </p:txBody>
+      </p:sp>
+      <p:grpSp>
+        <p:nvGrpSpPr>
+          <p:cNvPr id="9" name="Group 8">
+            <a:extLst>
+              <a:ext uri="{FF2B5EF4-FFF2-40B4-BE49-F238E27FC236}">
+                <a16:creationId xmlns:a16="http://schemas.microsoft.com/office/drawing/2014/main" id="{634BC4AE-BEAF-894A-9A77-C6030B532D7E}"/>
+              </a:ext>
+            </a:extLst>
+          </p:cNvPr>
+          <p:cNvGrpSpPr/>
+          <p:nvPr/>
+        </p:nvGrpSpPr>
+        <p:grpSpPr>
+          <a:xfrm>
+            <a:off x="26938" y="6180318"/>
+            <a:ext cx="2483367" cy="592183"/>
+            <a:chOff x="0" y="6237331"/>
+            <a:chExt cx="2483367" cy="592183"/>
+          </a:xfrm>
+        </p:grpSpPr>
+        <p:pic>
+          <p:nvPicPr>
+            <p:cNvPr id="5" name="Picture 4" descr="A picture containing tree&#10;&#10;Description automatically generated">
+              <a:extLst>
+                <a:ext uri="{FF2B5EF4-FFF2-40B4-BE49-F238E27FC236}">
+                  <a16:creationId xmlns:a16="http://schemas.microsoft.com/office/drawing/2014/main" id="{88B0A78A-720A-B045-B3EC-21C69F07E7BC}"/>
+                </a:ext>
+              </a:extLst>
+            </p:cNvPr>
+            <p:cNvPicPr>
+              <a:picLocks noChangeAspect="1"/>
+            </p:cNvPicPr>
+            <p:nvPr/>
+          </p:nvPicPr>
+          <p:blipFill>
+            <a:blip r:embed="rId2">
+              <a:extLst>
+                <a:ext uri="{BEBA8EAE-BF5A-486C-A8C5-ECC9F3942E4B}">
+                  <a14:imgProps xmlns:a14="http://schemas.microsoft.com/office/drawing/2010/main">
+                    <a14:imgLayer r:embed="rId3">
+                      <a14:imgEffect>
+                        <a14:saturation sat="0"/>
+                      </a14:imgEffect>
+                      <a14:imgEffect>
+                        <a14:brightnessContrast bright="-40000"/>
+                      </a14:imgEffect>
+                    </a14:imgLayer>
+                  </a14:imgProps>
+                </a:ext>
+              </a:extLst>
+            </a:blip>
+            <a:stretch>
+              <a:fillRect/>
+            </a:stretch>
+          </p:blipFill>
+          <p:spPr>
+            <a:xfrm>
+              <a:off x="0" y="6237331"/>
+              <a:ext cx="592183" cy="592183"/>
+            </a:xfrm>
+            <a:prstGeom prst="rect">
+              <a:avLst/>
+            </a:prstGeom>
+          </p:spPr>
+        </p:pic>
+        <p:sp>
+          <p:nvSpPr>
+            <p:cNvPr id="6" name="TextBox 5">
+              <a:extLst>
+                <a:ext uri="{FF2B5EF4-FFF2-40B4-BE49-F238E27FC236}">
+                  <a16:creationId xmlns:a16="http://schemas.microsoft.com/office/drawing/2014/main" id="{573D9A1B-08B8-C34A-8C1F-4CD19EBD55CC}"/>
+                </a:ext>
+              </a:extLst>
+            </p:cNvPr>
+            <p:cNvSpPr txBox="1"/>
+            <p:nvPr/>
+          </p:nvSpPr>
+          <p:spPr>
+            <a:xfrm>
+              <a:off x="478972" y="6348756"/>
+              <a:ext cx="2004395" cy="369332"/>
+            </a:xfrm>
+            <a:prstGeom prst="rect">
+              <a:avLst/>
+            </a:prstGeom>
+            <a:noFill/>
+          </p:spPr>
+          <p:txBody>
+            <a:bodyPr wrap="none" rtlCol="0">
+              <a:spAutoFit/>
+            </a:bodyPr>
+            <a:lstStyle/>
+            <a:p>
+              <a:r>
+                <a:rPr lang="en-US" dirty="0">
+                  <a:solidFill>
+                    <a:schemeClr val="tx1">
+                      <a:lumMod val="65000"/>
+                      <a:lumOff val="35000"/>
+                    </a:schemeClr>
+                  </a:solidFill>
+                </a:rPr>
+                <a:t>@AndrewReidEast</a:t>
+              </a:r>
+            </a:p>
+          </p:txBody>
+        </p:sp>
+      </p:grpSp>
+    </p:spTree>
+    <p:extLst>
+      <p:ext uri="{BB962C8B-B14F-4D97-AF65-F5344CB8AC3E}">
+        <p14:creationId xmlns:p14="http://schemas.microsoft.com/office/powerpoint/2010/main" val="2091121492"/>
+      </p:ext>
+    </p:extLst>
+  </p:cSld>
+  <p:clrMapOvr>
+    <a:masterClrMapping/>
+  </p:clrMapOvr>
+</p:sld>
+</file>
+
+<file path=ppt/slides/slide4.xml><?xml version="1.0" encoding="utf-8"?>
+<p:sld xmlns:a="http://schemas.openxmlformats.org/drawingml/2006/main" xmlns:r="http://schemas.openxmlformats.org/officeDocument/2006/relationships" xmlns:p="http://schemas.openxmlformats.org/presentationml/2006/main">
+  <p:cSld>
+    <p:spTree>
+      <p:nvGrpSpPr>
+        <p:cNvPr id="1" name=""/>
+        <p:cNvGrpSpPr/>
+        <p:nvPr/>
+      </p:nvGrpSpPr>
+      <p:grpSpPr>
+        <a:xfrm>
+          <a:off x="0" y="0"/>
+          <a:ext cx="0" cy="0"/>
+          <a:chOff x="0" y="0"/>
+          <a:chExt cx="0" cy="0"/>
+        </a:xfrm>
+      </p:grpSpPr>
+      <p:sp>
+        <p:nvSpPr>
+          <p:cNvPr id="2" name="Title 1">
+            <a:extLst>
+              <a:ext uri="{FF2B5EF4-FFF2-40B4-BE49-F238E27FC236}">
                 <a16:creationId xmlns:a16="http://schemas.microsoft.com/office/drawing/2014/main" id="{12C88741-DA39-8E46-8509-800481A089E7}"/>
               </a:ext>
             </a:extLst>
@@ -10599,12 +12228,120 @@
             <a:fld id="{4FAB73BC-B049-4115-A692-8D63A059BFB8}" type="slidenum">
               <a:rPr lang="en-US" smtClean="0"/>
               <a:pPr/>
-              <a:t>3</a:t>
+              <a:t>4</a:t>
             </a:fld>
             <a:endParaRPr lang="en-US" dirty="0"/>
           </a:p>
         </p:txBody>
       </p:sp>
+      <p:grpSp>
+        <p:nvGrpSpPr>
+          <p:cNvPr id="9" name="Group 8">
+            <a:extLst>
+              <a:ext uri="{FF2B5EF4-FFF2-40B4-BE49-F238E27FC236}">
+                <a16:creationId xmlns:a16="http://schemas.microsoft.com/office/drawing/2014/main" id="{F2202F7C-B238-CA4A-9259-1A3DDC65DCB6}"/>
+              </a:ext>
+            </a:extLst>
+          </p:cNvPr>
+          <p:cNvGrpSpPr/>
+          <p:nvPr/>
+        </p:nvGrpSpPr>
+        <p:grpSpPr>
+          <a:xfrm>
+            <a:off x="26938" y="6180318"/>
+            <a:ext cx="2483367" cy="592183"/>
+            <a:chOff x="0" y="6237331"/>
+            <a:chExt cx="2483367" cy="592183"/>
+          </a:xfrm>
+        </p:grpSpPr>
+        <p:pic>
+          <p:nvPicPr>
+            <p:cNvPr id="10" name="Picture 9" descr="A picture containing tree&#10;&#10;Description automatically generated">
+              <a:extLst>
+                <a:ext uri="{FF2B5EF4-FFF2-40B4-BE49-F238E27FC236}">
+                  <a16:creationId xmlns:a16="http://schemas.microsoft.com/office/drawing/2014/main" id="{ACD72417-43B8-9244-B004-14EC830EF237}"/>
+                </a:ext>
+              </a:extLst>
+            </p:cNvPr>
+            <p:cNvPicPr>
+              <a:picLocks noChangeAspect="1"/>
+            </p:cNvPicPr>
+            <p:nvPr/>
+          </p:nvPicPr>
+          <p:blipFill>
+            <a:blip r:embed="rId2">
+              <a:extLst>
+                <a:ext uri="{BEBA8EAE-BF5A-486C-A8C5-ECC9F3942E4B}">
+                  <a14:imgProps xmlns:a14="http://schemas.microsoft.com/office/drawing/2010/main">
+                    <a14:imgLayer r:embed="rId3">
+                      <a14:imgEffect>
+                        <a14:saturation sat="0"/>
+                      </a14:imgEffect>
+                      <a14:imgEffect>
+                        <a14:brightnessContrast bright="-40000"/>
+                      </a14:imgEffect>
+                    </a14:imgLayer>
+                  </a14:imgProps>
+                </a:ext>
+              </a:extLst>
+            </a:blip>
+            <a:stretch>
+              <a:fillRect/>
+            </a:stretch>
+          </p:blipFill>
+          <p:spPr>
+            <a:xfrm>
+              <a:off x="0" y="6237331"/>
+              <a:ext cx="592183" cy="592183"/>
+            </a:xfrm>
+            <a:prstGeom prst="rect">
+              <a:avLst/>
+            </a:prstGeom>
+          </p:spPr>
+        </p:pic>
+        <p:sp>
+          <p:nvSpPr>
+            <p:cNvPr id="11" name="TextBox 10">
+              <a:extLst>
+                <a:ext uri="{FF2B5EF4-FFF2-40B4-BE49-F238E27FC236}">
+                  <a16:creationId xmlns:a16="http://schemas.microsoft.com/office/drawing/2014/main" id="{457C17B5-152E-D849-967F-A88FB7BAF073}"/>
+                </a:ext>
+              </a:extLst>
+            </p:cNvPr>
+            <p:cNvSpPr txBox="1"/>
+            <p:nvPr/>
+          </p:nvSpPr>
+          <p:spPr>
+            <a:xfrm>
+              <a:off x="478972" y="6348756"/>
+              <a:ext cx="2004395" cy="369332"/>
+            </a:xfrm>
+            <a:prstGeom prst="rect">
+              <a:avLst/>
+            </a:prstGeom>
+            <a:noFill/>
+          </p:spPr>
+          <p:txBody>
+            <a:bodyPr wrap="none" rtlCol="0">
+              <a:spAutoFit/>
+            </a:bodyPr>
+            <a:lstStyle/>
+            <a:p>
+              <a:r>
+                <a:rPr lang="en-US" dirty="0">
+                  <a:solidFill>
+                    <a:schemeClr val="tx1">
+                      <a:lumMod val="65000"/>
+                      <a:lumOff val="35000"/>
+                    </a:schemeClr>
+                  </a:solidFill>
+                </a:rPr>
+                <a:t>@AndrewReidEast</a:t>
+              </a:r>
+            </a:p>
+          </p:txBody>
+        </p:sp>
+      </p:grpSp>
     </p:spTree>
     <p:extLst>
       <p:ext uri="{BB962C8B-B14F-4D97-AF65-F5344CB8AC3E}">
@@ -10618,7 +12355,7 @@
 </p:sld>
 </file>
 
-<file path=ppt/slides/slide4.xml><?xml version="1.0" encoding="utf-8"?>
+<file path=ppt/slides/slide5.xml><?xml version="1.0" encoding="utf-8"?>
 <p:sld xmlns:a="http://schemas.openxmlformats.org/drawingml/2006/main" xmlns:r="http://schemas.openxmlformats.org/officeDocument/2006/relationships" xmlns:p="http://schemas.openxmlformats.org/presentationml/2006/main">
   <p:cSld>
     <p:bg>
@@ -11022,7 +12759,7 @@
         <p:spPr>
           <a:xfrm>
             <a:off x="1069849" y="1298448"/>
-            <a:ext cx="7056444" cy="3255264"/>
+            <a:ext cx="6454357" cy="3255264"/>
           </a:xfrm>
         </p:spPr>
         <p:txBody>
@@ -11067,12 +12804,120 @@
             <a:fld id="{4FAB73BC-B049-4115-A692-8D63A059BFB8}" type="slidenum">
               <a:rPr lang="en-US" smtClean="0"/>
               <a:pPr/>
-              <a:t>4</a:t>
+              <a:t>5</a:t>
             </a:fld>
             <a:endParaRPr lang="en-US" dirty="0"/>
           </a:p>
         </p:txBody>
       </p:sp>
+      <p:grpSp>
+        <p:nvGrpSpPr>
+          <p:cNvPr id="16" name="Group 15">
+            <a:extLst>
+              <a:ext uri="{FF2B5EF4-FFF2-40B4-BE49-F238E27FC236}">
+                <a16:creationId xmlns:a16="http://schemas.microsoft.com/office/drawing/2014/main" id="{BB88DCA1-EF7A-6346-989E-B93A615230AE}"/>
+              </a:ext>
+            </a:extLst>
+          </p:cNvPr>
+          <p:cNvGrpSpPr/>
+          <p:nvPr/>
+        </p:nvGrpSpPr>
+        <p:grpSpPr>
+          <a:xfrm>
+            <a:off x="26938" y="6180318"/>
+            <a:ext cx="2483367" cy="592183"/>
+            <a:chOff x="0" y="6237331"/>
+            <a:chExt cx="2483367" cy="592183"/>
+          </a:xfrm>
+        </p:grpSpPr>
+        <p:pic>
+          <p:nvPicPr>
+            <p:cNvPr id="18" name="Picture 17" descr="A picture containing tree&#10;&#10;Description automatically generated">
+              <a:extLst>
+                <a:ext uri="{FF2B5EF4-FFF2-40B4-BE49-F238E27FC236}">
+                  <a16:creationId xmlns:a16="http://schemas.microsoft.com/office/drawing/2014/main" id="{51A12CDC-32A0-3242-AD75-EDECE9F1CEE8}"/>
+                </a:ext>
+              </a:extLst>
+            </p:cNvPr>
+            <p:cNvPicPr>
+              <a:picLocks noChangeAspect="1"/>
+            </p:cNvPicPr>
+            <p:nvPr/>
+          </p:nvPicPr>
+          <p:blipFill>
+            <a:blip r:embed="rId2">
+              <a:extLst>
+                <a:ext uri="{BEBA8EAE-BF5A-486C-A8C5-ECC9F3942E4B}">
+                  <a14:imgProps xmlns:a14="http://schemas.microsoft.com/office/drawing/2010/main">
+                    <a14:imgLayer r:embed="rId3">
+                      <a14:imgEffect>
+                        <a14:saturation sat="0"/>
+                      </a14:imgEffect>
+                      <a14:imgEffect>
+                        <a14:brightnessContrast bright="-40000"/>
+                      </a14:imgEffect>
+                    </a14:imgLayer>
+                  </a14:imgProps>
+                </a:ext>
+              </a:extLst>
+            </a:blip>
+            <a:stretch>
+              <a:fillRect/>
+            </a:stretch>
+          </p:blipFill>
+          <p:spPr>
+            <a:xfrm>
+              <a:off x="0" y="6237331"/>
+              <a:ext cx="592183" cy="592183"/>
+            </a:xfrm>
+            <a:prstGeom prst="rect">
+              <a:avLst/>
+            </a:prstGeom>
+          </p:spPr>
+        </p:pic>
+        <p:sp>
+          <p:nvSpPr>
+            <p:cNvPr id="20" name="TextBox 19">
+              <a:extLst>
+                <a:ext uri="{FF2B5EF4-FFF2-40B4-BE49-F238E27FC236}">
+                  <a16:creationId xmlns:a16="http://schemas.microsoft.com/office/drawing/2014/main" id="{A875EEDD-E696-8E42-9429-057D6823F80A}"/>
+                </a:ext>
+              </a:extLst>
+            </p:cNvPr>
+            <p:cNvSpPr txBox="1"/>
+            <p:nvPr/>
+          </p:nvSpPr>
+          <p:spPr>
+            <a:xfrm>
+              <a:off x="478972" y="6348756"/>
+              <a:ext cx="2004395" cy="369332"/>
+            </a:xfrm>
+            <a:prstGeom prst="rect">
+              <a:avLst/>
+            </a:prstGeom>
+            <a:noFill/>
+          </p:spPr>
+          <p:txBody>
+            <a:bodyPr wrap="none" rtlCol="0">
+              <a:spAutoFit/>
+            </a:bodyPr>
+            <a:lstStyle/>
+            <a:p>
+              <a:r>
+                <a:rPr lang="en-US" dirty="0">
+                  <a:solidFill>
+                    <a:schemeClr val="tx1">
+                      <a:lumMod val="65000"/>
+                      <a:lumOff val="35000"/>
+                    </a:schemeClr>
+                  </a:solidFill>
+                </a:rPr>
+                <a:t>@AndrewReidEast</a:t>
+              </a:r>
+            </a:p>
+          </p:txBody>
+        </p:sp>
+      </p:grpSp>
     </p:spTree>
     <p:extLst>
       <p:ext uri="{BB962C8B-B14F-4D97-AF65-F5344CB8AC3E}">
@@ -11086,7 +12931,7 @@
 </p:sld>
 </file>
 
-<file path=ppt/slides/slide5.xml><?xml version="1.0" encoding="utf-8"?>
+<file path=ppt/slides/slide6.xml><?xml version="1.0" encoding="utf-8"?>
 <p:sld xmlns:a="http://schemas.openxmlformats.org/drawingml/2006/main" xmlns:r="http://schemas.openxmlformats.org/officeDocument/2006/relationships" xmlns:p="http://schemas.openxmlformats.org/presentationml/2006/main">
   <p:cSld>
     <p:spTree>
@@ -11288,12 +13133,120 @@
             <a:fld id="{4FAB73BC-B049-4115-A692-8D63A059BFB8}" type="slidenum">
               <a:rPr lang="en-US" smtClean="0"/>
               <a:pPr/>
-              <a:t>5</a:t>
+              <a:t>6</a:t>
             </a:fld>
             <a:endParaRPr lang="en-US" dirty="0"/>
           </a:p>
         </p:txBody>
       </p:sp>
+      <p:grpSp>
+        <p:nvGrpSpPr>
+          <p:cNvPr id="10" name="Group 9">
+            <a:extLst>
+              <a:ext uri="{FF2B5EF4-FFF2-40B4-BE49-F238E27FC236}">
+                <a16:creationId xmlns:a16="http://schemas.microsoft.com/office/drawing/2014/main" id="{376EDBC1-235B-7149-8358-DCC151FCFB1D}"/>
+              </a:ext>
+            </a:extLst>
+          </p:cNvPr>
+          <p:cNvGrpSpPr/>
+          <p:nvPr/>
+        </p:nvGrpSpPr>
+        <p:grpSpPr>
+          <a:xfrm>
+            <a:off x="26938" y="6180318"/>
+            <a:ext cx="2483367" cy="592183"/>
+            <a:chOff x="0" y="6237331"/>
+            <a:chExt cx="2483367" cy="592183"/>
+          </a:xfrm>
+        </p:grpSpPr>
+        <p:pic>
+          <p:nvPicPr>
+            <p:cNvPr id="11" name="Picture 10" descr="A picture containing tree&#10;&#10;Description automatically generated">
+              <a:extLst>
+                <a:ext uri="{FF2B5EF4-FFF2-40B4-BE49-F238E27FC236}">
+                  <a16:creationId xmlns:a16="http://schemas.microsoft.com/office/drawing/2014/main" id="{75E8527E-B1EA-C64F-AF71-CE716FA796C1}"/>
+                </a:ext>
+              </a:extLst>
+            </p:cNvPr>
+            <p:cNvPicPr>
+              <a:picLocks noChangeAspect="1"/>
+            </p:cNvPicPr>
+            <p:nvPr/>
+          </p:nvPicPr>
+          <p:blipFill>
+            <a:blip r:embed="rId2">
+              <a:extLst>
+                <a:ext uri="{BEBA8EAE-BF5A-486C-A8C5-ECC9F3942E4B}">
+                  <a14:imgProps xmlns:a14="http://schemas.microsoft.com/office/drawing/2010/main">
+                    <a14:imgLayer r:embed="rId3">
+                      <a14:imgEffect>
+                        <a14:saturation sat="0"/>
+                      </a14:imgEffect>
+                      <a14:imgEffect>
+                        <a14:brightnessContrast bright="-40000"/>
+                      </a14:imgEffect>
+                    </a14:imgLayer>
+                  </a14:imgProps>
+                </a:ext>
+              </a:extLst>
+            </a:blip>
+            <a:stretch>
+              <a:fillRect/>
+            </a:stretch>
+          </p:blipFill>
+          <p:spPr>
+            <a:xfrm>
+              <a:off x="0" y="6237331"/>
+              <a:ext cx="592183" cy="592183"/>
+            </a:xfrm>
+            <a:prstGeom prst="rect">
+              <a:avLst/>
+            </a:prstGeom>
+          </p:spPr>
+        </p:pic>
+        <p:sp>
+          <p:nvSpPr>
+            <p:cNvPr id="12" name="TextBox 11">
+              <a:extLst>
+                <a:ext uri="{FF2B5EF4-FFF2-40B4-BE49-F238E27FC236}">
+                  <a16:creationId xmlns:a16="http://schemas.microsoft.com/office/drawing/2014/main" id="{389AFB14-C6D5-9944-80DF-A9D4EFC360A2}"/>
+                </a:ext>
+              </a:extLst>
+            </p:cNvPr>
+            <p:cNvSpPr txBox="1"/>
+            <p:nvPr/>
+          </p:nvSpPr>
+          <p:spPr>
+            <a:xfrm>
+              <a:off x="478972" y="6348756"/>
+              <a:ext cx="2004395" cy="369332"/>
+            </a:xfrm>
+            <a:prstGeom prst="rect">
+              <a:avLst/>
+            </a:prstGeom>
+            <a:noFill/>
+          </p:spPr>
+          <p:txBody>
+            <a:bodyPr wrap="none" rtlCol="0">
+              <a:spAutoFit/>
+            </a:bodyPr>
+            <a:lstStyle/>
+            <a:p>
+              <a:r>
+                <a:rPr lang="en-US" dirty="0">
+                  <a:solidFill>
+                    <a:schemeClr val="tx1">
+                      <a:lumMod val="65000"/>
+                      <a:lumOff val="35000"/>
+                    </a:schemeClr>
+                  </a:solidFill>
+                </a:rPr>
+                <a:t>@AndrewReidEast</a:t>
+              </a:r>
+            </a:p>
+          </p:txBody>
+        </p:sp>
+      </p:grpSp>
     </p:spTree>
     <p:extLst>
       <p:ext uri="{BB962C8B-B14F-4D97-AF65-F5344CB8AC3E}">
@@ -11307,7 +13260,7 @@
 </p:sld>
 </file>
 
-<file path=ppt/slides/slide6.xml><?xml version="1.0" encoding="utf-8"?>
+<file path=ppt/slides/slide7.xml><?xml version="1.0" encoding="utf-8"?>
 <p:sld xmlns:a="http://schemas.openxmlformats.org/drawingml/2006/main" xmlns:r="http://schemas.openxmlformats.org/officeDocument/2006/relationships" xmlns:p="http://schemas.openxmlformats.org/presentationml/2006/main">
   <p:cSld>
     <p:spTree>
@@ -12560,12 +14513,120 @@
             <a:fld id="{4FAB73BC-B049-4115-A692-8D63A059BFB8}" type="slidenum">
               <a:rPr lang="en-US" smtClean="0"/>
               <a:pPr/>
-              <a:t>6</a:t>
+              <a:t>7</a:t>
             </a:fld>
             <a:endParaRPr lang="en-US" dirty="0"/>
           </a:p>
         </p:txBody>
       </p:sp>
+      <p:grpSp>
+        <p:nvGrpSpPr>
+          <p:cNvPr id="17" name="Group 16">
+            <a:extLst>
+              <a:ext uri="{FF2B5EF4-FFF2-40B4-BE49-F238E27FC236}">
+                <a16:creationId xmlns:a16="http://schemas.microsoft.com/office/drawing/2014/main" id="{4014B3F4-B3E5-1C44-8876-249720E4B31C}"/>
+              </a:ext>
+            </a:extLst>
+          </p:cNvPr>
+          <p:cNvGrpSpPr/>
+          <p:nvPr/>
+        </p:nvGrpSpPr>
+        <p:grpSpPr>
+          <a:xfrm>
+            <a:off x="26938" y="6180318"/>
+            <a:ext cx="2483367" cy="592183"/>
+            <a:chOff x="0" y="6237331"/>
+            <a:chExt cx="2483367" cy="592183"/>
+          </a:xfrm>
+        </p:grpSpPr>
+        <p:pic>
+          <p:nvPicPr>
+            <p:cNvPr id="19" name="Picture 18" descr="A picture containing tree&#10;&#10;Description automatically generated">
+              <a:extLst>
+                <a:ext uri="{FF2B5EF4-FFF2-40B4-BE49-F238E27FC236}">
+                  <a16:creationId xmlns:a16="http://schemas.microsoft.com/office/drawing/2014/main" id="{0A9853AC-20F7-5B48-9F0C-B18B3F8434B9}"/>
+                </a:ext>
+              </a:extLst>
+            </p:cNvPr>
+            <p:cNvPicPr>
+              <a:picLocks noChangeAspect="1"/>
+            </p:cNvPicPr>
+            <p:nvPr/>
+          </p:nvPicPr>
+          <p:blipFill>
+            <a:blip r:embed="rId4">
+              <a:extLst>
+                <a:ext uri="{BEBA8EAE-BF5A-486C-A8C5-ECC9F3942E4B}">
+                  <a14:imgProps xmlns:a14="http://schemas.microsoft.com/office/drawing/2010/main">
+                    <a14:imgLayer r:embed="rId5">
+                      <a14:imgEffect>
+                        <a14:saturation sat="0"/>
+                      </a14:imgEffect>
+                      <a14:imgEffect>
+                        <a14:brightnessContrast bright="-40000"/>
+                      </a14:imgEffect>
+                    </a14:imgLayer>
+                  </a14:imgProps>
+                </a:ext>
+              </a:extLst>
+            </a:blip>
+            <a:stretch>
+              <a:fillRect/>
+            </a:stretch>
+          </p:blipFill>
+          <p:spPr>
+            <a:xfrm>
+              <a:off x="0" y="6237331"/>
+              <a:ext cx="592183" cy="592183"/>
+            </a:xfrm>
+            <a:prstGeom prst="rect">
+              <a:avLst/>
+            </a:prstGeom>
+          </p:spPr>
+        </p:pic>
+        <p:sp>
+          <p:nvSpPr>
+            <p:cNvPr id="20" name="TextBox 19">
+              <a:extLst>
+                <a:ext uri="{FF2B5EF4-FFF2-40B4-BE49-F238E27FC236}">
+                  <a16:creationId xmlns:a16="http://schemas.microsoft.com/office/drawing/2014/main" id="{74C17A8A-D9A3-F943-AA51-879D13A0A44E}"/>
+                </a:ext>
+              </a:extLst>
+            </p:cNvPr>
+            <p:cNvSpPr txBox="1"/>
+            <p:nvPr/>
+          </p:nvSpPr>
+          <p:spPr>
+            <a:xfrm>
+              <a:off x="478972" y="6348756"/>
+              <a:ext cx="2004395" cy="369332"/>
+            </a:xfrm>
+            <a:prstGeom prst="rect">
+              <a:avLst/>
+            </a:prstGeom>
+            <a:noFill/>
+          </p:spPr>
+          <p:txBody>
+            <a:bodyPr wrap="none" rtlCol="0">
+              <a:spAutoFit/>
+            </a:bodyPr>
+            <a:lstStyle/>
+            <a:p>
+              <a:r>
+                <a:rPr lang="en-US" dirty="0">
+                  <a:solidFill>
+                    <a:schemeClr val="tx1">
+                      <a:lumMod val="65000"/>
+                      <a:lumOff val="35000"/>
+                    </a:schemeClr>
+                  </a:solidFill>
+                </a:rPr>
+                <a:t>@AndrewReidEast</a:t>
+              </a:r>
+            </a:p>
+          </p:txBody>
+        </p:sp>
+      </p:grpSp>
     </p:spTree>
     <p:extLst>
       <p:ext uri="{BB962C8B-B14F-4D97-AF65-F5344CB8AC3E}">
@@ -12579,7 +14640,7 @@
 </p:sld>
 </file>
 
-<file path=ppt/slides/slide7.xml><?xml version="1.0" encoding="utf-8"?>
+<file path=ppt/slides/slide8.xml><?xml version="1.0" encoding="utf-8"?>
 <p:sld xmlns:a="http://schemas.openxmlformats.org/drawingml/2006/main" xmlns:r="http://schemas.openxmlformats.org/officeDocument/2006/relationships" xmlns:p="http://schemas.openxmlformats.org/presentationml/2006/main">
   <p:cSld>
     <p:spTree>
@@ -13343,132 +15404,124 @@
             <a:fld id="{4FAB73BC-B049-4115-A692-8D63A059BFB8}" type="slidenum">
               <a:rPr lang="en-US" smtClean="0"/>
               <a:pPr/>
-              <a:t>7</a:t>
+              <a:t>8</a:t>
             </a:fld>
             <a:endParaRPr lang="en-US" dirty="0"/>
           </a:p>
         </p:txBody>
       </p:sp>
+      <p:grpSp>
+        <p:nvGrpSpPr>
+          <p:cNvPr id="11" name="Group 10">
+            <a:extLst>
+              <a:ext uri="{FF2B5EF4-FFF2-40B4-BE49-F238E27FC236}">
+                <a16:creationId xmlns:a16="http://schemas.microsoft.com/office/drawing/2014/main" id="{7356D1DB-11F5-A546-B8F7-4E9034D5A56D}"/>
+              </a:ext>
+            </a:extLst>
+          </p:cNvPr>
+          <p:cNvGrpSpPr/>
+          <p:nvPr/>
+        </p:nvGrpSpPr>
+        <p:grpSpPr>
+          <a:xfrm>
+            <a:off x="26938" y="6180318"/>
+            <a:ext cx="2483367" cy="592183"/>
+            <a:chOff x="0" y="6237331"/>
+            <a:chExt cx="2483367" cy="592183"/>
+          </a:xfrm>
+        </p:grpSpPr>
+        <p:pic>
+          <p:nvPicPr>
+            <p:cNvPr id="12" name="Picture 11" descr="A picture containing tree&#10;&#10;Description automatically generated">
+              <a:extLst>
+                <a:ext uri="{FF2B5EF4-FFF2-40B4-BE49-F238E27FC236}">
+                  <a16:creationId xmlns:a16="http://schemas.microsoft.com/office/drawing/2014/main" id="{39B2AB98-9987-FD4A-9701-07DFC5F59BF4}"/>
+                </a:ext>
+              </a:extLst>
+            </p:cNvPr>
+            <p:cNvPicPr>
+              <a:picLocks noChangeAspect="1"/>
+            </p:cNvPicPr>
+            <p:nvPr/>
+          </p:nvPicPr>
+          <p:blipFill>
+            <a:blip r:embed="rId2">
+              <a:extLst>
+                <a:ext uri="{BEBA8EAE-BF5A-486C-A8C5-ECC9F3942E4B}">
+                  <a14:imgProps xmlns:a14="http://schemas.microsoft.com/office/drawing/2010/main">
+                    <a14:imgLayer r:embed="rId3">
+                      <a14:imgEffect>
+                        <a14:saturation sat="0"/>
+                      </a14:imgEffect>
+                      <a14:imgEffect>
+                        <a14:brightnessContrast bright="-40000"/>
+                      </a14:imgEffect>
+                    </a14:imgLayer>
+                  </a14:imgProps>
+                </a:ext>
+              </a:extLst>
+            </a:blip>
+            <a:stretch>
+              <a:fillRect/>
+            </a:stretch>
+          </p:blipFill>
+          <p:spPr>
+            <a:xfrm>
+              <a:off x="0" y="6237331"/>
+              <a:ext cx="592183" cy="592183"/>
+            </a:xfrm>
+            <a:prstGeom prst="rect">
+              <a:avLst/>
+            </a:prstGeom>
+          </p:spPr>
+        </p:pic>
+        <p:sp>
+          <p:nvSpPr>
+            <p:cNvPr id="13" name="TextBox 12">
+              <a:extLst>
+                <a:ext uri="{FF2B5EF4-FFF2-40B4-BE49-F238E27FC236}">
+                  <a16:creationId xmlns:a16="http://schemas.microsoft.com/office/drawing/2014/main" id="{0B1F6D7D-7FFD-2744-85B1-79A1FFC4E31B}"/>
+                </a:ext>
+              </a:extLst>
+            </p:cNvPr>
+            <p:cNvSpPr txBox="1"/>
+            <p:nvPr/>
+          </p:nvSpPr>
+          <p:spPr>
+            <a:xfrm>
+              <a:off x="478972" y="6348756"/>
+              <a:ext cx="2004395" cy="369332"/>
+            </a:xfrm>
+            <a:prstGeom prst="rect">
+              <a:avLst/>
+            </a:prstGeom>
+            <a:noFill/>
+          </p:spPr>
+          <p:txBody>
+            <a:bodyPr wrap="none" rtlCol="0">
+              <a:spAutoFit/>
+            </a:bodyPr>
+            <a:lstStyle/>
+            <a:p>
+              <a:r>
+                <a:rPr lang="en-US" dirty="0">
+                  <a:solidFill>
+                    <a:schemeClr val="tx1">
+                      <a:lumMod val="65000"/>
+                      <a:lumOff val="35000"/>
+                    </a:schemeClr>
+                  </a:solidFill>
+                </a:rPr>
+                <a:t>@AndrewReidEast</a:t>
+              </a:r>
+            </a:p>
+          </p:txBody>
+        </p:sp>
+      </p:grpSp>
     </p:spTree>
     <p:extLst>
       <p:ext uri="{BB962C8B-B14F-4D97-AF65-F5344CB8AC3E}">
         <p14:creationId xmlns:p14="http://schemas.microsoft.com/office/powerpoint/2010/main" val="2219217785"/>
-      </p:ext>
-    </p:extLst>
-  </p:cSld>
-  <p:clrMapOvr>
-    <a:masterClrMapping/>
-  </p:clrMapOvr>
-</p:sld>
-</file>
-
-<file path=ppt/slides/slide8.xml><?xml version="1.0" encoding="utf-8"?>
-<p:sld xmlns:a="http://schemas.openxmlformats.org/drawingml/2006/main" xmlns:r="http://schemas.openxmlformats.org/officeDocument/2006/relationships" xmlns:p="http://schemas.openxmlformats.org/presentationml/2006/main">
-  <p:cSld>
-    <p:spTree>
-      <p:nvGrpSpPr>
-        <p:cNvPr id="1" name=""/>
-        <p:cNvGrpSpPr/>
-        <p:nvPr/>
-      </p:nvGrpSpPr>
-      <p:grpSpPr>
-        <a:xfrm>
-          <a:off x="0" y="0"/>
-          <a:ext cx="0" cy="0"/>
-          <a:chOff x="0" y="0"/>
-          <a:chExt cx="0" cy="0"/>
-        </a:xfrm>
-      </p:grpSpPr>
-      <p:sp>
-        <p:nvSpPr>
-          <p:cNvPr id="2" name="Title 1">
-            <a:extLst>
-              <a:ext uri="{FF2B5EF4-FFF2-40B4-BE49-F238E27FC236}">
-                <a16:creationId xmlns:a16="http://schemas.microsoft.com/office/drawing/2014/main" id="{9ECF4714-9B23-F04D-A4EF-1247EF0AFD53}"/>
-              </a:ext>
-            </a:extLst>
-          </p:cNvPr>
-          <p:cNvSpPr>
-            <a:spLocks noGrp="1"/>
-          </p:cNvSpPr>
-          <p:nvPr>
-            <p:ph type="title"/>
-          </p:nvPr>
-        </p:nvSpPr>
-        <p:spPr/>
-        <p:txBody>
-          <a:bodyPr/>
-          <a:lstStyle/>
-          <a:p>
-            <a:r>
-              <a:rPr lang="en-US" dirty="0"/>
-              <a:t>So, why Ansible?</a:t>
-            </a:r>
-          </a:p>
-        </p:txBody>
-      </p:sp>
-      <p:sp>
-        <p:nvSpPr>
-          <p:cNvPr id="3" name="Text Placeholder 2">
-            <a:extLst>
-              <a:ext uri="{FF2B5EF4-FFF2-40B4-BE49-F238E27FC236}">
-                <a16:creationId xmlns:a16="http://schemas.microsoft.com/office/drawing/2014/main" id="{80C161AB-F865-064D-9A36-73E9B0BC8587}"/>
-              </a:ext>
-            </a:extLst>
-          </p:cNvPr>
-          <p:cNvSpPr>
-            <a:spLocks noGrp="1"/>
-          </p:cNvSpPr>
-          <p:nvPr>
-            <p:ph type="body" idx="1"/>
-          </p:nvPr>
-        </p:nvSpPr>
-        <p:spPr/>
-        <p:txBody>
-          <a:bodyPr/>
-          <a:lstStyle/>
-          <a:p>
-            <a:r>
-              <a:rPr lang="en-US" i="1" dirty="0"/>
-              <a:t>Why has it gotten so popular?</a:t>
-            </a:r>
-          </a:p>
-        </p:txBody>
-      </p:sp>
-      <p:sp>
-        <p:nvSpPr>
-          <p:cNvPr id="6" name="Slide Number Placeholder 5">
-            <a:extLst>
-              <a:ext uri="{FF2B5EF4-FFF2-40B4-BE49-F238E27FC236}">
-                <a16:creationId xmlns:a16="http://schemas.microsoft.com/office/drawing/2014/main" id="{678DBAEB-9B6C-554F-A559-746B84B76C1A}"/>
-              </a:ext>
-            </a:extLst>
-          </p:cNvPr>
-          <p:cNvSpPr>
-            <a:spLocks noGrp="1"/>
-          </p:cNvSpPr>
-          <p:nvPr>
-            <p:ph type="sldNum" sz="quarter" idx="4"/>
-          </p:nvPr>
-        </p:nvSpPr>
-        <p:spPr/>
-        <p:txBody>
-          <a:bodyPr/>
-          <a:lstStyle/>
-          <a:p>
-            <a:fld id="{4FAB73BC-B049-4115-A692-8D63A059BFB8}" type="slidenum">
-              <a:rPr lang="en-US" smtClean="0"/>
-              <a:pPr/>
-              <a:t>8</a:t>
-            </a:fld>
-            <a:endParaRPr lang="en-US" dirty="0"/>
-          </a:p>
-        </p:txBody>
-      </p:sp>
-    </p:spTree>
-    <p:extLst>
-      <p:ext uri="{BB962C8B-B14F-4D97-AF65-F5344CB8AC3E}">
-        <p14:creationId xmlns:p14="http://schemas.microsoft.com/office/powerpoint/2010/main" val="439397179"/>
       </p:ext>
     </p:extLst>
   </p:cSld>
@@ -13497,10 +15550,10 @@
       </p:grpSpPr>
       <p:sp>
         <p:nvSpPr>
-          <p:cNvPr id="4" name="Title 3">
+          <p:cNvPr id="2" name="Title 1">
             <a:extLst>
               <a:ext uri="{FF2B5EF4-FFF2-40B4-BE49-F238E27FC236}">
-                <a16:creationId xmlns:a16="http://schemas.microsoft.com/office/drawing/2014/main" id="{8E81C3D6-ED04-D345-A3C9-66786BFA198C}"/>
+                <a16:creationId xmlns:a16="http://schemas.microsoft.com/office/drawing/2014/main" id="{9ECF4714-9B23-F04D-A4EF-1247EF0AFD53}"/>
               </a:ext>
             </a:extLst>
           </p:cNvPr>
@@ -13518,17 +15571,17 @@
           <a:p>
             <a:r>
               <a:rPr lang="en-US" dirty="0"/>
-              <a:t>Why Ansible?</a:t>
-            </a:r>
-          </a:p>
-        </p:txBody>
-      </p:sp>
-      <p:sp>
-        <p:nvSpPr>
-          <p:cNvPr id="5" name="Content Placeholder 4">
+              <a:t>So, why Ansible?</a:t>
+            </a:r>
+          </a:p>
+        </p:txBody>
+      </p:sp>
+      <p:sp>
+        <p:nvSpPr>
+          <p:cNvPr id="3" name="Text Placeholder 2">
             <a:extLst>
               <a:ext uri="{FF2B5EF4-FFF2-40B4-BE49-F238E27FC236}">
-                <a16:creationId xmlns:a16="http://schemas.microsoft.com/office/drawing/2014/main" id="{7A3FBC57-813C-5440-A559-5E4C0C070A84}"/>
+                <a16:creationId xmlns:a16="http://schemas.microsoft.com/office/drawing/2014/main" id="{80C161AB-F865-064D-9A36-73E9B0BC8587}"/>
               </a:ext>
             </a:extLst>
           </p:cNvPr>
@@ -13536,69 +15589,17 @@
             <a:spLocks noGrp="1"/>
           </p:cNvSpPr>
           <p:nvPr>
-            <p:ph idx="1"/>
-          </p:nvPr>
-        </p:nvSpPr>
-        <p:spPr>
-          <a:xfrm>
-            <a:off x="3869268" y="864108"/>
-            <a:ext cx="7315200" cy="5120640"/>
-          </a:xfrm>
-        </p:spPr>
+            <p:ph type="body" idx="1"/>
+          </p:nvPr>
+        </p:nvSpPr>
+        <p:spPr/>
         <p:txBody>
           <a:bodyPr/>
           <a:lstStyle/>
           <a:p>
             <a:r>
-              <a:rPr lang="en-US" sz="3200" dirty="0"/>
-              <a:t>Low requirements</a:t>
-            </a:r>
-          </a:p>
-          <a:p>
-            <a:r>
-              <a:rPr lang="en-US" dirty="0"/>
-              <a:t>Each server only needs:</a:t>
-            </a:r>
-          </a:p>
-          <a:p>
-            <a:pPr lvl="1"/>
-            <a:r>
-              <a:rPr lang="en-US" dirty="0" err="1"/>
-              <a:t>sshd</a:t>
-            </a:r>
-            <a:endParaRPr lang="en-US" dirty="0"/>
-          </a:p>
-          <a:p>
-            <a:pPr lvl="1"/>
-            <a:r>
-              <a:rPr lang="en-US" dirty="0"/>
-              <a:t>python</a:t>
-            </a:r>
-          </a:p>
-          <a:p>
-            <a:r>
-              <a:rPr lang="en-US" dirty="0"/>
-              <a:t>Push model</a:t>
-            </a:r>
-          </a:p>
-          <a:p>
-            <a:pPr lvl="1"/>
-            <a:r>
-              <a:rPr lang="en-US" dirty="0"/>
-              <a:t>You push configurations when you run a playbook</a:t>
-            </a:r>
-          </a:p>
-          <a:p>
-            <a:pPr lvl="1"/>
-            <a:r>
-              <a:rPr lang="en-US" dirty="0"/>
-              <a:t>No polling, and nothing installed on servers</a:t>
-            </a:r>
-          </a:p>
-          <a:p>
-            <a:r>
-              <a:rPr lang="en-US" dirty="0"/>
-              <a:t>Clean servers</a:t>
+              <a:rPr lang="en-US" i="1" dirty="0"/>
+              <a:t>Why has it gotten so popular?</a:t>
             </a:r>
           </a:p>
         </p:txBody>
@@ -13608,7 +15609,7 @@
           <p:cNvPr id="6" name="Slide Number Placeholder 5">
             <a:extLst>
               <a:ext uri="{FF2B5EF4-FFF2-40B4-BE49-F238E27FC236}">
-                <a16:creationId xmlns:a16="http://schemas.microsoft.com/office/drawing/2014/main" id="{9FFB3E40-8FEB-EA49-A613-8A62515AC14A}"/>
+                <a16:creationId xmlns:a16="http://schemas.microsoft.com/office/drawing/2014/main" id="{678DBAEB-9B6C-554F-A559-746B84B76C1A}"/>
               </a:ext>
             </a:extLst>
           </p:cNvPr>
@@ -13633,10 +15634,118 @@
           </a:p>
         </p:txBody>
       </p:sp>
+      <p:grpSp>
+        <p:nvGrpSpPr>
+          <p:cNvPr id="9" name="Group 8">
+            <a:extLst>
+              <a:ext uri="{FF2B5EF4-FFF2-40B4-BE49-F238E27FC236}">
+                <a16:creationId xmlns:a16="http://schemas.microsoft.com/office/drawing/2014/main" id="{35CB78B3-EB26-284A-99C8-0A6A06C1883C}"/>
+              </a:ext>
+            </a:extLst>
+          </p:cNvPr>
+          <p:cNvGrpSpPr/>
+          <p:nvPr/>
+        </p:nvGrpSpPr>
+        <p:grpSpPr>
+          <a:xfrm>
+            <a:off x="26938" y="6180318"/>
+            <a:ext cx="2483367" cy="592183"/>
+            <a:chOff x="0" y="6237331"/>
+            <a:chExt cx="2483367" cy="592183"/>
+          </a:xfrm>
+        </p:grpSpPr>
+        <p:pic>
+          <p:nvPicPr>
+            <p:cNvPr id="10" name="Picture 9" descr="A picture containing tree&#10;&#10;Description automatically generated">
+              <a:extLst>
+                <a:ext uri="{FF2B5EF4-FFF2-40B4-BE49-F238E27FC236}">
+                  <a16:creationId xmlns:a16="http://schemas.microsoft.com/office/drawing/2014/main" id="{F877714F-8BA9-164E-B3FD-72BDE05D267C}"/>
+                </a:ext>
+              </a:extLst>
+            </p:cNvPr>
+            <p:cNvPicPr>
+              <a:picLocks noChangeAspect="1"/>
+            </p:cNvPicPr>
+            <p:nvPr/>
+          </p:nvPicPr>
+          <p:blipFill>
+            <a:blip r:embed="rId2">
+              <a:extLst>
+                <a:ext uri="{BEBA8EAE-BF5A-486C-A8C5-ECC9F3942E4B}">
+                  <a14:imgProps xmlns:a14="http://schemas.microsoft.com/office/drawing/2010/main">
+                    <a14:imgLayer r:embed="rId3">
+                      <a14:imgEffect>
+                        <a14:saturation sat="0"/>
+                      </a14:imgEffect>
+                      <a14:imgEffect>
+                        <a14:brightnessContrast bright="-40000"/>
+                      </a14:imgEffect>
+                    </a14:imgLayer>
+                  </a14:imgProps>
+                </a:ext>
+              </a:extLst>
+            </a:blip>
+            <a:stretch>
+              <a:fillRect/>
+            </a:stretch>
+          </p:blipFill>
+          <p:spPr>
+            <a:xfrm>
+              <a:off x="0" y="6237331"/>
+              <a:ext cx="592183" cy="592183"/>
+            </a:xfrm>
+            <a:prstGeom prst="rect">
+              <a:avLst/>
+            </a:prstGeom>
+          </p:spPr>
+        </p:pic>
+        <p:sp>
+          <p:nvSpPr>
+            <p:cNvPr id="11" name="TextBox 10">
+              <a:extLst>
+                <a:ext uri="{FF2B5EF4-FFF2-40B4-BE49-F238E27FC236}">
+                  <a16:creationId xmlns:a16="http://schemas.microsoft.com/office/drawing/2014/main" id="{62E1DDAA-B8B9-8A4E-8FE5-AB123E7A68AA}"/>
+                </a:ext>
+              </a:extLst>
+            </p:cNvPr>
+            <p:cNvSpPr txBox="1"/>
+            <p:nvPr/>
+          </p:nvSpPr>
+          <p:spPr>
+            <a:xfrm>
+              <a:off x="478972" y="6348756"/>
+              <a:ext cx="2004395" cy="369332"/>
+            </a:xfrm>
+            <a:prstGeom prst="rect">
+              <a:avLst/>
+            </a:prstGeom>
+            <a:noFill/>
+          </p:spPr>
+          <p:txBody>
+            <a:bodyPr wrap="none" rtlCol="0">
+              <a:spAutoFit/>
+            </a:bodyPr>
+            <a:lstStyle/>
+            <a:p>
+              <a:r>
+                <a:rPr lang="en-US" dirty="0">
+                  <a:solidFill>
+                    <a:schemeClr val="tx1">
+                      <a:lumMod val="65000"/>
+                      <a:lumOff val="35000"/>
+                    </a:schemeClr>
+                  </a:solidFill>
+                </a:rPr>
+                <a:t>@AndrewReidEast</a:t>
+              </a:r>
+            </a:p>
+          </p:txBody>
+        </p:sp>
+      </p:grpSp>
     </p:spTree>
     <p:extLst>
       <p:ext uri="{BB962C8B-B14F-4D97-AF65-F5344CB8AC3E}">
-        <p14:creationId xmlns:p14="http://schemas.microsoft.com/office/powerpoint/2010/main" val="67701040"/>
+        <p14:creationId xmlns:p14="http://schemas.microsoft.com/office/powerpoint/2010/main" val="439397179"/>
       </p:ext>
     </p:extLst>
   </p:cSld>

--- a/Ansible ABC's and Tower Tips.pptx
+++ b/Ansible ABC's and Tower Tips.pptx
@@ -11583,7 +11583,9 @@
         </p:nvSpPr>
         <p:spPr/>
         <p:txBody>
-          <a:bodyPr/>
+          <a:bodyPr>
+            <a:normAutofit/>
+          </a:bodyPr>
           <a:lstStyle/>
           <a:p>
             <a:pPr marL="0" indent="0">
@@ -11591,27 +11593,51 @@
             </a:pPr>
             <a:r>
               <a:rPr lang="en-US" dirty="0"/>
-              <a:t>Docs</a:t>
+              <a:t>Demo source</a:t>
             </a:r>
           </a:p>
           <a:p>
             <a:r>
               <a:rPr lang="en-US" dirty="0"/>
-              <a:t>  </a:t>
-            </a:r>
-            <a:r>
-              <a:rPr lang="en-US" dirty="0">
+              <a:t>YAML playbooks, Vagrant private network setup, and slide deck</a:t>
+            </a:r>
+          </a:p>
+          <a:p>
+            <a:r>
+              <a:rPr lang="en-US" dirty="0"/>
+              <a:t>Demo source:        </a:t>
+            </a:r>
+            <a:r>
+              <a:rPr lang="en-IE" u="sng" dirty="0">
                 <a:hlinkClick r:id="rId2"/>
               </a:rPr>
-              <a:t>Ansible docs – User guide, Quickstart</a:t>
+              <a:t>https://github.com/reideast/ansible-sandbox</a:t>
             </a:r>
             <a:endParaRPr lang="en-US" dirty="0"/>
+          </a:p>
+          <a:p>
+            <a:pPr marL="0" indent="0">
+              <a:buNone/>
+            </a:pPr>
+            <a:r>
+              <a:rPr lang="en-US" dirty="0"/>
+              <a:t>Docs</a:t>
+            </a:r>
           </a:p>
           <a:p>
             <a:r>
               <a:rPr lang="en-US" dirty="0">
                 <a:hlinkClick r:id="rId3"/>
               </a:rPr>
+              <a:t>Ansible docs – User guide, Quickstart</a:t>
+            </a:r>
+            <a:endParaRPr lang="en-US" dirty="0"/>
+          </a:p>
+          <a:p>
+            <a:r>
+              <a:rPr lang="en-US" dirty="0">
+                <a:hlinkClick r:id="rId4"/>
+              </a:rPr>
               <a:t>Ansible: Up and Running (Safari books)</a:t>
             </a:r>
             <a:endParaRPr lang="en-US" dirty="0"/>
@@ -11621,34 +11647,6 @@
               <a:buNone/>
             </a:pPr>
             <a:r>
-              <a:rPr lang="en-US" dirty="0"/>
-              <a:t>Demo source</a:t>
-            </a:r>
-          </a:p>
-          <a:p>
-            <a:r>
-              <a:rPr lang="en-US" dirty="0"/>
-              <a:t>YAML playbooks, Vagrant private network setup, and slide deck</a:t>
-            </a:r>
-          </a:p>
-          <a:p>
-            <a:r>
-              <a:rPr lang="en-US" dirty="0"/>
-              <a:t>Demo source:        </a:t>
-            </a:r>
-            <a:r>
-              <a:rPr lang="en-IE" u="sng" dirty="0">
-                <a:hlinkClick r:id="rId4"/>
-              </a:rPr>
-              <a:t>https://github.com/reideast/ansible-sandbox</a:t>
-            </a:r>
-            <a:endParaRPr lang="en-US" dirty="0"/>
-          </a:p>
-          <a:p>
-            <a:pPr marL="0" indent="0">
-              <a:buNone/>
-            </a:pPr>
-            <a:r>
               <a:rPr lang="en-IE" dirty="0"/>
               <a:t>Other Resources</a:t>
             </a:r>
@@ -11656,12 +11654,48 @@
           <a:p>
             <a:r>
               <a:rPr lang="en-IE" dirty="0"/>
-              <a:t>Apache web server </a:t>
+              <a:t>YouTube: </a:t>
             </a:r>
             <a:r>
               <a:rPr lang="en-IE" dirty="0">
                 <a:hlinkClick r:id="rId5"/>
               </a:rPr>
+              <a:t>Red Hat Ansible Tower Demo </a:t>
+            </a:r>
+            <a:r>
+              <a:rPr lang="en-IE" dirty="0">
+                <a:hlinkClick r:id="rId5"/>
+              </a:rPr>
+              <a:t>-</a:t>
+            </a:r>
+            <a:r>
+              <a:rPr lang="en-IE" dirty="0">
+                <a:hlinkClick r:id="rId5"/>
+              </a:rPr>
+              <a:t> Linux</a:t>
+            </a:r>
+            <a:r>
+              <a:rPr lang="en-IE" dirty="0">
+                <a:latin typeface="Consolas" panose="020B0609020204030204" pitchFamily="49" charset="0"/>
+                <a:cs typeface="Consolas" panose="020B0609020204030204" pitchFamily="49" charset="0"/>
+                <a:hlinkClick r:id="rId5"/>
+              </a:rPr>
+              <a:t>0</a:t>
+            </a:r>
+            <a:endParaRPr lang="en-IE" dirty="0">
+              <a:latin typeface="Consolas" panose="020B0609020204030204" pitchFamily="49" charset="0"/>
+              <a:cs typeface="Consolas" panose="020B0609020204030204" pitchFamily="49" charset="0"/>
+            </a:endParaRPr>
+          </a:p>
+          <a:p>
+            <a:r>
+              <a:rPr lang="en-IE" dirty="0"/>
+              <a:t>Apache web server </a:t>
+            </a:r>
+            <a:r>
+              <a:rPr lang="en-IE" dirty="0">
+                <a:hlinkClick r:id="rId6"/>
+              </a:rPr>
               <a:t>geerlingguy/ansible-role-apache</a:t>
             </a:r>
             <a:endParaRPr lang="en-IE" dirty="0"/>
@@ -11673,7 +11707,7 @@
             </a:r>
             <a:r>
               <a:rPr lang="en-IE" dirty="0">
-                <a:hlinkClick r:id="rId6"/>
+                <a:hlinkClick r:id="rId7"/>
               </a:rPr>
               <a:t>bertrandszoghy/vagrant_ansible_private_network_example</a:t>
             </a:r>
@@ -11726,14 +11760,14 @@
           <p:nvPr/>
         </p:nvPicPr>
         <p:blipFill>
-          <a:blip r:embed="rId7"/>
+          <a:blip r:embed="rId8"/>
           <a:stretch>
             <a:fillRect/>
           </a:stretch>
         </p:blipFill>
         <p:spPr>
           <a:xfrm>
-            <a:off x="5664648" y="3297065"/>
+            <a:off x="5681581" y="1967799"/>
             <a:ext cx="254726" cy="254726"/>
           </a:xfrm>
           <a:prstGeom prst="rect">
@@ -11776,11 +11810,11 @@
             <p:nvPr/>
           </p:nvPicPr>
           <p:blipFill>
-            <a:blip r:embed="rId8">
+            <a:blip r:embed="rId9">
               <a:extLst>
                 <a:ext uri="{BEBA8EAE-BF5A-486C-A8C5-ECC9F3942E4B}">
                   <a14:imgProps xmlns:a14="http://schemas.microsoft.com/office/drawing/2010/main">
-                    <a14:imgLayer r:embed="rId9">
+                    <a14:imgLayer r:embed="rId10">
                       <a14:imgEffect>
                         <a14:saturation sat="0"/>
                       </a14:imgEffect>
